--- a/FinalDeliverables_doc/Presentation.pptx
+++ b/FinalDeliverables_doc/Presentation.pptx
@@ -70,7 +70,7 @@
       </p:grpSpPr>
       <p:sp>
         <p:nvSpPr>
-          <p:cNvPr id="26" name="PlaceHolder 1"/>
+          <p:cNvPr id="23" name="PlaceHolder 1"/>
           <p:cNvSpPr>
             <a:spLocks noGrp="1"/>
           </p:cNvSpPr>
@@ -80,8 +80,8 @@
         </p:nvSpPr>
         <p:spPr>
           <a:xfrm>
-            <a:off x="457200" y="380880"/>
-            <a:ext cx="8229240" cy="1371240"/>
+            <a:off x="457200" y="273600"/>
+            <a:ext cx="8229240" cy="1144800"/>
           </a:xfrm>
           <a:prstGeom prst="rect">
             <a:avLst/>
@@ -90,18 +90,16 @@
         <p:txBody>
           <a:bodyPr lIns="0" rIns="0" tIns="0" bIns="0" anchor="ctr"/>
           <a:p>
+            <a:pPr algn="ctr"/>
             <a:endParaRPr b="0" lang="en-US" sz="4400" spc="-1" strike="noStrike">
-              <a:solidFill>
-                <a:srgbClr val="ffffff"/>
-              </a:solidFill>
-              <a:latin typeface="Tahoma"/>
-            </a:endParaRPr>
-          </a:p>
-        </p:txBody>
-      </p:sp>
-      <p:sp>
-        <p:nvSpPr>
-          <p:cNvPr id="27" name="PlaceHolder 2"/>
+              <a:latin typeface="Arial"/>
+            </a:endParaRPr>
+          </a:p>
+        </p:txBody>
+      </p:sp>
+      <p:sp>
+        <p:nvSpPr>
+          <p:cNvPr id="24" name="PlaceHolder 2"/>
           <p:cNvSpPr>
             <a:spLocks noGrp="1"/>
           </p:cNvSpPr>
@@ -111,8 +109,8 @@
         </p:nvSpPr>
         <p:spPr>
           <a:xfrm>
-            <a:off x="457200" y="1981080"/>
-            <a:ext cx="8229240" cy="1962360"/>
+            <a:off x="457200" y="1604520"/>
+            <a:ext cx="8229240" cy="1896840"/>
           </a:xfrm>
           <a:prstGeom prst="rect">
             <a:avLst/>
@@ -124,17 +122,14 @@
           </a:bodyPr>
           <a:p>
             <a:endParaRPr b="0" lang="en-US" sz="3200" spc="-1" strike="noStrike">
-              <a:solidFill>
-                <a:srgbClr val="ffffff"/>
-              </a:solidFill>
-              <a:latin typeface="Tahoma"/>
-            </a:endParaRPr>
-          </a:p>
-        </p:txBody>
-      </p:sp>
-      <p:sp>
-        <p:nvSpPr>
-          <p:cNvPr id="28" name="PlaceHolder 3"/>
+              <a:latin typeface="Arial"/>
+            </a:endParaRPr>
+          </a:p>
+        </p:txBody>
+      </p:sp>
+      <p:sp>
+        <p:nvSpPr>
+          <p:cNvPr id="25" name="PlaceHolder 3"/>
           <p:cNvSpPr>
             <a:spLocks noGrp="1"/>
           </p:cNvSpPr>
@@ -144,8 +139,8 @@
         </p:nvSpPr>
         <p:spPr>
           <a:xfrm>
-            <a:off x="457200" y="4130280"/>
-            <a:ext cx="8229240" cy="1962360"/>
+            <a:off x="457200" y="3682080"/>
+            <a:ext cx="8229240" cy="1896840"/>
           </a:xfrm>
           <a:prstGeom prst="rect">
             <a:avLst/>
@@ -157,10 +152,7 @@
           </a:bodyPr>
           <a:p>
             <a:endParaRPr b="0" lang="en-US" sz="3200" spc="-1" strike="noStrike">
-              <a:solidFill>
-                <a:srgbClr val="ffffff"/>
-              </a:solidFill>
-              <a:latin typeface="Tahoma"/>
+              <a:latin typeface="Arial"/>
             </a:endParaRPr>
           </a:p>
         </p:txBody>
@@ -189,7 +181,7 @@
       </p:grpSpPr>
       <p:sp>
         <p:nvSpPr>
-          <p:cNvPr id="29" name="PlaceHolder 1"/>
+          <p:cNvPr id="26" name="PlaceHolder 1"/>
           <p:cNvSpPr>
             <a:spLocks noGrp="1"/>
           </p:cNvSpPr>
@@ -199,8 +191,8 @@
         </p:nvSpPr>
         <p:spPr>
           <a:xfrm>
-            <a:off x="457200" y="380880"/>
-            <a:ext cx="8229240" cy="1371240"/>
+            <a:off x="457200" y="273600"/>
+            <a:ext cx="8229240" cy="1144800"/>
           </a:xfrm>
           <a:prstGeom prst="rect">
             <a:avLst/>
@@ -209,18 +201,16 @@
         <p:txBody>
           <a:bodyPr lIns="0" rIns="0" tIns="0" bIns="0" anchor="ctr"/>
           <a:p>
+            <a:pPr algn="ctr"/>
             <a:endParaRPr b="0" lang="en-US" sz="4400" spc="-1" strike="noStrike">
-              <a:solidFill>
-                <a:srgbClr val="ffffff"/>
-              </a:solidFill>
-              <a:latin typeface="Tahoma"/>
-            </a:endParaRPr>
-          </a:p>
-        </p:txBody>
-      </p:sp>
-      <p:sp>
-        <p:nvSpPr>
-          <p:cNvPr id="30" name="PlaceHolder 2"/>
+              <a:latin typeface="Arial"/>
+            </a:endParaRPr>
+          </a:p>
+        </p:txBody>
+      </p:sp>
+      <p:sp>
+        <p:nvSpPr>
+          <p:cNvPr id="27" name="PlaceHolder 2"/>
           <p:cNvSpPr>
             <a:spLocks noGrp="1"/>
           </p:cNvSpPr>
@@ -230,8 +220,8 @@
         </p:nvSpPr>
         <p:spPr>
           <a:xfrm>
-            <a:off x="457200" y="1981080"/>
-            <a:ext cx="4015800" cy="1962360"/>
+            <a:off x="457200" y="1604520"/>
+            <a:ext cx="4015800" cy="1896840"/>
           </a:xfrm>
           <a:prstGeom prst="rect">
             <a:avLst/>
@@ -243,17 +233,14 @@
           </a:bodyPr>
           <a:p>
             <a:endParaRPr b="0" lang="en-US" sz="3200" spc="-1" strike="noStrike">
-              <a:solidFill>
-                <a:srgbClr val="ffffff"/>
-              </a:solidFill>
-              <a:latin typeface="Tahoma"/>
-            </a:endParaRPr>
-          </a:p>
-        </p:txBody>
-      </p:sp>
-      <p:sp>
-        <p:nvSpPr>
-          <p:cNvPr id="31" name="PlaceHolder 3"/>
+              <a:latin typeface="Arial"/>
+            </a:endParaRPr>
+          </a:p>
+        </p:txBody>
+      </p:sp>
+      <p:sp>
+        <p:nvSpPr>
+          <p:cNvPr id="28" name="PlaceHolder 3"/>
           <p:cNvSpPr>
             <a:spLocks noGrp="1"/>
           </p:cNvSpPr>
@@ -263,8 +250,8 @@
         </p:nvSpPr>
         <p:spPr>
           <a:xfrm>
-            <a:off x="4674240" y="1981080"/>
-            <a:ext cx="4015800" cy="1962360"/>
+            <a:off x="4674240" y="1604520"/>
+            <a:ext cx="4015800" cy="1896840"/>
           </a:xfrm>
           <a:prstGeom prst="rect">
             <a:avLst/>
@@ -276,17 +263,14 @@
           </a:bodyPr>
           <a:p>
             <a:endParaRPr b="0" lang="en-US" sz="3200" spc="-1" strike="noStrike">
-              <a:solidFill>
-                <a:srgbClr val="ffffff"/>
-              </a:solidFill>
-              <a:latin typeface="Tahoma"/>
-            </a:endParaRPr>
-          </a:p>
-        </p:txBody>
-      </p:sp>
-      <p:sp>
-        <p:nvSpPr>
-          <p:cNvPr id="32" name="PlaceHolder 4"/>
+              <a:latin typeface="Arial"/>
+            </a:endParaRPr>
+          </a:p>
+        </p:txBody>
+      </p:sp>
+      <p:sp>
+        <p:nvSpPr>
+          <p:cNvPr id="29" name="PlaceHolder 4"/>
           <p:cNvSpPr>
             <a:spLocks noGrp="1"/>
           </p:cNvSpPr>
@@ -296,8 +280,8 @@
         </p:nvSpPr>
         <p:spPr>
           <a:xfrm>
-            <a:off x="4674240" y="4130280"/>
-            <a:ext cx="4015800" cy="1962360"/>
+            <a:off x="4674240" y="3682080"/>
+            <a:ext cx="4015800" cy="1896840"/>
           </a:xfrm>
           <a:prstGeom prst="rect">
             <a:avLst/>
@@ -309,17 +293,14 @@
           </a:bodyPr>
           <a:p>
             <a:endParaRPr b="0" lang="en-US" sz="3200" spc="-1" strike="noStrike">
-              <a:solidFill>
-                <a:srgbClr val="ffffff"/>
-              </a:solidFill>
-              <a:latin typeface="Tahoma"/>
-            </a:endParaRPr>
-          </a:p>
-        </p:txBody>
-      </p:sp>
-      <p:sp>
-        <p:nvSpPr>
-          <p:cNvPr id="33" name="PlaceHolder 5"/>
+              <a:latin typeface="Arial"/>
+            </a:endParaRPr>
+          </a:p>
+        </p:txBody>
+      </p:sp>
+      <p:sp>
+        <p:nvSpPr>
+          <p:cNvPr id="30" name="PlaceHolder 5"/>
           <p:cNvSpPr>
             <a:spLocks noGrp="1"/>
           </p:cNvSpPr>
@@ -329,8 +310,8 @@
         </p:nvSpPr>
         <p:spPr>
           <a:xfrm>
-            <a:off x="457200" y="4130280"/>
-            <a:ext cx="4015800" cy="1962360"/>
+            <a:off x="457200" y="3682080"/>
+            <a:ext cx="4015800" cy="1896840"/>
           </a:xfrm>
           <a:prstGeom prst="rect">
             <a:avLst/>
@@ -342,10 +323,7 @@
           </a:bodyPr>
           <a:p>
             <a:endParaRPr b="0" lang="en-US" sz="3200" spc="-1" strike="noStrike">
-              <a:solidFill>
-                <a:srgbClr val="ffffff"/>
-              </a:solidFill>
-              <a:latin typeface="Tahoma"/>
+              <a:latin typeface="Arial"/>
             </a:endParaRPr>
           </a:p>
         </p:txBody>
@@ -374,7 +352,7 @@
       </p:grpSpPr>
       <p:sp>
         <p:nvSpPr>
-          <p:cNvPr id="34" name="PlaceHolder 1"/>
+          <p:cNvPr id="31" name="PlaceHolder 1"/>
           <p:cNvSpPr>
             <a:spLocks noGrp="1"/>
           </p:cNvSpPr>
@@ -384,8 +362,8 @@
         </p:nvSpPr>
         <p:spPr>
           <a:xfrm>
-            <a:off x="457200" y="380880"/>
-            <a:ext cx="8229240" cy="1371240"/>
+            <a:off x="457200" y="273600"/>
+            <a:ext cx="8229240" cy="1144800"/>
           </a:xfrm>
           <a:prstGeom prst="rect">
             <a:avLst/>
@@ -394,18 +372,16 @@
         <p:txBody>
           <a:bodyPr lIns="0" rIns="0" tIns="0" bIns="0" anchor="ctr"/>
           <a:p>
+            <a:pPr algn="ctr"/>
             <a:endParaRPr b="0" lang="en-US" sz="4400" spc="-1" strike="noStrike">
-              <a:solidFill>
-                <a:srgbClr val="ffffff"/>
-              </a:solidFill>
-              <a:latin typeface="Tahoma"/>
-            </a:endParaRPr>
-          </a:p>
-        </p:txBody>
-      </p:sp>
-      <p:sp>
-        <p:nvSpPr>
-          <p:cNvPr id="35" name="PlaceHolder 2"/>
+              <a:latin typeface="Arial"/>
+            </a:endParaRPr>
+          </a:p>
+        </p:txBody>
+      </p:sp>
+      <p:sp>
+        <p:nvSpPr>
+          <p:cNvPr id="32" name="PlaceHolder 2"/>
           <p:cNvSpPr>
             <a:spLocks noGrp="1"/>
           </p:cNvSpPr>
@@ -415,8 +391,8 @@
         </p:nvSpPr>
         <p:spPr>
           <a:xfrm>
-            <a:off x="457200" y="1981080"/>
-            <a:ext cx="2649600" cy="1962360"/>
+            <a:off x="457200" y="1604520"/>
+            <a:ext cx="2649600" cy="1896840"/>
           </a:xfrm>
           <a:prstGeom prst="rect">
             <a:avLst/>
@@ -428,17 +404,14 @@
           </a:bodyPr>
           <a:p>
             <a:endParaRPr b="0" lang="en-US" sz="3200" spc="-1" strike="noStrike">
-              <a:solidFill>
-                <a:srgbClr val="ffffff"/>
-              </a:solidFill>
-              <a:latin typeface="Tahoma"/>
-            </a:endParaRPr>
-          </a:p>
-        </p:txBody>
-      </p:sp>
-      <p:sp>
-        <p:nvSpPr>
-          <p:cNvPr id="36" name="PlaceHolder 3"/>
+              <a:latin typeface="Arial"/>
+            </a:endParaRPr>
+          </a:p>
+        </p:txBody>
+      </p:sp>
+      <p:sp>
+        <p:nvSpPr>
+          <p:cNvPr id="33" name="PlaceHolder 3"/>
           <p:cNvSpPr>
             <a:spLocks noGrp="1"/>
           </p:cNvSpPr>
@@ -448,8 +421,8 @@
         </p:nvSpPr>
         <p:spPr>
           <a:xfrm>
-            <a:off x="3239640" y="1981080"/>
-            <a:ext cx="2649600" cy="1962360"/>
+            <a:off x="3239640" y="1604520"/>
+            <a:ext cx="2649600" cy="1896840"/>
           </a:xfrm>
           <a:prstGeom prst="rect">
             <a:avLst/>
@@ -461,17 +434,14 @@
           </a:bodyPr>
           <a:p>
             <a:endParaRPr b="0" lang="en-US" sz="3200" spc="-1" strike="noStrike">
-              <a:solidFill>
-                <a:srgbClr val="ffffff"/>
-              </a:solidFill>
-              <a:latin typeface="Tahoma"/>
-            </a:endParaRPr>
-          </a:p>
-        </p:txBody>
-      </p:sp>
-      <p:sp>
-        <p:nvSpPr>
-          <p:cNvPr id="37" name="PlaceHolder 4"/>
+              <a:latin typeface="Arial"/>
+            </a:endParaRPr>
+          </a:p>
+        </p:txBody>
+      </p:sp>
+      <p:sp>
+        <p:nvSpPr>
+          <p:cNvPr id="34" name="PlaceHolder 4"/>
           <p:cNvSpPr>
             <a:spLocks noGrp="1"/>
           </p:cNvSpPr>
@@ -481,8 +451,8 @@
         </p:nvSpPr>
         <p:spPr>
           <a:xfrm>
-            <a:off x="6022080" y="1981080"/>
-            <a:ext cx="2649600" cy="1962360"/>
+            <a:off x="6022080" y="1604520"/>
+            <a:ext cx="2649600" cy="1896840"/>
           </a:xfrm>
           <a:prstGeom prst="rect">
             <a:avLst/>
@@ -494,17 +464,14 @@
           </a:bodyPr>
           <a:p>
             <a:endParaRPr b="0" lang="en-US" sz="3200" spc="-1" strike="noStrike">
-              <a:solidFill>
-                <a:srgbClr val="ffffff"/>
-              </a:solidFill>
-              <a:latin typeface="Tahoma"/>
-            </a:endParaRPr>
-          </a:p>
-        </p:txBody>
-      </p:sp>
-      <p:sp>
-        <p:nvSpPr>
-          <p:cNvPr id="38" name="PlaceHolder 5"/>
+              <a:latin typeface="Arial"/>
+            </a:endParaRPr>
+          </a:p>
+        </p:txBody>
+      </p:sp>
+      <p:sp>
+        <p:nvSpPr>
+          <p:cNvPr id="35" name="PlaceHolder 5"/>
           <p:cNvSpPr>
             <a:spLocks noGrp="1"/>
           </p:cNvSpPr>
@@ -514,8 +481,8 @@
         </p:nvSpPr>
         <p:spPr>
           <a:xfrm>
-            <a:off x="6022080" y="4130280"/>
-            <a:ext cx="2649600" cy="1962360"/>
+            <a:off x="6022080" y="3682080"/>
+            <a:ext cx="2649600" cy="1896840"/>
           </a:xfrm>
           <a:prstGeom prst="rect">
             <a:avLst/>
@@ -527,17 +494,14 @@
           </a:bodyPr>
           <a:p>
             <a:endParaRPr b="0" lang="en-US" sz="3200" spc="-1" strike="noStrike">
-              <a:solidFill>
-                <a:srgbClr val="ffffff"/>
-              </a:solidFill>
-              <a:latin typeface="Tahoma"/>
-            </a:endParaRPr>
-          </a:p>
-        </p:txBody>
-      </p:sp>
-      <p:sp>
-        <p:nvSpPr>
-          <p:cNvPr id="39" name="PlaceHolder 6"/>
+              <a:latin typeface="Arial"/>
+            </a:endParaRPr>
+          </a:p>
+        </p:txBody>
+      </p:sp>
+      <p:sp>
+        <p:nvSpPr>
+          <p:cNvPr id="36" name="PlaceHolder 6"/>
           <p:cNvSpPr>
             <a:spLocks noGrp="1"/>
           </p:cNvSpPr>
@@ -547,8 +511,8 @@
         </p:nvSpPr>
         <p:spPr>
           <a:xfrm>
-            <a:off x="3239640" y="4130280"/>
-            <a:ext cx="2649600" cy="1962360"/>
+            <a:off x="3239640" y="3682080"/>
+            <a:ext cx="2649600" cy="1896840"/>
           </a:xfrm>
           <a:prstGeom prst="rect">
             <a:avLst/>
@@ -560,17 +524,14 @@
           </a:bodyPr>
           <a:p>
             <a:endParaRPr b="0" lang="en-US" sz="3200" spc="-1" strike="noStrike">
-              <a:solidFill>
-                <a:srgbClr val="ffffff"/>
-              </a:solidFill>
-              <a:latin typeface="Tahoma"/>
-            </a:endParaRPr>
-          </a:p>
-        </p:txBody>
-      </p:sp>
-      <p:sp>
-        <p:nvSpPr>
-          <p:cNvPr id="40" name="PlaceHolder 7"/>
+              <a:latin typeface="Arial"/>
+            </a:endParaRPr>
+          </a:p>
+        </p:txBody>
+      </p:sp>
+      <p:sp>
+        <p:nvSpPr>
+          <p:cNvPr id="37" name="PlaceHolder 7"/>
           <p:cNvSpPr>
             <a:spLocks noGrp="1"/>
           </p:cNvSpPr>
@@ -580,8 +541,8 @@
         </p:nvSpPr>
         <p:spPr>
           <a:xfrm>
-            <a:off x="457200" y="4130280"/>
-            <a:ext cx="2649600" cy="1962360"/>
+            <a:off x="457200" y="3682080"/>
+            <a:ext cx="2649600" cy="1896840"/>
           </a:xfrm>
           <a:prstGeom prst="rect">
             <a:avLst/>
@@ -593,10 +554,7 @@
           </a:bodyPr>
           <a:p>
             <a:endParaRPr b="0" lang="en-US" sz="3200" spc="-1" strike="noStrike">
-              <a:solidFill>
-                <a:srgbClr val="ffffff"/>
-              </a:solidFill>
-              <a:latin typeface="Tahoma"/>
+              <a:latin typeface="Arial"/>
             </a:endParaRPr>
           </a:p>
         </p:txBody>
@@ -647,7 +605,7 @@
       </p:grpSpPr>
       <p:sp>
         <p:nvSpPr>
-          <p:cNvPr id="46" name="PlaceHolder 1"/>
+          <p:cNvPr id="40" name="PlaceHolder 1"/>
           <p:cNvSpPr>
             <a:spLocks noGrp="1"/>
           </p:cNvSpPr>
@@ -657,8 +615,8 @@
         </p:nvSpPr>
         <p:spPr>
           <a:xfrm>
-            <a:off x="457200" y="380880"/>
-            <a:ext cx="8229240" cy="1371240"/>
+            <a:off x="457200" y="273600"/>
+            <a:ext cx="8229240" cy="1144800"/>
           </a:xfrm>
           <a:prstGeom prst="rect">
             <a:avLst/>
@@ -667,18 +625,16 @@
         <p:txBody>
           <a:bodyPr lIns="0" rIns="0" tIns="0" bIns="0" anchor="ctr"/>
           <a:p>
+            <a:pPr algn="ctr"/>
             <a:endParaRPr b="0" lang="en-US" sz="4400" spc="-1" strike="noStrike">
-              <a:solidFill>
-                <a:srgbClr val="ffffff"/>
-              </a:solidFill>
-              <a:latin typeface="Tahoma"/>
-            </a:endParaRPr>
-          </a:p>
-        </p:txBody>
-      </p:sp>
-      <p:sp>
-        <p:nvSpPr>
-          <p:cNvPr id="47" name="PlaceHolder 2"/>
+              <a:latin typeface="Arial"/>
+            </a:endParaRPr>
+          </a:p>
+        </p:txBody>
+      </p:sp>
+      <p:sp>
+        <p:nvSpPr>
+          <p:cNvPr id="41" name="PlaceHolder 2"/>
           <p:cNvSpPr>
             <a:spLocks noGrp="1"/>
           </p:cNvSpPr>
@@ -688,8 +644,8 @@
         </p:nvSpPr>
         <p:spPr>
           <a:xfrm>
-            <a:off x="457200" y="1981080"/>
-            <a:ext cx="8229240" cy="4114440"/>
+            <a:off x="457200" y="1604520"/>
+            <a:ext cx="8229240" cy="3977280"/>
           </a:xfrm>
           <a:prstGeom prst="rect">
             <a:avLst/>
@@ -729,7 +685,7 @@
       </p:grpSpPr>
       <p:sp>
         <p:nvSpPr>
-          <p:cNvPr id="48" name="PlaceHolder 1"/>
+          <p:cNvPr id="42" name="PlaceHolder 1"/>
           <p:cNvSpPr>
             <a:spLocks noGrp="1"/>
           </p:cNvSpPr>
@@ -739,8 +695,8 @@
         </p:nvSpPr>
         <p:spPr>
           <a:xfrm>
-            <a:off x="457200" y="380880"/>
-            <a:ext cx="8229240" cy="1371240"/>
+            <a:off x="457200" y="273600"/>
+            <a:ext cx="8229240" cy="1144800"/>
           </a:xfrm>
           <a:prstGeom prst="rect">
             <a:avLst/>
@@ -749,18 +705,16 @@
         <p:txBody>
           <a:bodyPr lIns="0" rIns="0" tIns="0" bIns="0" anchor="ctr"/>
           <a:p>
+            <a:pPr algn="ctr"/>
             <a:endParaRPr b="0" lang="en-US" sz="4400" spc="-1" strike="noStrike">
-              <a:solidFill>
-                <a:srgbClr val="ffffff"/>
-              </a:solidFill>
-              <a:latin typeface="Tahoma"/>
-            </a:endParaRPr>
-          </a:p>
-        </p:txBody>
-      </p:sp>
-      <p:sp>
-        <p:nvSpPr>
-          <p:cNvPr id="49" name="PlaceHolder 2"/>
+              <a:latin typeface="Arial"/>
+            </a:endParaRPr>
+          </a:p>
+        </p:txBody>
+      </p:sp>
+      <p:sp>
+        <p:nvSpPr>
+          <p:cNvPr id="43" name="PlaceHolder 2"/>
           <p:cNvSpPr>
             <a:spLocks noGrp="1"/>
           </p:cNvSpPr>
@@ -770,8 +724,8 @@
         </p:nvSpPr>
         <p:spPr>
           <a:xfrm>
-            <a:off x="457200" y="1981080"/>
-            <a:ext cx="8229240" cy="4114440"/>
+            <a:off x="457200" y="1604520"/>
+            <a:ext cx="8229240" cy="3977280"/>
           </a:xfrm>
           <a:prstGeom prst="rect">
             <a:avLst/>
@@ -783,10 +737,7 @@
           </a:bodyPr>
           <a:p>
             <a:endParaRPr b="0" lang="en-US" sz="3200" spc="-1" strike="noStrike">
-              <a:solidFill>
-                <a:srgbClr val="ffffff"/>
-              </a:solidFill>
-              <a:latin typeface="Tahoma"/>
+              <a:latin typeface="Arial"/>
             </a:endParaRPr>
           </a:p>
         </p:txBody>
@@ -815,7 +766,7 @@
       </p:grpSpPr>
       <p:sp>
         <p:nvSpPr>
-          <p:cNvPr id="50" name="PlaceHolder 1"/>
+          <p:cNvPr id="44" name="PlaceHolder 1"/>
           <p:cNvSpPr>
             <a:spLocks noGrp="1"/>
           </p:cNvSpPr>
@@ -825,8 +776,8 @@
         </p:nvSpPr>
         <p:spPr>
           <a:xfrm>
-            <a:off x="457200" y="380880"/>
-            <a:ext cx="8229240" cy="1371240"/>
+            <a:off x="457200" y="273600"/>
+            <a:ext cx="8229240" cy="1144800"/>
           </a:xfrm>
           <a:prstGeom prst="rect">
             <a:avLst/>
@@ -835,18 +786,16 @@
         <p:txBody>
           <a:bodyPr lIns="0" rIns="0" tIns="0" bIns="0" anchor="ctr"/>
           <a:p>
+            <a:pPr algn="ctr"/>
             <a:endParaRPr b="0" lang="en-US" sz="4400" spc="-1" strike="noStrike">
-              <a:solidFill>
-                <a:srgbClr val="ffffff"/>
-              </a:solidFill>
-              <a:latin typeface="Tahoma"/>
-            </a:endParaRPr>
-          </a:p>
-        </p:txBody>
-      </p:sp>
-      <p:sp>
-        <p:nvSpPr>
-          <p:cNvPr id="51" name="PlaceHolder 2"/>
+              <a:latin typeface="Arial"/>
+            </a:endParaRPr>
+          </a:p>
+        </p:txBody>
+      </p:sp>
+      <p:sp>
+        <p:nvSpPr>
+          <p:cNvPr id="45" name="PlaceHolder 2"/>
           <p:cNvSpPr>
             <a:spLocks noGrp="1"/>
           </p:cNvSpPr>
@@ -856,8 +805,8 @@
         </p:nvSpPr>
         <p:spPr>
           <a:xfrm>
-            <a:off x="457200" y="1981080"/>
-            <a:ext cx="4015800" cy="4114440"/>
+            <a:off x="457200" y="1604520"/>
+            <a:ext cx="4015800" cy="3977280"/>
           </a:xfrm>
           <a:prstGeom prst="rect">
             <a:avLst/>
@@ -869,17 +818,14 @@
           </a:bodyPr>
           <a:p>
             <a:endParaRPr b="0" lang="en-US" sz="3200" spc="-1" strike="noStrike">
-              <a:solidFill>
-                <a:srgbClr val="ffffff"/>
-              </a:solidFill>
-              <a:latin typeface="Tahoma"/>
-            </a:endParaRPr>
-          </a:p>
-        </p:txBody>
-      </p:sp>
-      <p:sp>
-        <p:nvSpPr>
-          <p:cNvPr id="52" name="PlaceHolder 3"/>
+              <a:latin typeface="Arial"/>
+            </a:endParaRPr>
+          </a:p>
+        </p:txBody>
+      </p:sp>
+      <p:sp>
+        <p:nvSpPr>
+          <p:cNvPr id="46" name="PlaceHolder 3"/>
           <p:cNvSpPr>
             <a:spLocks noGrp="1"/>
           </p:cNvSpPr>
@@ -889,8 +835,8 @@
         </p:nvSpPr>
         <p:spPr>
           <a:xfrm>
-            <a:off x="4674240" y="1981080"/>
-            <a:ext cx="4015800" cy="4114440"/>
+            <a:off x="4674240" y="1604520"/>
+            <a:ext cx="4015800" cy="3977280"/>
           </a:xfrm>
           <a:prstGeom prst="rect">
             <a:avLst/>
@@ -902,10 +848,7 @@
           </a:bodyPr>
           <a:p>
             <a:endParaRPr b="0" lang="en-US" sz="3200" spc="-1" strike="noStrike">
-              <a:solidFill>
-                <a:srgbClr val="ffffff"/>
-              </a:solidFill>
-              <a:latin typeface="Tahoma"/>
+              <a:latin typeface="Arial"/>
             </a:endParaRPr>
           </a:p>
         </p:txBody>
@@ -934,7 +877,7 @@
       </p:grpSpPr>
       <p:sp>
         <p:nvSpPr>
-          <p:cNvPr id="53" name="PlaceHolder 1"/>
+          <p:cNvPr id="47" name="PlaceHolder 1"/>
           <p:cNvSpPr>
             <a:spLocks noGrp="1"/>
           </p:cNvSpPr>
@@ -944,8 +887,8 @@
         </p:nvSpPr>
         <p:spPr>
           <a:xfrm>
-            <a:off x="457200" y="380880"/>
-            <a:ext cx="8229240" cy="1371240"/>
+            <a:off x="457200" y="273600"/>
+            <a:ext cx="8229240" cy="1144800"/>
           </a:xfrm>
           <a:prstGeom prst="rect">
             <a:avLst/>
@@ -954,11 +897,9 @@
         <p:txBody>
           <a:bodyPr lIns="0" rIns="0" tIns="0" bIns="0" anchor="ctr"/>
           <a:p>
+            <a:pPr algn="ctr"/>
             <a:endParaRPr b="0" lang="en-US" sz="4400" spc="-1" strike="noStrike">
-              <a:solidFill>
-                <a:srgbClr val="ffffff"/>
-              </a:solidFill>
-              <a:latin typeface="Tahoma"/>
+              <a:latin typeface="Arial"/>
             </a:endParaRPr>
           </a:p>
         </p:txBody>
@@ -987,7 +928,7 @@
       </p:grpSpPr>
       <p:sp>
         <p:nvSpPr>
-          <p:cNvPr id="54" name="PlaceHolder 1"/>
+          <p:cNvPr id="48" name="PlaceHolder 1"/>
           <p:cNvSpPr>
             <a:spLocks noGrp="1"/>
           </p:cNvSpPr>
@@ -997,8 +938,8 @@
         </p:nvSpPr>
         <p:spPr>
           <a:xfrm>
-            <a:off x="457200" y="380880"/>
-            <a:ext cx="8229240" cy="6357600"/>
+            <a:off x="457200" y="273600"/>
+            <a:ext cx="8229240" cy="5307840"/>
           </a:xfrm>
           <a:prstGeom prst="rect">
             <a:avLst/>
@@ -1038,7 +979,7 @@
       </p:grpSpPr>
       <p:sp>
         <p:nvSpPr>
-          <p:cNvPr id="55" name="PlaceHolder 1"/>
+          <p:cNvPr id="49" name="PlaceHolder 1"/>
           <p:cNvSpPr>
             <a:spLocks noGrp="1"/>
           </p:cNvSpPr>
@@ -1048,8 +989,8 @@
         </p:nvSpPr>
         <p:spPr>
           <a:xfrm>
-            <a:off x="457200" y="380880"/>
-            <a:ext cx="8229240" cy="1371240"/>
+            <a:off x="457200" y="273600"/>
+            <a:ext cx="8229240" cy="1144800"/>
           </a:xfrm>
           <a:prstGeom prst="rect">
             <a:avLst/>
@@ -1058,18 +999,16 @@
         <p:txBody>
           <a:bodyPr lIns="0" rIns="0" tIns="0" bIns="0" anchor="ctr"/>
           <a:p>
+            <a:pPr algn="ctr"/>
             <a:endParaRPr b="0" lang="en-US" sz="4400" spc="-1" strike="noStrike">
-              <a:solidFill>
-                <a:srgbClr val="ffffff"/>
-              </a:solidFill>
-              <a:latin typeface="Tahoma"/>
-            </a:endParaRPr>
-          </a:p>
-        </p:txBody>
-      </p:sp>
-      <p:sp>
-        <p:nvSpPr>
-          <p:cNvPr id="56" name="PlaceHolder 2"/>
+              <a:latin typeface="Arial"/>
+            </a:endParaRPr>
+          </a:p>
+        </p:txBody>
+      </p:sp>
+      <p:sp>
+        <p:nvSpPr>
+          <p:cNvPr id="50" name="PlaceHolder 2"/>
           <p:cNvSpPr>
             <a:spLocks noGrp="1"/>
           </p:cNvSpPr>
@@ -1079,8 +1018,8 @@
         </p:nvSpPr>
         <p:spPr>
           <a:xfrm>
-            <a:off x="457200" y="1981080"/>
-            <a:ext cx="4015800" cy="1962360"/>
+            <a:off x="457200" y="1604520"/>
+            <a:ext cx="4015800" cy="1896840"/>
           </a:xfrm>
           <a:prstGeom prst="rect">
             <a:avLst/>
@@ -1092,17 +1031,14 @@
           </a:bodyPr>
           <a:p>
             <a:endParaRPr b="0" lang="en-US" sz="3200" spc="-1" strike="noStrike">
-              <a:solidFill>
-                <a:srgbClr val="ffffff"/>
-              </a:solidFill>
-              <a:latin typeface="Tahoma"/>
-            </a:endParaRPr>
-          </a:p>
-        </p:txBody>
-      </p:sp>
-      <p:sp>
-        <p:nvSpPr>
-          <p:cNvPr id="57" name="PlaceHolder 3"/>
+              <a:latin typeface="Arial"/>
+            </a:endParaRPr>
+          </a:p>
+        </p:txBody>
+      </p:sp>
+      <p:sp>
+        <p:nvSpPr>
+          <p:cNvPr id="51" name="PlaceHolder 3"/>
           <p:cNvSpPr>
             <a:spLocks noGrp="1"/>
           </p:cNvSpPr>
@@ -1112,8 +1048,8 @@
         </p:nvSpPr>
         <p:spPr>
           <a:xfrm>
-            <a:off x="457200" y="4130280"/>
-            <a:ext cx="4015800" cy="1962360"/>
+            <a:off x="457200" y="3682080"/>
+            <a:ext cx="4015800" cy="1896840"/>
           </a:xfrm>
           <a:prstGeom prst="rect">
             <a:avLst/>
@@ -1125,17 +1061,14 @@
           </a:bodyPr>
           <a:p>
             <a:endParaRPr b="0" lang="en-US" sz="3200" spc="-1" strike="noStrike">
-              <a:solidFill>
-                <a:srgbClr val="ffffff"/>
-              </a:solidFill>
-              <a:latin typeface="Tahoma"/>
-            </a:endParaRPr>
-          </a:p>
-        </p:txBody>
-      </p:sp>
-      <p:sp>
-        <p:nvSpPr>
-          <p:cNvPr id="58" name="PlaceHolder 4"/>
+              <a:latin typeface="Arial"/>
+            </a:endParaRPr>
+          </a:p>
+        </p:txBody>
+      </p:sp>
+      <p:sp>
+        <p:nvSpPr>
+          <p:cNvPr id="52" name="PlaceHolder 4"/>
           <p:cNvSpPr>
             <a:spLocks noGrp="1"/>
           </p:cNvSpPr>
@@ -1145,8 +1078,8 @@
         </p:nvSpPr>
         <p:spPr>
           <a:xfrm>
-            <a:off x="4674240" y="1981080"/>
-            <a:ext cx="4015800" cy="4114440"/>
+            <a:off x="4674240" y="1604520"/>
+            <a:ext cx="4015800" cy="3977280"/>
           </a:xfrm>
           <a:prstGeom prst="rect">
             <a:avLst/>
@@ -1158,10 +1091,7 @@
           </a:bodyPr>
           <a:p>
             <a:endParaRPr b="0" lang="en-US" sz="3200" spc="-1" strike="noStrike">
-              <a:solidFill>
-                <a:srgbClr val="ffffff"/>
-              </a:solidFill>
-              <a:latin typeface="Tahoma"/>
+              <a:latin typeface="Arial"/>
             </a:endParaRPr>
           </a:p>
         </p:txBody>
@@ -1190,7 +1120,7 @@
       </p:grpSpPr>
       <p:sp>
         <p:nvSpPr>
-          <p:cNvPr id="5" name="PlaceHolder 1"/>
+          <p:cNvPr id="2" name="PlaceHolder 1"/>
           <p:cNvSpPr>
             <a:spLocks noGrp="1"/>
           </p:cNvSpPr>
@@ -1200,8 +1130,8 @@
         </p:nvSpPr>
         <p:spPr>
           <a:xfrm>
-            <a:off x="457200" y="380880"/>
-            <a:ext cx="8229240" cy="1371240"/>
+            <a:off x="457200" y="273600"/>
+            <a:ext cx="8229240" cy="1144800"/>
           </a:xfrm>
           <a:prstGeom prst="rect">
             <a:avLst/>
@@ -1210,18 +1140,16 @@
         <p:txBody>
           <a:bodyPr lIns="0" rIns="0" tIns="0" bIns="0" anchor="ctr"/>
           <a:p>
+            <a:pPr algn="ctr"/>
             <a:endParaRPr b="0" lang="en-US" sz="4400" spc="-1" strike="noStrike">
-              <a:solidFill>
-                <a:srgbClr val="ffffff"/>
-              </a:solidFill>
-              <a:latin typeface="Tahoma"/>
-            </a:endParaRPr>
-          </a:p>
-        </p:txBody>
-      </p:sp>
-      <p:sp>
-        <p:nvSpPr>
-          <p:cNvPr id="6" name="PlaceHolder 2"/>
+              <a:latin typeface="Arial"/>
+            </a:endParaRPr>
+          </a:p>
+        </p:txBody>
+      </p:sp>
+      <p:sp>
+        <p:nvSpPr>
+          <p:cNvPr id="3" name="PlaceHolder 2"/>
           <p:cNvSpPr>
             <a:spLocks noGrp="1"/>
           </p:cNvSpPr>
@@ -1231,8 +1159,8 @@
         </p:nvSpPr>
         <p:spPr>
           <a:xfrm>
-            <a:off x="457200" y="1981080"/>
-            <a:ext cx="8229240" cy="4114440"/>
+            <a:off x="457200" y="1604520"/>
+            <a:ext cx="8229240" cy="3977280"/>
           </a:xfrm>
           <a:prstGeom prst="rect">
             <a:avLst/>
@@ -1272,7 +1200,7 @@
       </p:grpSpPr>
       <p:sp>
         <p:nvSpPr>
-          <p:cNvPr id="59" name="PlaceHolder 1"/>
+          <p:cNvPr id="53" name="PlaceHolder 1"/>
           <p:cNvSpPr>
             <a:spLocks noGrp="1"/>
           </p:cNvSpPr>
@@ -1282,8 +1210,8 @@
         </p:nvSpPr>
         <p:spPr>
           <a:xfrm>
-            <a:off x="457200" y="380880"/>
-            <a:ext cx="8229240" cy="1371240"/>
+            <a:off x="457200" y="273600"/>
+            <a:ext cx="8229240" cy="1144800"/>
           </a:xfrm>
           <a:prstGeom prst="rect">
             <a:avLst/>
@@ -1292,18 +1220,16 @@
         <p:txBody>
           <a:bodyPr lIns="0" rIns="0" tIns="0" bIns="0" anchor="ctr"/>
           <a:p>
+            <a:pPr algn="ctr"/>
             <a:endParaRPr b="0" lang="en-US" sz="4400" spc="-1" strike="noStrike">
-              <a:solidFill>
-                <a:srgbClr val="ffffff"/>
-              </a:solidFill>
-              <a:latin typeface="Tahoma"/>
-            </a:endParaRPr>
-          </a:p>
-        </p:txBody>
-      </p:sp>
-      <p:sp>
-        <p:nvSpPr>
-          <p:cNvPr id="60" name="PlaceHolder 2"/>
+              <a:latin typeface="Arial"/>
+            </a:endParaRPr>
+          </a:p>
+        </p:txBody>
+      </p:sp>
+      <p:sp>
+        <p:nvSpPr>
+          <p:cNvPr id="54" name="PlaceHolder 2"/>
           <p:cNvSpPr>
             <a:spLocks noGrp="1"/>
           </p:cNvSpPr>
@@ -1313,8 +1239,8 @@
         </p:nvSpPr>
         <p:spPr>
           <a:xfrm>
-            <a:off x="457200" y="1981080"/>
-            <a:ext cx="4015800" cy="4114440"/>
+            <a:off x="457200" y="1604520"/>
+            <a:ext cx="4015800" cy="3977280"/>
           </a:xfrm>
           <a:prstGeom prst="rect">
             <a:avLst/>
@@ -1326,17 +1252,14 @@
           </a:bodyPr>
           <a:p>
             <a:endParaRPr b="0" lang="en-US" sz="3200" spc="-1" strike="noStrike">
-              <a:solidFill>
-                <a:srgbClr val="ffffff"/>
-              </a:solidFill>
-              <a:latin typeface="Tahoma"/>
-            </a:endParaRPr>
-          </a:p>
-        </p:txBody>
-      </p:sp>
-      <p:sp>
-        <p:nvSpPr>
-          <p:cNvPr id="61" name="PlaceHolder 3"/>
+              <a:latin typeface="Arial"/>
+            </a:endParaRPr>
+          </a:p>
+        </p:txBody>
+      </p:sp>
+      <p:sp>
+        <p:nvSpPr>
+          <p:cNvPr id="55" name="PlaceHolder 3"/>
           <p:cNvSpPr>
             <a:spLocks noGrp="1"/>
           </p:cNvSpPr>
@@ -1346,8 +1269,8 @@
         </p:nvSpPr>
         <p:spPr>
           <a:xfrm>
-            <a:off x="4674240" y="1981080"/>
-            <a:ext cx="4015800" cy="1962360"/>
+            <a:off x="4674240" y="1604520"/>
+            <a:ext cx="4015800" cy="1896840"/>
           </a:xfrm>
           <a:prstGeom prst="rect">
             <a:avLst/>
@@ -1359,17 +1282,14 @@
           </a:bodyPr>
           <a:p>
             <a:endParaRPr b="0" lang="en-US" sz="3200" spc="-1" strike="noStrike">
-              <a:solidFill>
-                <a:srgbClr val="ffffff"/>
-              </a:solidFill>
-              <a:latin typeface="Tahoma"/>
-            </a:endParaRPr>
-          </a:p>
-        </p:txBody>
-      </p:sp>
-      <p:sp>
-        <p:nvSpPr>
-          <p:cNvPr id="62" name="PlaceHolder 4"/>
+              <a:latin typeface="Arial"/>
+            </a:endParaRPr>
+          </a:p>
+        </p:txBody>
+      </p:sp>
+      <p:sp>
+        <p:nvSpPr>
+          <p:cNvPr id="56" name="PlaceHolder 4"/>
           <p:cNvSpPr>
             <a:spLocks noGrp="1"/>
           </p:cNvSpPr>
@@ -1379,8 +1299,8 @@
         </p:nvSpPr>
         <p:spPr>
           <a:xfrm>
-            <a:off x="4674240" y="4130280"/>
-            <a:ext cx="4015800" cy="1962360"/>
+            <a:off x="4674240" y="3682080"/>
+            <a:ext cx="4015800" cy="1896840"/>
           </a:xfrm>
           <a:prstGeom prst="rect">
             <a:avLst/>
@@ -1392,10 +1312,7 @@
           </a:bodyPr>
           <a:p>
             <a:endParaRPr b="0" lang="en-US" sz="3200" spc="-1" strike="noStrike">
-              <a:solidFill>
-                <a:srgbClr val="ffffff"/>
-              </a:solidFill>
-              <a:latin typeface="Tahoma"/>
+              <a:latin typeface="Arial"/>
             </a:endParaRPr>
           </a:p>
         </p:txBody>
@@ -1424,7 +1341,7 @@
       </p:grpSpPr>
       <p:sp>
         <p:nvSpPr>
-          <p:cNvPr id="63" name="PlaceHolder 1"/>
+          <p:cNvPr id="57" name="PlaceHolder 1"/>
           <p:cNvSpPr>
             <a:spLocks noGrp="1"/>
           </p:cNvSpPr>
@@ -1434,8 +1351,8 @@
         </p:nvSpPr>
         <p:spPr>
           <a:xfrm>
-            <a:off x="457200" y="380880"/>
-            <a:ext cx="8229240" cy="1371240"/>
+            <a:off x="457200" y="273600"/>
+            <a:ext cx="8229240" cy="1144800"/>
           </a:xfrm>
           <a:prstGeom prst="rect">
             <a:avLst/>
@@ -1444,18 +1361,16 @@
         <p:txBody>
           <a:bodyPr lIns="0" rIns="0" tIns="0" bIns="0" anchor="ctr"/>
           <a:p>
+            <a:pPr algn="ctr"/>
             <a:endParaRPr b="0" lang="en-US" sz="4400" spc="-1" strike="noStrike">
-              <a:solidFill>
-                <a:srgbClr val="ffffff"/>
-              </a:solidFill>
-              <a:latin typeface="Tahoma"/>
-            </a:endParaRPr>
-          </a:p>
-        </p:txBody>
-      </p:sp>
-      <p:sp>
-        <p:nvSpPr>
-          <p:cNvPr id="64" name="PlaceHolder 2"/>
+              <a:latin typeface="Arial"/>
+            </a:endParaRPr>
+          </a:p>
+        </p:txBody>
+      </p:sp>
+      <p:sp>
+        <p:nvSpPr>
+          <p:cNvPr id="58" name="PlaceHolder 2"/>
           <p:cNvSpPr>
             <a:spLocks noGrp="1"/>
           </p:cNvSpPr>
@@ -1465,8 +1380,8 @@
         </p:nvSpPr>
         <p:spPr>
           <a:xfrm>
-            <a:off x="457200" y="1981080"/>
-            <a:ext cx="4015800" cy="1962360"/>
+            <a:off x="457200" y="1604520"/>
+            <a:ext cx="4015800" cy="1896840"/>
           </a:xfrm>
           <a:prstGeom prst="rect">
             <a:avLst/>
@@ -1478,17 +1393,14 @@
           </a:bodyPr>
           <a:p>
             <a:endParaRPr b="0" lang="en-US" sz="3200" spc="-1" strike="noStrike">
-              <a:solidFill>
-                <a:srgbClr val="ffffff"/>
-              </a:solidFill>
-              <a:latin typeface="Tahoma"/>
-            </a:endParaRPr>
-          </a:p>
-        </p:txBody>
-      </p:sp>
-      <p:sp>
-        <p:nvSpPr>
-          <p:cNvPr id="65" name="PlaceHolder 3"/>
+              <a:latin typeface="Arial"/>
+            </a:endParaRPr>
+          </a:p>
+        </p:txBody>
+      </p:sp>
+      <p:sp>
+        <p:nvSpPr>
+          <p:cNvPr id="59" name="PlaceHolder 3"/>
           <p:cNvSpPr>
             <a:spLocks noGrp="1"/>
           </p:cNvSpPr>
@@ -1498,8 +1410,8 @@
         </p:nvSpPr>
         <p:spPr>
           <a:xfrm>
-            <a:off x="4674240" y="1981080"/>
-            <a:ext cx="4015800" cy="1962360"/>
+            <a:off x="4674240" y="1604520"/>
+            <a:ext cx="4015800" cy="1896840"/>
           </a:xfrm>
           <a:prstGeom prst="rect">
             <a:avLst/>
@@ -1511,17 +1423,14 @@
           </a:bodyPr>
           <a:p>
             <a:endParaRPr b="0" lang="en-US" sz="3200" spc="-1" strike="noStrike">
-              <a:solidFill>
-                <a:srgbClr val="ffffff"/>
-              </a:solidFill>
-              <a:latin typeface="Tahoma"/>
-            </a:endParaRPr>
-          </a:p>
-        </p:txBody>
-      </p:sp>
-      <p:sp>
-        <p:nvSpPr>
-          <p:cNvPr id="66" name="PlaceHolder 4"/>
+              <a:latin typeface="Arial"/>
+            </a:endParaRPr>
+          </a:p>
+        </p:txBody>
+      </p:sp>
+      <p:sp>
+        <p:nvSpPr>
+          <p:cNvPr id="60" name="PlaceHolder 4"/>
           <p:cNvSpPr>
             <a:spLocks noGrp="1"/>
           </p:cNvSpPr>
@@ -1531,8 +1440,8 @@
         </p:nvSpPr>
         <p:spPr>
           <a:xfrm>
-            <a:off x="457200" y="4130280"/>
-            <a:ext cx="8229240" cy="1962360"/>
+            <a:off x="457200" y="3682080"/>
+            <a:ext cx="8229240" cy="1896840"/>
           </a:xfrm>
           <a:prstGeom prst="rect">
             <a:avLst/>
@@ -1544,10 +1453,7 @@
           </a:bodyPr>
           <a:p>
             <a:endParaRPr b="0" lang="en-US" sz="3200" spc="-1" strike="noStrike">
-              <a:solidFill>
-                <a:srgbClr val="ffffff"/>
-              </a:solidFill>
-              <a:latin typeface="Tahoma"/>
+              <a:latin typeface="Arial"/>
             </a:endParaRPr>
           </a:p>
         </p:txBody>
@@ -1576,7 +1482,7 @@
       </p:grpSpPr>
       <p:sp>
         <p:nvSpPr>
-          <p:cNvPr id="67" name="PlaceHolder 1"/>
+          <p:cNvPr id="61" name="PlaceHolder 1"/>
           <p:cNvSpPr>
             <a:spLocks noGrp="1"/>
           </p:cNvSpPr>
@@ -1586,8 +1492,8 @@
         </p:nvSpPr>
         <p:spPr>
           <a:xfrm>
-            <a:off x="457200" y="380880"/>
-            <a:ext cx="8229240" cy="1371240"/>
+            <a:off x="457200" y="273600"/>
+            <a:ext cx="8229240" cy="1144800"/>
           </a:xfrm>
           <a:prstGeom prst="rect">
             <a:avLst/>
@@ -1596,18 +1502,16 @@
         <p:txBody>
           <a:bodyPr lIns="0" rIns="0" tIns="0" bIns="0" anchor="ctr"/>
           <a:p>
+            <a:pPr algn="ctr"/>
             <a:endParaRPr b="0" lang="en-US" sz="4400" spc="-1" strike="noStrike">
-              <a:solidFill>
-                <a:srgbClr val="ffffff"/>
-              </a:solidFill>
-              <a:latin typeface="Tahoma"/>
-            </a:endParaRPr>
-          </a:p>
-        </p:txBody>
-      </p:sp>
-      <p:sp>
-        <p:nvSpPr>
-          <p:cNvPr id="68" name="PlaceHolder 2"/>
+              <a:latin typeface="Arial"/>
+            </a:endParaRPr>
+          </a:p>
+        </p:txBody>
+      </p:sp>
+      <p:sp>
+        <p:nvSpPr>
+          <p:cNvPr id="62" name="PlaceHolder 2"/>
           <p:cNvSpPr>
             <a:spLocks noGrp="1"/>
           </p:cNvSpPr>
@@ -1617,8 +1521,8 @@
         </p:nvSpPr>
         <p:spPr>
           <a:xfrm>
-            <a:off x="457200" y="1981080"/>
-            <a:ext cx="8229240" cy="1962360"/>
+            <a:off x="457200" y="1604520"/>
+            <a:ext cx="8229240" cy="1896840"/>
           </a:xfrm>
           <a:prstGeom prst="rect">
             <a:avLst/>
@@ -1630,17 +1534,14 @@
           </a:bodyPr>
           <a:p>
             <a:endParaRPr b="0" lang="en-US" sz="3200" spc="-1" strike="noStrike">
-              <a:solidFill>
-                <a:srgbClr val="ffffff"/>
-              </a:solidFill>
-              <a:latin typeface="Tahoma"/>
-            </a:endParaRPr>
-          </a:p>
-        </p:txBody>
-      </p:sp>
-      <p:sp>
-        <p:nvSpPr>
-          <p:cNvPr id="69" name="PlaceHolder 3"/>
+              <a:latin typeface="Arial"/>
+            </a:endParaRPr>
+          </a:p>
+        </p:txBody>
+      </p:sp>
+      <p:sp>
+        <p:nvSpPr>
+          <p:cNvPr id="63" name="PlaceHolder 3"/>
           <p:cNvSpPr>
             <a:spLocks noGrp="1"/>
           </p:cNvSpPr>
@@ -1650,8 +1551,8 @@
         </p:nvSpPr>
         <p:spPr>
           <a:xfrm>
-            <a:off x="457200" y="4130280"/>
-            <a:ext cx="8229240" cy="1962360"/>
+            <a:off x="457200" y="3682080"/>
+            <a:ext cx="8229240" cy="1896840"/>
           </a:xfrm>
           <a:prstGeom prst="rect">
             <a:avLst/>
@@ -1663,10 +1564,7 @@
           </a:bodyPr>
           <a:p>
             <a:endParaRPr b="0" lang="en-US" sz="3200" spc="-1" strike="noStrike">
-              <a:solidFill>
-                <a:srgbClr val="ffffff"/>
-              </a:solidFill>
-              <a:latin typeface="Tahoma"/>
+              <a:latin typeface="Arial"/>
             </a:endParaRPr>
           </a:p>
         </p:txBody>
@@ -1695,7 +1593,7 @@
       </p:grpSpPr>
       <p:sp>
         <p:nvSpPr>
-          <p:cNvPr id="70" name="PlaceHolder 1"/>
+          <p:cNvPr id="64" name="PlaceHolder 1"/>
           <p:cNvSpPr>
             <a:spLocks noGrp="1"/>
           </p:cNvSpPr>
@@ -1705,8 +1603,8 @@
         </p:nvSpPr>
         <p:spPr>
           <a:xfrm>
-            <a:off x="457200" y="380880"/>
-            <a:ext cx="8229240" cy="1371240"/>
+            <a:off x="457200" y="273600"/>
+            <a:ext cx="8229240" cy="1144800"/>
           </a:xfrm>
           <a:prstGeom prst="rect">
             <a:avLst/>
@@ -1715,18 +1613,16 @@
         <p:txBody>
           <a:bodyPr lIns="0" rIns="0" tIns="0" bIns="0" anchor="ctr"/>
           <a:p>
+            <a:pPr algn="ctr"/>
             <a:endParaRPr b="0" lang="en-US" sz="4400" spc="-1" strike="noStrike">
-              <a:solidFill>
-                <a:srgbClr val="ffffff"/>
-              </a:solidFill>
-              <a:latin typeface="Tahoma"/>
-            </a:endParaRPr>
-          </a:p>
-        </p:txBody>
-      </p:sp>
-      <p:sp>
-        <p:nvSpPr>
-          <p:cNvPr id="71" name="PlaceHolder 2"/>
+              <a:latin typeface="Arial"/>
+            </a:endParaRPr>
+          </a:p>
+        </p:txBody>
+      </p:sp>
+      <p:sp>
+        <p:nvSpPr>
+          <p:cNvPr id="65" name="PlaceHolder 2"/>
           <p:cNvSpPr>
             <a:spLocks noGrp="1"/>
           </p:cNvSpPr>
@@ -1736,8 +1632,8 @@
         </p:nvSpPr>
         <p:spPr>
           <a:xfrm>
-            <a:off x="457200" y="1981080"/>
-            <a:ext cx="4015800" cy="1962360"/>
+            <a:off x="457200" y="1604520"/>
+            <a:ext cx="4015800" cy="1896840"/>
           </a:xfrm>
           <a:prstGeom prst="rect">
             <a:avLst/>
@@ -1749,17 +1645,14 @@
           </a:bodyPr>
           <a:p>
             <a:endParaRPr b="0" lang="en-US" sz="3200" spc="-1" strike="noStrike">
-              <a:solidFill>
-                <a:srgbClr val="ffffff"/>
-              </a:solidFill>
-              <a:latin typeface="Tahoma"/>
-            </a:endParaRPr>
-          </a:p>
-        </p:txBody>
-      </p:sp>
-      <p:sp>
-        <p:nvSpPr>
-          <p:cNvPr id="72" name="PlaceHolder 3"/>
+              <a:latin typeface="Arial"/>
+            </a:endParaRPr>
+          </a:p>
+        </p:txBody>
+      </p:sp>
+      <p:sp>
+        <p:nvSpPr>
+          <p:cNvPr id="66" name="PlaceHolder 3"/>
           <p:cNvSpPr>
             <a:spLocks noGrp="1"/>
           </p:cNvSpPr>
@@ -1769,8 +1662,8 @@
         </p:nvSpPr>
         <p:spPr>
           <a:xfrm>
-            <a:off x="4674240" y="1981080"/>
-            <a:ext cx="4015800" cy="1962360"/>
+            <a:off x="4674240" y="1604520"/>
+            <a:ext cx="4015800" cy="1896840"/>
           </a:xfrm>
           <a:prstGeom prst="rect">
             <a:avLst/>
@@ -1782,17 +1675,14 @@
           </a:bodyPr>
           <a:p>
             <a:endParaRPr b="0" lang="en-US" sz="3200" spc="-1" strike="noStrike">
-              <a:solidFill>
-                <a:srgbClr val="ffffff"/>
-              </a:solidFill>
-              <a:latin typeface="Tahoma"/>
-            </a:endParaRPr>
-          </a:p>
-        </p:txBody>
-      </p:sp>
-      <p:sp>
-        <p:nvSpPr>
-          <p:cNvPr id="73" name="PlaceHolder 4"/>
+              <a:latin typeface="Arial"/>
+            </a:endParaRPr>
+          </a:p>
+        </p:txBody>
+      </p:sp>
+      <p:sp>
+        <p:nvSpPr>
+          <p:cNvPr id="67" name="PlaceHolder 4"/>
           <p:cNvSpPr>
             <a:spLocks noGrp="1"/>
           </p:cNvSpPr>
@@ -1802,8 +1692,8 @@
         </p:nvSpPr>
         <p:spPr>
           <a:xfrm>
-            <a:off x="4674240" y="4130280"/>
-            <a:ext cx="4015800" cy="1962360"/>
+            <a:off x="4674240" y="3682080"/>
+            <a:ext cx="4015800" cy="1896840"/>
           </a:xfrm>
           <a:prstGeom prst="rect">
             <a:avLst/>
@@ -1815,17 +1705,14 @@
           </a:bodyPr>
           <a:p>
             <a:endParaRPr b="0" lang="en-US" sz="3200" spc="-1" strike="noStrike">
-              <a:solidFill>
-                <a:srgbClr val="ffffff"/>
-              </a:solidFill>
-              <a:latin typeface="Tahoma"/>
-            </a:endParaRPr>
-          </a:p>
-        </p:txBody>
-      </p:sp>
-      <p:sp>
-        <p:nvSpPr>
-          <p:cNvPr id="74" name="PlaceHolder 5"/>
+              <a:latin typeface="Arial"/>
+            </a:endParaRPr>
+          </a:p>
+        </p:txBody>
+      </p:sp>
+      <p:sp>
+        <p:nvSpPr>
+          <p:cNvPr id="68" name="PlaceHolder 5"/>
           <p:cNvSpPr>
             <a:spLocks noGrp="1"/>
           </p:cNvSpPr>
@@ -1835,8 +1722,8 @@
         </p:nvSpPr>
         <p:spPr>
           <a:xfrm>
-            <a:off x="457200" y="4130280"/>
-            <a:ext cx="4015800" cy="1962360"/>
+            <a:off x="457200" y="3682080"/>
+            <a:ext cx="4015800" cy="1896840"/>
           </a:xfrm>
           <a:prstGeom prst="rect">
             <a:avLst/>
@@ -1848,10 +1735,7 @@
           </a:bodyPr>
           <a:p>
             <a:endParaRPr b="0" lang="en-US" sz="3200" spc="-1" strike="noStrike">
-              <a:solidFill>
-                <a:srgbClr val="ffffff"/>
-              </a:solidFill>
-              <a:latin typeface="Tahoma"/>
+              <a:latin typeface="Arial"/>
             </a:endParaRPr>
           </a:p>
         </p:txBody>
@@ -1880,7 +1764,7 @@
       </p:grpSpPr>
       <p:sp>
         <p:nvSpPr>
-          <p:cNvPr id="75" name="PlaceHolder 1"/>
+          <p:cNvPr id="69" name="PlaceHolder 1"/>
           <p:cNvSpPr>
             <a:spLocks noGrp="1"/>
           </p:cNvSpPr>
@@ -1890,8 +1774,8 @@
         </p:nvSpPr>
         <p:spPr>
           <a:xfrm>
-            <a:off x="457200" y="380880"/>
-            <a:ext cx="8229240" cy="1371240"/>
+            <a:off x="457200" y="273600"/>
+            <a:ext cx="8229240" cy="1144800"/>
           </a:xfrm>
           <a:prstGeom prst="rect">
             <a:avLst/>
@@ -1900,18 +1784,16 @@
         <p:txBody>
           <a:bodyPr lIns="0" rIns="0" tIns="0" bIns="0" anchor="ctr"/>
           <a:p>
+            <a:pPr algn="ctr"/>
             <a:endParaRPr b="0" lang="en-US" sz="4400" spc="-1" strike="noStrike">
-              <a:solidFill>
-                <a:srgbClr val="ffffff"/>
-              </a:solidFill>
-              <a:latin typeface="Tahoma"/>
-            </a:endParaRPr>
-          </a:p>
-        </p:txBody>
-      </p:sp>
-      <p:sp>
-        <p:nvSpPr>
-          <p:cNvPr id="76" name="PlaceHolder 2"/>
+              <a:latin typeface="Arial"/>
+            </a:endParaRPr>
+          </a:p>
+        </p:txBody>
+      </p:sp>
+      <p:sp>
+        <p:nvSpPr>
+          <p:cNvPr id="70" name="PlaceHolder 2"/>
           <p:cNvSpPr>
             <a:spLocks noGrp="1"/>
           </p:cNvSpPr>
@@ -1921,8 +1803,8 @@
         </p:nvSpPr>
         <p:spPr>
           <a:xfrm>
-            <a:off x="457200" y="1981080"/>
-            <a:ext cx="2649600" cy="1962360"/>
+            <a:off x="457200" y="1604520"/>
+            <a:ext cx="2649600" cy="1896840"/>
           </a:xfrm>
           <a:prstGeom prst="rect">
             <a:avLst/>
@@ -1934,17 +1816,14 @@
           </a:bodyPr>
           <a:p>
             <a:endParaRPr b="0" lang="en-US" sz="3200" spc="-1" strike="noStrike">
-              <a:solidFill>
-                <a:srgbClr val="ffffff"/>
-              </a:solidFill>
-              <a:latin typeface="Tahoma"/>
-            </a:endParaRPr>
-          </a:p>
-        </p:txBody>
-      </p:sp>
-      <p:sp>
-        <p:nvSpPr>
-          <p:cNvPr id="77" name="PlaceHolder 3"/>
+              <a:latin typeface="Arial"/>
+            </a:endParaRPr>
+          </a:p>
+        </p:txBody>
+      </p:sp>
+      <p:sp>
+        <p:nvSpPr>
+          <p:cNvPr id="71" name="PlaceHolder 3"/>
           <p:cNvSpPr>
             <a:spLocks noGrp="1"/>
           </p:cNvSpPr>
@@ -1954,8 +1833,8 @@
         </p:nvSpPr>
         <p:spPr>
           <a:xfrm>
-            <a:off x="3239640" y="1981080"/>
-            <a:ext cx="2649600" cy="1962360"/>
+            <a:off x="3239640" y="1604520"/>
+            <a:ext cx="2649600" cy="1896840"/>
           </a:xfrm>
           <a:prstGeom prst="rect">
             <a:avLst/>
@@ -1967,17 +1846,14 @@
           </a:bodyPr>
           <a:p>
             <a:endParaRPr b="0" lang="en-US" sz="3200" spc="-1" strike="noStrike">
-              <a:solidFill>
-                <a:srgbClr val="ffffff"/>
-              </a:solidFill>
-              <a:latin typeface="Tahoma"/>
-            </a:endParaRPr>
-          </a:p>
-        </p:txBody>
-      </p:sp>
-      <p:sp>
-        <p:nvSpPr>
-          <p:cNvPr id="78" name="PlaceHolder 4"/>
+              <a:latin typeface="Arial"/>
+            </a:endParaRPr>
+          </a:p>
+        </p:txBody>
+      </p:sp>
+      <p:sp>
+        <p:nvSpPr>
+          <p:cNvPr id="72" name="PlaceHolder 4"/>
           <p:cNvSpPr>
             <a:spLocks noGrp="1"/>
           </p:cNvSpPr>
@@ -1987,8 +1863,8 @@
         </p:nvSpPr>
         <p:spPr>
           <a:xfrm>
-            <a:off x="6022080" y="1981080"/>
-            <a:ext cx="2649600" cy="1962360"/>
+            <a:off x="6022080" y="1604520"/>
+            <a:ext cx="2649600" cy="1896840"/>
           </a:xfrm>
           <a:prstGeom prst="rect">
             <a:avLst/>
@@ -2000,17 +1876,14 @@
           </a:bodyPr>
           <a:p>
             <a:endParaRPr b="0" lang="en-US" sz="3200" spc="-1" strike="noStrike">
-              <a:solidFill>
-                <a:srgbClr val="ffffff"/>
-              </a:solidFill>
-              <a:latin typeface="Tahoma"/>
-            </a:endParaRPr>
-          </a:p>
-        </p:txBody>
-      </p:sp>
-      <p:sp>
-        <p:nvSpPr>
-          <p:cNvPr id="79" name="PlaceHolder 5"/>
+              <a:latin typeface="Arial"/>
+            </a:endParaRPr>
+          </a:p>
+        </p:txBody>
+      </p:sp>
+      <p:sp>
+        <p:nvSpPr>
+          <p:cNvPr id="73" name="PlaceHolder 5"/>
           <p:cNvSpPr>
             <a:spLocks noGrp="1"/>
           </p:cNvSpPr>
@@ -2020,8 +1893,8 @@
         </p:nvSpPr>
         <p:spPr>
           <a:xfrm>
-            <a:off x="6022080" y="4130280"/>
-            <a:ext cx="2649600" cy="1962360"/>
+            <a:off x="6022080" y="3682080"/>
+            <a:ext cx="2649600" cy="1896840"/>
           </a:xfrm>
           <a:prstGeom prst="rect">
             <a:avLst/>
@@ -2033,17 +1906,14 @@
           </a:bodyPr>
           <a:p>
             <a:endParaRPr b="0" lang="en-US" sz="3200" spc="-1" strike="noStrike">
-              <a:solidFill>
-                <a:srgbClr val="ffffff"/>
-              </a:solidFill>
-              <a:latin typeface="Tahoma"/>
-            </a:endParaRPr>
-          </a:p>
-        </p:txBody>
-      </p:sp>
-      <p:sp>
-        <p:nvSpPr>
-          <p:cNvPr id="80" name="PlaceHolder 6"/>
+              <a:latin typeface="Arial"/>
+            </a:endParaRPr>
+          </a:p>
+        </p:txBody>
+      </p:sp>
+      <p:sp>
+        <p:nvSpPr>
+          <p:cNvPr id="74" name="PlaceHolder 6"/>
           <p:cNvSpPr>
             <a:spLocks noGrp="1"/>
           </p:cNvSpPr>
@@ -2053,8 +1923,8 @@
         </p:nvSpPr>
         <p:spPr>
           <a:xfrm>
-            <a:off x="3239640" y="4130280"/>
-            <a:ext cx="2649600" cy="1962360"/>
+            <a:off x="3239640" y="3682080"/>
+            <a:ext cx="2649600" cy="1896840"/>
           </a:xfrm>
           <a:prstGeom prst="rect">
             <a:avLst/>
@@ -2066,17 +1936,14 @@
           </a:bodyPr>
           <a:p>
             <a:endParaRPr b="0" lang="en-US" sz="3200" spc="-1" strike="noStrike">
-              <a:solidFill>
-                <a:srgbClr val="ffffff"/>
-              </a:solidFill>
-              <a:latin typeface="Tahoma"/>
-            </a:endParaRPr>
-          </a:p>
-        </p:txBody>
-      </p:sp>
-      <p:sp>
-        <p:nvSpPr>
-          <p:cNvPr id="81" name="PlaceHolder 7"/>
+              <a:latin typeface="Arial"/>
+            </a:endParaRPr>
+          </a:p>
+        </p:txBody>
+      </p:sp>
+      <p:sp>
+        <p:nvSpPr>
+          <p:cNvPr id="75" name="PlaceHolder 7"/>
           <p:cNvSpPr>
             <a:spLocks noGrp="1"/>
           </p:cNvSpPr>
@@ -2086,8 +1953,8 @@
         </p:nvSpPr>
         <p:spPr>
           <a:xfrm>
-            <a:off x="457200" y="4130280"/>
-            <a:ext cx="2649600" cy="1962360"/>
+            <a:off x="457200" y="3682080"/>
+            <a:ext cx="2649600" cy="1896840"/>
           </a:xfrm>
           <a:prstGeom prst="rect">
             <a:avLst/>
@@ -2099,10 +1966,7 @@
           </a:bodyPr>
           <a:p>
             <a:endParaRPr b="0" lang="en-US" sz="3200" spc="-1" strike="noStrike">
-              <a:solidFill>
-                <a:srgbClr val="ffffff"/>
-              </a:solidFill>
-              <a:latin typeface="Tahoma"/>
+              <a:latin typeface="Arial"/>
             </a:endParaRPr>
           </a:p>
         </p:txBody>
@@ -2153,7 +2017,7 @@
       </p:grpSpPr>
       <p:sp>
         <p:nvSpPr>
-          <p:cNvPr id="87" name="PlaceHolder 1"/>
+          <p:cNvPr id="78" name="PlaceHolder 1"/>
           <p:cNvSpPr>
             <a:spLocks noGrp="1"/>
           </p:cNvSpPr>
@@ -2163,8 +2027,8 @@
         </p:nvSpPr>
         <p:spPr>
           <a:xfrm>
-            <a:off x="457200" y="380880"/>
-            <a:ext cx="8229240" cy="1371240"/>
+            <a:off x="457200" y="273600"/>
+            <a:ext cx="8229240" cy="1144800"/>
           </a:xfrm>
           <a:prstGeom prst="rect">
             <a:avLst/>
@@ -2173,18 +2037,16 @@
         <p:txBody>
           <a:bodyPr lIns="0" rIns="0" tIns="0" bIns="0" anchor="ctr"/>
           <a:p>
+            <a:pPr algn="ctr"/>
             <a:endParaRPr b="0" lang="en-US" sz="4400" spc="-1" strike="noStrike">
-              <a:solidFill>
-                <a:srgbClr val="ffffff"/>
-              </a:solidFill>
-              <a:latin typeface="Tahoma"/>
-            </a:endParaRPr>
-          </a:p>
-        </p:txBody>
-      </p:sp>
-      <p:sp>
-        <p:nvSpPr>
-          <p:cNvPr id="88" name="PlaceHolder 2"/>
+              <a:latin typeface="Arial"/>
+            </a:endParaRPr>
+          </a:p>
+        </p:txBody>
+      </p:sp>
+      <p:sp>
+        <p:nvSpPr>
+          <p:cNvPr id="79" name="PlaceHolder 2"/>
           <p:cNvSpPr>
             <a:spLocks noGrp="1"/>
           </p:cNvSpPr>
@@ -2194,8 +2056,8 @@
         </p:nvSpPr>
         <p:spPr>
           <a:xfrm>
-            <a:off x="457200" y="1981080"/>
-            <a:ext cx="8229240" cy="4114440"/>
+            <a:off x="457200" y="1604520"/>
+            <a:ext cx="8229240" cy="3977280"/>
           </a:xfrm>
           <a:prstGeom prst="rect">
             <a:avLst/>
@@ -2235,7 +2097,7 @@
       </p:grpSpPr>
       <p:sp>
         <p:nvSpPr>
-          <p:cNvPr id="89" name="PlaceHolder 1"/>
+          <p:cNvPr id="80" name="PlaceHolder 1"/>
           <p:cNvSpPr>
             <a:spLocks noGrp="1"/>
           </p:cNvSpPr>
@@ -2245,8 +2107,8 @@
         </p:nvSpPr>
         <p:spPr>
           <a:xfrm>
-            <a:off x="457200" y="380880"/>
-            <a:ext cx="8229240" cy="1371240"/>
+            <a:off x="457200" y="273600"/>
+            <a:ext cx="8229240" cy="1144800"/>
           </a:xfrm>
           <a:prstGeom prst="rect">
             <a:avLst/>
@@ -2255,18 +2117,16 @@
         <p:txBody>
           <a:bodyPr lIns="0" rIns="0" tIns="0" bIns="0" anchor="ctr"/>
           <a:p>
+            <a:pPr algn="ctr"/>
             <a:endParaRPr b="0" lang="en-US" sz="4400" spc="-1" strike="noStrike">
-              <a:solidFill>
-                <a:srgbClr val="ffffff"/>
-              </a:solidFill>
-              <a:latin typeface="Tahoma"/>
-            </a:endParaRPr>
-          </a:p>
-        </p:txBody>
-      </p:sp>
-      <p:sp>
-        <p:nvSpPr>
-          <p:cNvPr id="90" name="PlaceHolder 2"/>
+              <a:latin typeface="Arial"/>
+            </a:endParaRPr>
+          </a:p>
+        </p:txBody>
+      </p:sp>
+      <p:sp>
+        <p:nvSpPr>
+          <p:cNvPr id="81" name="PlaceHolder 2"/>
           <p:cNvSpPr>
             <a:spLocks noGrp="1"/>
           </p:cNvSpPr>
@@ -2276,8 +2136,8 @@
         </p:nvSpPr>
         <p:spPr>
           <a:xfrm>
-            <a:off x="457200" y="1981080"/>
-            <a:ext cx="8229240" cy="4114440"/>
+            <a:off x="457200" y="1604520"/>
+            <a:ext cx="8229240" cy="3977280"/>
           </a:xfrm>
           <a:prstGeom prst="rect">
             <a:avLst/>
@@ -2289,10 +2149,7 @@
           </a:bodyPr>
           <a:p>
             <a:endParaRPr b="0" lang="en-US" sz="3200" spc="-1" strike="noStrike">
-              <a:solidFill>
-                <a:srgbClr val="ffffff"/>
-              </a:solidFill>
-              <a:latin typeface="Tahoma"/>
+              <a:latin typeface="Arial"/>
             </a:endParaRPr>
           </a:p>
         </p:txBody>
@@ -2321,7 +2178,7 @@
       </p:grpSpPr>
       <p:sp>
         <p:nvSpPr>
-          <p:cNvPr id="91" name="PlaceHolder 1"/>
+          <p:cNvPr id="82" name="PlaceHolder 1"/>
           <p:cNvSpPr>
             <a:spLocks noGrp="1"/>
           </p:cNvSpPr>
@@ -2331,8 +2188,8 @@
         </p:nvSpPr>
         <p:spPr>
           <a:xfrm>
-            <a:off x="457200" y="380880"/>
-            <a:ext cx="8229240" cy="1371240"/>
+            <a:off x="457200" y="273600"/>
+            <a:ext cx="8229240" cy="1144800"/>
           </a:xfrm>
           <a:prstGeom prst="rect">
             <a:avLst/>
@@ -2341,18 +2198,16 @@
         <p:txBody>
           <a:bodyPr lIns="0" rIns="0" tIns="0" bIns="0" anchor="ctr"/>
           <a:p>
+            <a:pPr algn="ctr"/>
             <a:endParaRPr b="0" lang="en-US" sz="4400" spc="-1" strike="noStrike">
-              <a:solidFill>
-                <a:srgbClr val="ffffff"/>
-              </a:solidFill>
-              <a:latin typeface="Tahoma"/>
-            </a:endParaRPr>
-          </a:p>
-        </p:txBody>
-      </p:sp>
-      <p:sp>
-        <p:nvSpPr>
-          <p:cNvPr id="92" name="PlaceHolder 2"/>
+              <a:latin typeface="Arial"/>
+            </a:endParaRPr>
+          </a:p>
+        </p:txBody>
+      </p:sp>
+      <p:sp>
+        <p:nvSpPr>
+          <p:cNvPr id="83" name="PlaceHolder 2"/>
           <p:cNvSpPr>
             <a:spLocks noGrp="1"/>
           </p:cNvSpPr>
@@ -2362,8 +2217,8 @@
         </p:nvSpPr>
         <p:spPr>
           <a:xfrm>
-            <a:off x="457200" y="1981080"/>
-            <a:ext cx="4015800" cy="4114440"/>
+            <a:off x="457200" y="1604520"/>
+            <a:ext cx="4015800" cy="3977280"/>
           </a:xfrm>
           <a:prstGeom prst="rect">
             <a:avLst/>
@@ -2375,17 +2230,14 @@
           </a:bodyPr>
           <a:p>
             <a:endParaRPr b="0" lang="en-US" sz="3200" spc="-1" strike="noStrike">
-              <a:solidFill>
-                <a:srgbClr val="ffffff"/>
-              </a:solidFill>
-              <a:latin typeface="Tahoma"/>
-            </a:endParaRPr>
-          </a:p>
-        </p:txBody>
-      </p:sp>
-      <p:sp>
-        <p:nvSpPr>
-          <p:cNvPr id="93" name="PlaceHolder 3"/>
+              <a:latin typeface="Arial"/>
+            </a:endParaRPr>
+          </a:p>
+        </p:txBody>
+      </p:sp>
+      <p:sp>
+        <p:nvSpPr>
+          <p:cNvPr id="84" name="PlaceHolder 3"/>
           <p:cNvSpPr>
             <a:spLocks noGrp="1"/>
           </p:cNvSpPr>
@@ -2395,8 +2247,8 @@
         </p:nvSpPr>
         <p:spPr>
           <a:xfrm>
-            <a:off x="4674240" y="1981080"/>
-            <a:ext cx="4015800" cy="4114440"/>
+            <a:off x="4674240" y="1604520"/>
+            <a:ext cx="4015800" cy="3977280"/>
           </a:xfrm>
           <a:prstGeom prst="rect">
             <a:avLst/>
@@ -2408,10 +2260,7 @@
           </a:bodyPr>
           <a:p>
             <a:endParaRPr b="0" lang="en-US" sz="3200" spc="-1" strike="noStrike">
-              <a:solidFill>
-                <a:srgbClr val="ffffff"/>
-              </a:solidFill>
-              <a:latin typeface="Tahoma"/>
+              <a:latin typeface="Arial"/>
             </a:endParaRPr>
           </a:p>
         </p:txBody>
@@ -2440,7 +2289,7 @@
       </p:grpSpPr>
       <p:sp>
         <p:nvSpPr>
-          <p:cNvPr id="94" name="PlaceHolder 1"/>
+          <p:cNvPr id="85" name="PlaceHolder 1"/>
           <p:cNvSpPr>
             <a:spLocks noGrp="1"/>
           </p:cNvSpPr>
@@ -2450,8 +2299,8 @@
         </p:nvSpPr>
         <p:spPr>
           <a:xfrm>
-            <a:off x="457200" y="380880"/>
-            <a:ext cx="8229240" cy="1371240"/>
+            <a:off x="457200" y="273600"/>
+            <a:ext cx="8229240" cy="1144800"/>
           </a:xfrm>
           <a:prstGeom prst="rect">
             <a:avLst/>
@@ -2460,11 +2309,9 @@
         <p:txBody>
           <a:bodyPr lIns="0" rIns="0" tIns="0" bIns="0" anchor="ctr"/>
           <a:p>
+            <a:pPr algn="ctr"/>
             <a:endParaRPr b="0" lang="en-US" sz="4400" spc="-1" strike="noStrike">
-              <a:solidFill>
-                <a:srgbClr val="ffffff"/>
-              </a:solidFill>
-              <a:latin typeface="Tahoma"/>
+              <a:latin typeface="Arial"/>
             </a:endParaRPr>
           </a:p>
         </p:txBody>
@@ -2493,7 +2340,7 @@
       </p:grpSpPr>
       <p:sp>
         <p:nvSpPr>
-          <p:cNvPr id="7" name="PlaceHolder 1"/>
+          <p:cNvPr id="4" name="PlaceHolder 1"/>
           <p:cNvSpPr>
             <a:spLocks noGrp="1"/>
           </p:cNvSpPr>
@@ -2503,8 +2350,8 @@
         </p:nvSpPr>
         <p:spPr>
           <a:xfrm>
-            <a:off x="457200" y="380880"/>
-            <a:ext cx="8229240" cy="1371240"/>
+            <a:off x="457200" y="273600"/>
+            <a:ext cx="8229240" cy="1144800"/>
           </a:xfrm>
           <a:prstGeom prst="rect">
             <a:avLst/>
@@ -2513,18 +2360,16 @@
         <p:txBody>
           <a:bodyPr lIns="0" rIns="0" tIns="0" bIns="0" anchor="ctr"/>
           <a:p>
+            <a:pPr algn="ctr"/>
             <a:endParaRPr b="0" lang="en-US" sz="4400" spc="-1" strike="noStrike">
-              <a:solidFill>
-                <a:srgbClr val="ffffff"/>
-              </a:solidFill>
-              <a:latin typeface="Tahoma"/>
-            </a:endParaRPr>
-          </a:p>
-        </p:txBody>
-      </p:sp>
-      <p:sp>
-        <p:nvSpPr>
-          <p:cNvPr id="8" name="PlaceHolder 2"/>
+              <a:latin typeface="Arial"/>
+            </a:endParaRPr>
+          </a:p>
+        </p:txBody>
+      </p:sp>
+      <p:sp>
+        <p:nvSpPr>
+          <p:cNvPr id="5" name="PlaceHolder 2"/>
           <p:cNvSpPr>
             <a:spLocks noGrp="1"/>
           </p:cNvSpPr>
@@ -2534,8 +2379,8 @@
         </p:nvSpPr>
         <p:spPr>
           <a:xfrm>
-            <a:off x="457200" y="1981080"/>
-            <a:ext cx="8229240" cy="4114440"/>
+            <a:off x="457200" y="1604520"/>
+            <a:ext cx="8229240" cy="3977280"/>
           </a:xfrm>
           <a:prstGeom prst="rect">
             <a:avLst/>
@@ -2547,10 +2392,7 @@
           </a:bodyPr>
           <a:p>
             <a:endParaRPr b="0" lang="en-US" sz="3200" spc="-1" strike="noStrike">
-              <a:solidFill>
-                <a:srgbClr val="ffffff"/>
-              </a:solidFill>
-              <a:latin typeface="Tahoma"/>
+              <a:latin typeface="Arial"/>
             </a:endParaRPr>
           </a:p>
         </p:txBody>
@@ -2579,7 +2421,7 @@
       </p:grpSpPr>
       <p:sp>
         <p:nvSpPr>
-          <p:cNvPr id="95" name="PlaceHolder 1"/>
+          <p:cNvPr id="86" name="PlaceHolder 1"/>
           <p:cNvSpPr>
             <a:spLocks noGrp="1"/>
           </p:cNvSpPr>
@@ -2589,8 +2431,8 @@
         </p:nvSpPr>
         <p:spPr>
           <a:xfrm>
-            <a:off x="457200" y="380880"/>
-            <a:ext cx="8229240" cy="6357600"/>
+            <a:off x="457200" y="273600"/>
+            <a:ext cx="8229240" cy="5307840"/>
           </a:xfrm>
           <a:prstGeom prst="rect">
             <a:avLst/>
@@ -2630,7 +2472,7 @@
       </p:grpSpPr>
       <p:sp>
         <p:nvSpPr>
-          <p:cNvPr id="96" name="PlaceHolder 1"/>
+          <p:cNvPr id="87" name="PlaceHolder 1"/>
           <p:cNvSpPr>
             <a:spLocks noGrp="1"/>
           </p:cNvSpPr>
@@ -2640,8 +2482,8 @@
         </p:nvSpPr>
         <p:spPr>
           <a:xfrm>
-            <a:off x="457200" y="380880"/>
-            <a:ext cx="8229240" cy="1371240"/>
+            <a:off x="457200" y="273600"/>
+            <a:ext cx="8229240" cy="1144800"/>
           </a:xfrm>
           <a:prstGeom prst="rect">
             <a:avLst/>
@@ -2650,18 +2492,16 @@
         <p:txBody>
           <a:bodyPr lIns="0" rIns="0" tIns="0" bIns="0" anchor="ctr"/>
           <a:p>
+            <a:pPr algn="ctr"/>
             <a:endParaRPr b="0" lang="en-US" sz="4400" spc="-1" strike="noStrike">
-              <a:solidFill>
-                <a:srgbClr val="ffffff"/>
-              </a:solidFill>
-              <a:latin typeface="Tahoma"/>
-            </a:endParaRPr>
-          </a:p>
-        </p:txBody>
-      </p:sp>
-      <p:sp>
-        <p:nvSpPr>
-          <p:cNvPr id="97" name="PlaceHolder 2"/>
+              <a:latin typeface="Arial"/>
+            </a:endParaRPr>
+          </a:p>
+        </p:txBody>
+      </p:sp>
+      <p:sp>
+        <p:nvSpPr>
+          <p:cNvPr id="88" name="PlaceHolder 2"/>
           <p:cNvSpPr>
             <a:spLocks noGrp="1"/>
           </p:cNvSpPr>
@@ -2671,8 +2511,8 @@
         </p:nvSpPr>
         <p:spPr>
           <a:xfrm>
-            <a:off x="457200" y="1981080"/>
-            <a:ext cx="4015800" cy="1962360"/>
+            <a:off x="457200" y="1604520"/>
+            <a:ext cx="4015800" cy="1896840"/>
           </a:xfrm>
           <a:prstGeom prst="rect">
             <a:avLst/>
@@ -2684,17 +2524,14 @@
           </a:bodyPr>
           <a:p>
             <a:endParaRPr b="0" lang="en-US" sz="3200" spc="-1" strike="noStrike">
-              <a:solidFill>
-                <a:srgbClr val="ffffff"/>
-              </a:solidFill>
-              <a:latin typeface="Tahoma"/>
-            </a:endParaRPr>
-          </a:p>
-        </p:txBody>
-      </p:sp>
-      <p:sp>
-        <p:nvSpPr>
-          <p:cNvPr id="98" name="PlaceHolder 3"/>
+              <a:latin typeface="Arial"/>
+            </a:endParaRPr>
+          </a:p>
+        </p:txBody>
+      </p:sp>
+      <p:sp>
+        <p:nvSpPr>
+          <p:cNvPr id="89" name="PlaceHolder 3"/>
           <p:cNvSpPr>
             <a:spLocks noGrp="1"/>
           </p:cNvSpPr>
@@ -2704,8 +2541,8 @@
         </p:nvSpPr>
         <p:spPr>
           <a:xfrm>
-            <a:off x="457200" y="4130280"/>
-            <a:ext cx="4015800" cy="1962360"/>
+            <a:off x="457200" y="3682080"/>
+            <a:ext cx="4015800" cy="1896840"/>
           </a:xfrm>
           <a:prstGeom prst="rect">
             <a:avLst/>
@@ -2717,17 +2554,14 @@
           </a:bodyPr>
           <a:p>
             <a:endParaRPr b="0" lang="en-US" sz="3200" spc="-1" strike="noStrike">
-              <a:solidFill>
-                <a:srgbClr val="ffffff"/>
-              </a:solidFill>
-              <a:latin typeface="Tahoma"/>
-            </a:endParaRPr>
-          </a:p>
-        </p:txBody>
-      </p:sp>
-      <p:sp>
-        <p:nvSpPr>
-          <p:cNvPr id="99" name="PlaceHolder 4"/>
+              <a:latin typeface="Arial"/>
+            </a:endParaRPr>
+          </a:p>
+        </p:txBody>
+      </p:sp>
+      <p:sp>
+        <p:nvSpPr>
+          <p:cNvPr id="90" name="PlaceHolder 4"/>
           <p:cNvSpPr>
             <a:spLocks noGrp="1"/>
           </p:cNvSpPr>
@@ -2737,8 +2571,8 @@
         </p:nvSpPr>
         <p:spPr>
           <a:xfrm>
-            <a:off x="4674240" y="1981080"/>
-            <a:ext cx="4015800" cy="4114440"/>
+            <a:off x="4674240" y="1604520"/>
+            <a:ext cx="4015800" cy="3977280"/>
           </a:xfrm>
           <a:prstGeom prst="rect">
             <a:avLst/>
@@ -2750,10 +2584,7 @@
           </a:bodyPr>
           <a:p>
             <a:endParaRPr b="0" lang="en-US" sz="3200" spc="-1" strike="noStrike">
-              <a:solidFill>
-                <a:srgbClr val="ffffff"/>
-              </a:solidFill>
-              <a:latin typeface="Tahoma"/>
+              <a:latin typeface="Arial"/>
             </a:endParaRPr>
           </a:p>
         </p:txBody>
@@ -2782,7 +2613,7 @@
       </p:grpSpPr>
       <p:sp>
         <p:nvSpPr>
-          <p:cNvPr id="100" name="PlaceHolder 1"/>
+          <p:cNvPr id="91" name="PlaceHolder 1"/>
           <p:cNvSpPr>
             <a:spLocks noGrp="1"/>
           </p:cNvSpPr>
@@ -2792,8 +2623,8 @@
         </p:nvSpPr>
         <p:spPr>
           <a:xfrm>
-            <a:off x="457200" y="380880"/>
-            <a:ext cx="8229240" cy="1371240"/>
+            <a:off x="457200" y="273600"/>
+            <a:ext cx="8229240" cy="1144800"/>
           </a:xfrm>
           <a:prstGeom prst="rect">
             <a:avLst/>
@@ -2802,18 +2633,16 @@
         <p:txBody>
           <a:bodyPr lIns="0" rIns="0" tIns="0" bIns="0" anchor="ctr"/>
           <a:p>
+            <a:pPr algn="ctr"/>
             <a:endParaRPr b="0" lang="en-US" sz="4400" spc="-1" strike="noStrike">
-              <a:solidFill>
-                <a:srgbClr val="ffffff"/>
-              </a:solidFill>
-              <a:latin typeface="Tahoma"/>
-            </a:endParaRPr>
-          </a:p>
-        </p:txBody>
-      </p:sp>
-      <p:sp>
-        <p:nvSpPr>
-          <p:cNvPr id="101" name="PlaceHolder 2"/>
+              <a:latin typeface="Arial"/>
+            </a:endParaRPr>
+          </a:p>
+        </p:txBody>
+      </p:sp>
+      <p:sp>
+        <p:nvSpPr>
+          <p:cNvPr id="92" name="PlaceHolder 2"/>
           <p:cNvSpPr>
             <a:spLocks noGrp="1"/>
           </p:cNvSpPr>
@@ -2823,8 +2652,8 @@
         </p:nvSpPr>
         <p:spPr>
           <a:xfrm>
-            <a:off x="457200" y="1981080"/>
-            <a:ext cx="4015800" cy="4114440"/>
+            <a:off x="457200" y="1604520"/>
+            <a:ext cx="4015800" cy="3977280"/>
           </a:xfrm>
           <a:prstGeom prst="rect">
             <a:avLst/>
@@ -2836,17 +2665,14 @@
           </a:bodyPr>
           <a:p>
             <a:endParaRPr b="0" lang="en-US" sz="3200" spc="-1" strike="noStrike">
-              <a:solidFill>
-                <a:srgbClr val="ffffff"/>
-              </a:solidFill>
-              <a:latin typeface="Tahoma"/>
-            </a:endParaRPr>
-          </a:p>
-        </p:txBody>
-      </p:sp>
-      <p:sp>
-        <p:nvSpPr>
-          <p:cNvPr id="102" name="PlaceHolder 3"/>
+              <a:latin typeface="Arial"/>
+            </a:endParaRPr>
+          </a:p>
+        </p:txBody>
+      </p:sp>
+      <p:sp>
+        <p:nvSpPr>
+          <p:cNvPr id="93" name="PlaceHolder 3"/>
           <p:cNvSpPr>
             <a:spLocks noGrp="1"/>
           </p:cNvSpPr>
@@ -2856,8 +2682,8 @@
         </p:nvSpPr>
         <p:spPr>
           <a:xfrm>
-            <a:off x="4674240" y="1981080"/>
-            <a:ext cx="4015800" cy="1962360"/>
+            <a:off x="4674240" y="1604520"/>
+            <a:ext cx="4015800" cy="1896840"/>
           </a:xfrm>
           <a:prstGeom prst="rect">
             <a:avLst/>
@@ -2869,17 +2695,14 @@
           </a:bodyPr>
           <a:p>
             <a:endParaRPr b="0" lang="en-US" sz="3200" spc="-1" strike="noStrike">
-              <a:solidFill>
-                <a:srgbClr val="ffffff"/>
-              </a:solidFill>
-              <a:latin typeface="Tahoma"/>
-            </a:endParaRPr>
-          </a:p>
-        </p:txBody>
-      </p:sp>
-      <p:sp>
-        <p:nvSpPr>
-          <p:cNvPr id="103" name="PlaceHolder 4"/>
+              <a:latin typeface="Arial"/>
+            </a:endParaRPr>
+          </a:p>
+        </p:txBody>
+      </p:sp>
+      <p:sp>
+        <p:nvSpPr>
+          <p:cNvPr id="94" name="PlaceHolder 4"/>
           <p:cNvSpPr>
             <a:spLocks noGrp="1"/>
           </p:cNvSpPr>
@@ -2889,8 +2712,8 @@
         </p:nvSpPr>
         <p:spPr>
           <a:xfrm>
-            <a:off x="4674240" y="4130280"/>
-            <a:ext cx="4015800" cy="1962360"/>
+            <a:off x="4674240" y="3682080"/>
+            <a:ext cx="4015800" cy="1896840"/>
           </a:xfrm>
           <a:prstGeom prst="rect">
             <a:avLst/>
@@ -2902,10 +2725,7 @@
           </a:bodyPr>
           <a:p>
             <a:endParaRPr b="0" lang="en-US" sz="3200" spc="-1" strike="noStrike">
-              <a:solidFill>
-                <a:srgbClr val="ffffff"/>
-              </a:solidFill>
-              <a:latin typeface="Tahoma"/>
+              <a:latin typeface="Arial"/>
             </a:endParaRPr>
           </a:p>
         </p:txBody>
@@ -2934,7 +2754,7 @@
       </p:grpSpPr>
       <p:sp>
         <p:nvSpPr>
-          <p:cNvPr id="104" name="PlaceHolder 1"/>
+          <p:cNvPr id="95" name="PlaceHolder 1"/>
           <p:cNvSpPr>
             <a:spLocks noGrp="1"/>
           </p:cNvSpPr>
@@ -2944,8 +2764,8 @@
         </p:nvSpPr>
         <p:spPr>
           <a:xfrm>
-            <a:off x="457200" y="380880"/>
-            <a:ext cx="8229240" cy="1371240"/>
+            <a:off x="457200" y="273600"/>
+            <a:ext cx="8229240" cy="1144800"/>
           </a:xfrm>
           <a:prstGeom prst="rect">
             <a:avLst/>
@@ -2954,18 +2774,16 @@
         <p:txBody>
           <a:bodyPr lIns="0" rIns="0" tIns="0" bIns="0" anchor="ctr"/>
           <a:p>
+            <a:pPr algn="ctr"/>
             <a:endParaRPr b="0" lang="en-US" sz="4400" spc="-1" strike="noStrike">
-              <a:solidFill>
-                <a:srgbClr val="ffffff"/>
-              </a:solidFill>
-              <a:latin typeface="Tahoma"/>
-            </a:endParaRPr>
-          </a:p>
-        </p:txBody>
-      </p:sp>
-      <p:sp>
-        <p:nvSpPr>
-          <p:cNvPr id="105" name="PlaceHolder 2"/>
+              <a:latin typeface="Arial"/>
+            </a:endParaRPr>
+          </a:p>
+        </p:txBody>
+      </p:sp>
+      <p:sp>
+        <p:nvSpPr>
+          <p:cNvPr id="96" name="PlaceHolder 2"/>
           <p:cNvSpPr>
             <a:spLocks noGrp="1"/>
           </p:cNvSpPr>
@@ -2975,8 +2793,8 @@
         </p:nvSpPr>
         <p:spPr>
           <a:xfrm>
-            <a:off x="457200" y="1981080"/>
-            <a:ext cx="4015800" cy="1962360"/>
+            <a:off x="457200" y="1604520"/>
+            <a:ext cx="4015800" cy="1896840"/>
           </a:xfrm>
           <a:prstGeom prst="rect">
             <a:avLst/>
@@ -2988,17 +2806,14 @@
           </a:bodyPr>
           <a:p>
             <a:endParaRPr b="0" lang="en-US" sz="3200" spc="-1" strike="noStrike">
-              <a:solidFill>
-                <a:srgbClr val="ffffff"/>
-              </a:solidFill>
-              <a:latin typeface="Tahoma"/>
-            </a:endParaRPr>
-          </a:p>
-        </p:txBody>
-      </p:sp>
-      <p:sp>
-        <p:nvSpPr>
-          <p:cNvPr id="106" name="PlaceHolder 3"/>
+              <a:latin typeface="Arial"/>
+            </a:endParaRPr>
+          </a:p>
+        </p:txBody>
+      </p:sp>
+      <p:sp>
+        <p:nvSpPr>
+          <p:cNvPr id="97" name="PlaceHolder 3"/>
           <p:cNvSpPr>
             <a:spLocks noGrp="1"/>
           </p:cNvSpPr>
@@ -3008,8 +2823,8 @@
         </p:nvSpPr>
         <p:spPr>
           <a:xfrm>
-            <a:off x="4674240" y="1981080"/>
-            <a:ext cx="4015800" cy="1962360"/>
+            <a:off x="4674240" y="1604520"/>
+            <a:ext cx="4015800" cy="1896840"/>
           </a:xfrm>
           <a:prstGeom prst="rect">
             <a:avLst/>
@@ -3021,17 +2836,14 @@
           </a:bodyPr>
           <a:p>
             <a:endParaRPr b="0" lang="en-US" sz="3200" spc="-1" strike="noStrike">
-              <a:solidFill>
-                <a:srgbClr val="ffffff"/>
-              </a:solidFill>
-              <a:latin typeface="Tahoma"/>
-            </a:endParaRPr>
-          </a:p>
-        </p:txBody>
-      </p:sp>
-      <p:sp>
-        <p:nvSpPr>
-          <p:cNvPr id="107" name="PlaceHolder 4"/>
+              <a:latin typeface="Arial"/>
+            </a:endParaRPr>
+          </a:p>
+        </p:txBody>
+      </p:sp>
+      <p:sp>
+        <p:nvSpPr>
+          <p:cNvPr id="98" name="PlaceHolder 4"/>
           <p:cNvSpPr>
             <a:spLocks noGrp="1"/>
           </p:cNvSpPr>
@@ -3041,8 +2853,8 @@
         </p:nvSpPr>
         <p:spPr>
           <a:xfrm>
-            <a:off x="457200" y="4130280"/>
-            <a:ext cx="8229240" cy="1962360"/>
+            <a:off x="457200" y="3682080"/>
+            <a:ext cx="8229240" cy="1896840"/>
           </a:xfrm>
           <a:prstGeom prst="rect">
             <a:avLst/>
@@ -3054,10 +2866,7 @@
           </a:bodyPr>
           <a:p>
             <a:endParaRPr b="0" lang="en-US" sz="3200" spc="-1" strike="noStrike">
-              <a:solidFill>
-                <a:srgbClr val="ffffff"/>
-              </a:solidFill>
-              <a:latin typeface="Tahoma"/>
+              <a:latin typeface="Arial"/>
             </a:endParaRPr>
           </a:p>
         </p:txBody>
@@ -3086,7 +2895,7 @@
       </p:grpSpPr>
       <p:sp>
         <p:nvSpPr>
-          <p:cNvPr id="108" name="PlaceHolder 1"/>
+          <p:cNvPr id="99" name="PlaceHolder 1"/>
           <p:cNvSpPr>
             <a:spLocks noGrp="1"/>
           </p:cNvSpPr>
@@ -3096,8 +2905,8 @@
         </p:nvSpPr>
         <p:spPr>
           <a:xfrm>
-            <a:off x="457200" y="380880"/>
-            <a:ext cx="8229240" cy="1371240"/>
+            <a:off x="457200" y="273600"/>
+            <a:ext cx="8229240" cy="1144800"/>
           </a:xfrm>
           <a:prstGeom prst="rect">
             <a:avLst/>
@@ -3106,18 +2915,16 @@
         <p:txBody>
           <a:bodyPr lIns="0" rIns="0" tIns="0" bIns="0" anchor="ctr"/>
           <a:p>
+            <a:pPr algn="ctr"/>
             <a:endParaRPr b="0" lang="en-US" sz="4400" spc="-1" strike="noStrike">
-              <a:solidFill>
-                <a:srgbClr val="ffffff"/>
-              </a:solidFill>
-              <a:latin typeface="Tahoma"/>
-            </a:endParaRPr>
-          </a:p>
-        </p:txBody>
-      </p:sp>
-      <p:sp>
-        <p:nvSpPr>
-          <p:cNvPr id="109" name="PlaceHolder 2"/>
+              <a:latin typeface="Arial"/>
+            </a:endParaRPr>
+          </a:p>
+        </p:txBody>
+      </p:sp>
+      <p:sp>
+        <p:nvSpPr>
+          <p:cNvPr id="100" name="PlaceHolder 2"/>
           <p:cNvSpPr>
             <a:spLocks noGrp="1"/>
           </p:cNvSpPr>
@@ -3127,8 +2934,8 @@
         </p:nvSpPr>
         <p:spPr>
           <a:xfrm>
-            <a:off x="457200" y="1981080"/>
-            <a:ext cx="8229240" cy="1962360"/>
+            <a:off x="457200" y="1604520"/>
+            <a:ext cx="8229240" cy="1896840"/>
           </a:xfrm>
           <a:prstGeom prst="rect">
             <a:avLst/>
@@ -3140,17 +2947,14 @@
           </a:bodyPr>
           <a:p>
             <a:endParaRPr b="0" lang="en-US" sz="3200" spc="-1" strike="noStrike">
-              <a:solidFill>
-                <a:srgbClr val="ffffff"/>
-              </a:solidFill>
-              <a:latin typeface="Tahoma"/>
-            </a:endParaRPr>
-          </a:p>
-        </p:txBody>
-      </p:sp>
-      <p:sp>
-        <p:nvSpPr>
-          <p:cNvPr id="110" name="PlaceHolder 3"/>
+              <a:latin typeface="Arial"/>
+            </a:endParaRPr>
+          </a:p>
+        </p:txBody>
+      </p:sp>
+      <p:sp>
+        <p:nvSpPr>
+          <p:cNvPr id="101" name="PlaceHolder 3"/>
           <p:cNvSpPr>
             <a:spLocks noGrp="1"/>
           </p:cNvSpPr>
@@ -3160,8 +2964,8 @@
         </p:nvSpPr>
         <p:spPr>
           <a:xfrm>
-            <a:off x="457200" y="4130280"/>
-            <a:ext cx="8229240" cy="1962360"/>
+            <a:off x="457200" y="3682080"/>
+            <a:ext cx="8229240" cy="1896840"/>
           </a:xfrm>
           <a:prstGeom prst="rect">
             <a:avLst/>
@@ -3173,10 +2977,7 @@
           </a:bodyPr>
           <a:p>
             <a:endParaRPr b="0" lang="en-US" sz="3200" spc="-1" strike="noStrike">
-              <a:solidFill>
-                <a:srgbClr val="ffffff"/>
-              </a:solidFill>
-              <a:latin typeface="Tahoma"/>
+              <a:latin typeface="Arial"/>
             </a:endParaRPr>
           </a:p>
         </p:txBody>
@@ -3205,7 +3006,7 @@
       </p:grpSpPr>
       <p:sp>
         <p:nvSpPr>
-          <p:cNvPr id="111" name="PlaceHolder 1"/>
+          <p:cNvPr id="102" name="PlaceHolder 1"/>
           <p:cNvSpPr>
             <a:spLocks noGrp="1"/>
           </p:cNvSpPr>
@@ -3215,8 +3016,8 @@
         </p:nvSpPr>
         <p:spPr>
           <a:xfrm>
-            <a:off x="457200" y="380880"/>
-            <a:ext cx="8229240" cy="1371240"/>
+            <a:off x="457200" y="273600"/>
+            <a:ext cx="8229240" cy="1144800"/>
           </a:xfrm>
           <a:prstGeom prst="rect">
             <a:avLst/>
@@ -3225,18 +3026,16 @@
         <p:txBody>
           <a:bodyPr lIns="0" rIns="0" tIns="0" bIns="0" anchor="ctr"/>
           <a:p>
+            <a:pPr algn="ctr"/>
             <a:endParaRPr b="0" lang="en-US" sz="4400" spc="-1" strike="noStrike">
-              <a:solidFill>
-                <a:srgbClr val="ffffff"/>
-              </a:solidFill>
-              <a:latin typeface="Tahoma"/>
-            </a:endParaRPr>
-          </a:p>
-        </p:txBody>
-      </p:sp>
-      <p:sp>
-        <p:nvSpPr>
-          <p:cNvPr id="112" name="PlaceHolder 2"/>
+              <a:latin typeface="Arial"/>
+            </a:endParaRPr>
+          </a:p>
+        </p:txBody>
+      </p:sp>
+      <p:sp>
+        <p:nvSpPr>
+          <p:cNvPr id="103" name="PlaceHolder 2"/>
           <p:cNvSpPr>
             <a:spLocks noGrp="1"/>
           </p:cNvSpPr>
@@ -3246,8 +3045,8 @@
         </p:nvSpPr>
         <p:spPr>
           <a:xfrm>
-            <a:off x="457200" y="1981080"/>
-            <a:ext cx="4015800" cy="1962360"/>
+            <a:off x="457200" y="1604520"/>
+            <a:ext cx="4015800" cy="1896840"/>
           </a:xfrm>
           <a:prstGeom prst="rect">
             <a:avLst/>
@@ -3259,17 +3058,14 @@
           </a:bodyPr>
           <a:p>
             <a:endParaRPr b="0" lang="en-US" sz="3200" spc="-1" strike="noStrike">
-              <a:solidFill>
-                <a:srgbClr val="ffffff"/>
-              </a:solidFill>
-              <a:latin typeface="Tahoma"/>
-            </a:endParaRPr>
-          </a:p>
-        </p:txBody>
-      </p:sp>
-      <p:sp>
-        <p:nvSpPr>
-          <p:cNvPr id="113" name="PlaceHolder 3"/>
+              <a:latin typeface="Arial"/>
+            </a:endParaRPr>
+          </a:p>
+        </p:txBody>
+      </p:sp>
+      <p:sp>
+        <p:nvSpPr>
+          <p:cNvPr id="104" name="PlaceHolder 3"/>
           <p:cNvSpPr>
             <a:spLocks noGrp="1"/>
           </p:cNvSpPr>
@@ -3279,8 +3075,8 @@
         </p:nvSpPr>
         <p:spPr>
           <a:xfrm>
-            <a:off x="4674240" y="1981080"/>
-            <a:ext cx="4015800" cy="1962360"/>
+            <a:off x="4674240" y="1604520"/>
+            <a:ext cx="4015800" cy="1896840"/>
           </a:xfrm>
           <a:prstGeom prst="rect">
             <a:avLst/>
@@ -3292,17 +3088,14 @@
           </a:bodyPr>
           <a:p>
             <a:endParaRPr b="0" lang="en-US" sz="3200" spc="-1" strike="noStrike">
-              <a:solidFill>
-                <a:srgbClr val="ffffff"/>
-              </a:solidFill>
-              <a:latin typeface="Tahoma"/>
-            </a:endParaRPr>
-          </a:p>
-        </p:txBody>
-      </p:sp>
-      <p:sp>
-        <p:nvSpPr>
-          <p:cNvPr id="114" name="PlaceHolder 4"/>
+              <a:latin typeface="Arial"/>
+            </a:endParaRPr>
+          </a:p>
+        </p:txBody>
+      </p:sp>
+      <p:sp>
+        <p:nvSpPr>
+          <p:cNvPr id="105" name="PlaceHolder 4"/>
           <p:cNvSpPr>
             <a:spLocks noGrp="1"/>
           </p:cNvSpPr>
@@ -3312,8 +3105,8 @@
         </p:nvSpPr>
         <p:spPr>
           <a:xfrm>
-            <a:off x="4674240" y="4130280"/>
-            <a:ext cx="4015800" cy="1962360"/>
+            <a:off x="4674240" y="3682080"/>
+            <a:ext cx="4015800" cy="1896840"/>
           </a:xfrm>
           <a:prstGeom prst="rect">
             <a:avLst/>
@@ -3325,17 +3118,14 @@
           </a:bodyPr>
           <a:p>
             <a:endParaRPr b="0" lang="en-US" sz="3200" spc="-1" strike="noStrike">
-              <a:solidFill>
-                <a:srgbClr val="ffffff"/>
-              </a:solidFill>
-              <a:latin typeface="Tahoma"/>
-            </a:endParaRPr>
-          </a:p>
-        </p:txBody>
-      </p:sp>
-      <p:sp>
-        <p:nvSpPr>
-          <p:cNvPr id="115" name="PlaceHolder 5"/>
+              <a:latin typeface="Arial"/>
+            </a:endParaRPr>
+          </a:p>
+        </p:txBody>
+      </p:sp>
+      <p:sp>
+        <p:nvSpPr>
+          <p:cNvPr id="106" name="PlaceHolder 5"/>
           <p:cNvSpPr>
             <a:spLocks noGrp="1"/>
           </p:cNvSpPr>
@@ -3345,8 +3135,8 @@
         </p:nvSpPr>
         <p:spPr>
           <a:xfrm>
-            <a:off x="457200" y="4130280"/>
-            <a:ext cx="4015800" cy="1962360"/>
+            <a:off x="457200" y="3682080"/>
+            <a:ext cx="4015800" cy="1896840"/>
           </a:xfrm>
           <a:prstGeom prst="rect">
             <a:avLst/>
@@ -3358,10 +3148,7 @@
           </a:bodyPr>
           <a:p>
             <a:endParaRPr b="0" lang="en-US" sz="3200" spc="-1" strike="noStrike">
-              <a:solidFill>
-                <a:srgbClr val="ffffff"/>
-              </a:solidFill>
-              <a:latin typeface="Tahoma"/>
+              <a:latin typeface="Arial"/>
             </a:endParaRPr>
           </a:p>
         </p:txBody>
@@ -3390,7 +3177,7 @@
       </p:grpSpPr>
       <p:sp>
         <p:nvSpPr>
-          <p:cNvPr id="116" name="PlaceHolder 1"/>
+          <p:cNvPr id="107" name="PlaceHolder 1"/>
           <p:cNvSpPr>
             <a:spLocks noGrp="1"/>
           </p:cNvSpPr>
@@ -3400,8 +3187,8 @@
         </p:nvSpPr>
         <p:spPr>
           <a:xfrm>
-            <a:off x="457200" y="380880"/>
-            <a:ext cx="8229240" cy="1371240"/>
+            <a:off x="457200" y="273600"/>
+            <a:ext cx="8229240" cy="1144800"/>
           </a:xfrm>
           <a:prstGeom prst="rect">
             <a:avLst/>
@@ -3410,18 +3197,16 @@
         <p:txBody>
           <a:bodyPr lIns="0" rIns="0" tIns="0" bIns="0" anchor="ctr"/>
           <a:p>
+            <a:pPr algn="ctr"/>
             <a:endParaRPr b="0" lang="en-US" sz="4400" spc="-1" strike="noStrike">
-              <a:solidFill>
-                <a:srgbClr val="ffffff"/>
-              </a:solidFill>
-              <a:latin typeface="Tahoma"/>
-            </a:endParaRPr>
-          </a:p>
-        </p:txBody>
-      </p:sp>
-      <p:sp>
-        <p:nvSpPr>
-          <p:cNvPr id="117" name="PlaceHolder 2"/>
+              <a:latin typeface="Arial"/>
+            </a:endParaRPr>
+          </a:p>
+        </p:txBody>
+      </p:sp>
+      <p:sp>
+        <p:nvSpPr>
+          <p:cNvPr id="108" name="PlaceHolder 2"/>
           <p:cNvSpPr>
             <a:spLocks noGrp="1"/>
           </p:cNvSpPr>
@@ -3431,8 +3216,8 @@
         </p:nvSpPr>
         <p:spPr>
           <a:xfrm>
-            <a:off x="457200" y="1981080"/>
-            <a:ext cx="2649600" cy="1962360"/>
+            <a:off x="457200" y="1604520"/>
+            <a:ext cx="2649600" cy="1896840"/>
           </a:xfrm>
           <a:prstGeom prst="rect">
             <a:avLst/>
@@ -3444,17 +3229,14 @@
           </a:bodyPr>
           <a:p>
             <a:endParaRPr b="0" lang="en-US" sz="3200" spc="-1" strike="noStrike">
-              <a:solidFill>
-                <a:srgbClr val="ffffff"/>
-              </a:solidFill>
-              <a:latin typeface="Tahoma"/>
-            </a:endParaRPr>
-          </a:p>
-        </p:txBody>
-      </p:sp>
-      <p:sp>
-        <p:nvSpPr>
-          <p:cNvPr id="118" name="PlaceHolder 3"/>
+              <a:latin typeface="Arial"/>
+            </a:endParaRPr>
+          </a:p>
+        </p:txBody>
+      </p:sp>
+      <p:sp>
+        <p:nvSpPr>
+          <p:cNvPr id="109" name="PlaceHolder 3"/>
           <p:cNvSpPr>
             <a:spLocks noGrp="1"/>
           </p:cNvSpPr>
@@ -3464,8 +3246,8 @@
         </p:nvSpPr>
         <p:spPr>
           <a:xfrm>
-            <a:off x="3239640" y="1981080"/>
-            <a:ext cx="2649600" cy="1962360"/>
+            <a:off x="3239640" y="1604520"/>
+            <a:ext cx="2649600" cy="1896840"/>
           </a:xfrm>
           <a:prstGeom prst="rect">
             <a:avLst/>
@@ -3477,17 +3259,14 @@
           </a:bodyPr>
           <a:p>
             <a:endParaRPr b="0" lang="en-US" sz="3200" spc="-1" strike="noStrike">
-              <a:solidFill>
-                <a:srgbClr val="ffffff"/>
-              </a:solidFill>
-              <a:latin typeface="Tahoma"/>
-            </a:endParaRPr>
-          </a:p>
-        </p:txBody>
-      </p:sp>
-      <p:sp>
-        <p:nvSpPr>
-          <p:cNvPr id="119" name="PlaceHolder 4"/>
+              <a:latin typeface="Arial"/>
+            </a:endParaRPr>
+          </a:p>
+        </p:txBody>
+      </p:sp>
+      <p:sp>
+        <p:nvSpPr>
+          <p:cNvPr id="110" name="PlaceHolder 4"/>
           <p:cNvSpPr>
             <a:spLocks noGrp="1"/>
           </p:cNvSpPr>
@@ -3497,8 +3276,8 @@
         </p:nvSpPr>
         <p:spPr>
           <a:xfrm>
-            <a:off x="6022080" y="1981080"/>
-            <a:ext cx="2649600" cy="1962360"/>
+            <a:off x="6022080" y="1604520"/>
+            <a:ext cx="2649600" cy="1896840"/>
           </a:xfrm>
           <a:prstGeom prst="rect">
             <a:avLst/>
@@ -3510,17 +3289,14 @@
           </a:bodyPr>
           <a:p>
             <a:endParaRPr b="0" lang="en-US" sz="3200" spc="-1" strike="noStrike">
-              <a:solidFill>
-                <a:srgbClr val="ffffff"/>
-              </a:solidFill>
-              <a:latin typeface="Tahoma"/>
-            </a:endParaRPr>
-          </a:p>
-        </p:txBody>
-      </p:sp>
-      <p:sp>
-        <p:nvSpPr>
-          <p:cNvPr id="120" name="PlaceHolder 5"/>
+              <a:latin typeface="Arial"/>
+            </a:endParaRPr>
+          </a:p>
+        </p:txBody>
+      </p:sp>
+      <p:sp>
+        <p:nvSpPr>
+          <p:cNvPr id="111" name="PlaceHolder 5"/>
           <p:cNvSpPr>
             <a:spLocks noGrp="1"/>
           </p:cNvSpPr>
@@ -3530,8 +3306,8 @@
         </p:nvSpPr>
         <p:spPr>
           <a:xfrm>
-            <a:off x="6022080" y="4130280"/>
-            <a:ext cx="2649600" cy="1962360"/>
+            <a:off x="6022080" y="3682080"/>
+            <a:ext cx="2649600" cy="1896840"/>
           </a:xfrm>
           <a:prstGeom prst="rect">
             <a:avLst/>
@@ -3543,17 +3319,14 @@
           </a:bodyPr>
           <a:p>
             <a:endParaRPr b="0" lang="en-US" sz="3200" spc="-1" strike="noStrike">
-              <a:solidFill>
-                <a:srgbClr val="ffffff"/>
-              </a:solidFill>
-              <a:latin typeface="Tahoma"/>
-            </a:endParaRPr>
-          </a:p>
-        </p:txBody>
-      </p:sp>
-      <p:sp>
-        <p:nvSpPr>
-          <p:cNvPr id="121" name="PlaceHolder 6"/>
+              <a:latin typeface="Arial"/>
+            </a:endParaRPr>
+          </a:p>
+        </p:txBody>
+      </p:sp>
+      <p:sp>
+        <p:nvSpPr>
+          <p:cNvPr id="112" name="PlaceHolder 6"/>
           <p:cNvSpPr>
             <a:spLocks noGrp="1"/>
           </p:cNvSpPr>
@@ -3563,8 +3336,8 @@
         </p:nvSpPr>
         <p:spPr>
           <a:xfrm>
-            <a:off x="3239640" y="4130280"/>
-            <a:ext cx="2649600" cy="1962360"/>
+            <a:off x="3239640" y="3682080"/>
+            <a:ext cx="2649600" cy="1896840"/>
           </a:xfrm>
           <a:prstGeom prst="rect">
             <a:avLst/>
@@ -3576,17 +3349,14 @@
           </a:bodyPr>
           <a:p>
             <a:endParaRPr b="0" lang="en-US" sz="3200" spc="-1" strike="noStrike">
-              <a:solidFill>
-                <a:srgbClr val="ffffff"/>
-              </a:solidFill>
-              <a:latin typeface="Tahoma"/>
-            </a:endParaRPr>
-          </a:p>
-        </p:txBody>
-      </p:sp>
-      <p:sp>
-        <p:nvSpPr>
-          <p:cNvPr id="122" name="PlaceHolder 7"/>
+              <a:latin typeface="Arial"/>
+            </a:endParaRPr>
+          </a:p>
+        </p:txBody>
+      </p:sp>
+      <p:sp>
+        <p:nvSpPr>
+          <p:cNvPr id="113" name="PlaceHolder 7"/>
           <p:cNvSpPr>
             <a:spLocks noGrp="1"/>
           </p:cNvSpPr>
@@ -3596,8 +3366,8 @@
         </p:nvSpPr>
         <p:spPr>
           <a:xfrm>
-            <a:off x="457200" y="4130280"/>
-            <a:ext cx="2649600" cy="1962360"/>
+            <a:off x="457200" y="3682080"/>
+            <a:ext cx="2649600" cy="1896840"/>
           </a:xfrm>
           <a:prstGeom prst="rect">
             <a:avLst/>
@@ -3609,10 +3379,7 @@
           </a:bodyPr>
           <a:p>
             <a:endParaRPr b="0" lang="en-US" sz="3200" spc="-1" strike="noStrike">
-              <a:solidFill>
-                <a:srgbClr val="ffffff"/>
-              </a:solidFill>
-              <a:latin typeface="Tahoma"/>
+              <a:latin typeface="Arial"/>
             </a:endParaRPr>
           </a:p>
         </p:txBody>
@@ -3641,7 +3408,7 @@
       </p:grpSpPr>
       <p:sp>
         <p:nvSpPr>
-          <p:cNvPr id="9" name="PlaceHolder 1"/>
+          <p:cNvPr id="6" name="PlaceHolder 1"/>
           <p:cNvSpPr>
             <a:spLocks noGrp="1"/>
           </p:cNvSpPr>
@@ -3651,8 +3418,8 @@
         </p:nvSpPr>
         <p:spPr>
           <a:xfrm>
-            <a:off x="457200" y="380880"/>
-            <a:ext cx="8229240" cy="1371240"/>
+            <a:off x="457200" y="273600"/>
+            <a:ext cx="8229240" cy="1144800"/>
           </a:xfrm>
           <a:prstGeom prst="rect">
             <a:avLst/>
@@ -3661,18 +3428,16 @@
         <p:txBody>
           <a:bodyPr lIns="0" rIns="0" tIns="0" bIns="0" anchor="ctr"/>
           <a:p>
+            <a:pPr algn="ctr"/>
             <a:endParaRPr b="0" lang="en-US" sz="4400" spc="-1" strike="noStrike">
-              <a:solidFill>
-                <a:srgbClr val="ffffff"/>
-              </a:solidFill>
-              <a:latin typeface="Tahoma"/>
-            </a:endParaRPr>
-          </a:p>
-        </p:txBody>
-      </p:sp>
-      <p:sp>
-        <p:nvSpPr>
-          <p:cNvPr id="10" name="PlaceHolder 2"/>
+              <a:latin typeface="Arial"/>
+            </a:endParaRPr>
+          </a:p>
+        </p:txBody>
+      </p:sp>
+      <p:sp>
+        <p:nvSpPr>
+          <p:cNvPr id="7" name="PlaceHolder 2"/>
           <p:cNvSpPr>
             <a:spLocks noGrp="1"/>
           </p:cNvSpPr>
@@ -3682,8 +3447,8 @@
         </p:nvSpPr>
         <p:spPr>
           <a:xfrm>
-            <a:off x="457200" y="1981080"/>
-            <a:ext cx="4015800" cy="4114440"/>
+            <a:off x="457200" y="1604520"/>
+            <a:ext cx="4015800" cy="3977280"/>
           </a:xfrm>
           <a:prstGeom prst="rect">
             <a:avLst/>
@@ -3695,17 +3460,14 @@
           </a:bodyPr>
           <a:p>
             <a:endParaRPr b="0" lang="en-US" sz="3200" spc="-1" strike="noStrike">
-              <a:solidFill>
-                <a:srgbClr val="ffffff"/>
-              </a:solidFill>
-              <a:latin typeface="Tahoma"/>
-            </a:endParaRPr>
-          </a:p>
-        </p:txBody>
-      </p:sp>
-      <p:sp>
-        <p:nvSpPr>
-          <p:cNvPr id="11" name="PlaceHolder 3"/>
+              <a:latin typeface="Arial"/>
+            </a:endParaRPr>
+          </a:p>
+        </p:txBody>
+      </p:sp>
+      <p:sp>
+        <p:nvSpPr>
+          <p:cNvPr id="8" name="PlaceHolder 3"/>
           <p:cNvSpPr>
             <a:spLocks noGrp="1"/>
           </p:cNvSpPr>
@@ -3715,8 +3477,8 @@
         </p:nvSpPr>
         <p:spPr>
           <a:xfrm>
-            <a:off x="4674240" y="1981080"/>
-            <a:ext cx="4015800" cy="4114440"/>
+            <a:off x="4674240" y="1604520"/>
+            <a:ext cx="4015800" cy="3977280"/>
           </a:xfrm>
           <a:prstGeom prst="rect">
             <a:avLst/>
@@ -3728,10 +3490,7 @@
           </a:bodyPr>
           <a:p>
             <a:endParaRPr b="0" lang="en-US" sz="3200" spc="-1" strike="noStrike">
-              <a:solidFill>
-                <a:srgbClr val="ffffff"/>
-              </a:solidFill>
-              <a:latin typeface="Tahoma"/>
+              <a:latin typeface="Arial"/>
             </a:endParaRPr>
           </a:p>
         </p:txBody>
@@ -3760,7 +3519,7 @@
       </p:grpSpPr>
       <p:sp>
         <p:nvSpPr>
-          <p:cNvPr id="12" name="PlaceHolder 1"/>
+          <p:cNvPr id="9" name="PlaceHolder 1"/>
           <p:cNvSpPr>
             <a:spLocks noGrp="1"/>
           </p:cNvSpPr>
@@ -3770,8 +3529,8 @@
         </p:nvSpPr>
         <p:spPr>
           <a:xfrm>
-            <a:off x="457200" y="380880"/>
-            <a:ext cx="8229240" cy="1371240"/>
+            <a:off x="457200" y="273600"/>
+            <a:ext cx="8229240" cy="1144800"/>
           </a:xfrm>
           <a:prstGeom prst="rect">
             <a:avLst/>
@@ -3780,11 +3539,9 @@
         <p:txBody>
           <a:bodyPr lIns="0" rIns="0" tIns="0" bIns="0" anchor="ctr"/>
           <a:p>
+            <a:pPr algn="ctr"/>
             <a:endParaRPr b="0" lang="en-US" sz="4400" spc="-1" strike="noStrike">
-              <a:solidFill>
-                <a:srgbClr val="ffffff"/>
-              </a:solidFill>
-              <a:latin typeface="Tahoma"/>
+              <a:latin typeface="Arial"/>
             </a:endParaRPr>
           </a:p>
         </p:txBody>
@@ -3813,7 +3570,7 @@
       </p:grpSpPr>
       <p:sp>
         <p:nvSpPr>
-          <p:cNvPr id="13" name="PlaceHolder 1"/>
+          <p:cNvPr id="10" name="PlaceHolder 1"/>
           <p:cNvSpPr>
             <a:spLocks noGrp="1"/>
           </p:cNvSpPr>
@@ -3823,8 +3580,8 @@
         </p:nvSpPr>
         <p:spPr>
           <a:xfrm>
-            <a:off x="457200" y="380880"/>
-            <a:ext cx="8229240" cy="6357600"/>
+            <a:off x="457200" y="273600"/>
+            <a:ext cx="8229240" cy="5307840"/>
           </a:xfrm>
           <a:prstGeom prst="rect">
             <a:avLst/>
@@ -3864,7 +3621,7 @@
       </p:grpSpPr>
       <p:sp>
         <p:nvSpPr>
-          <p:cNvPr id="14" name="PlaceHolder 1"/>
+          <p:cNvPr id="11" name="PlaceHolder 1"/>
           <p:cNvSpPr>
             <a:spLocks noGrp="1"/>
           </p:cNvSpPr>
@@ -3874,8 +3631,8 @@
         </p:nvSpPr>
         <p:spPr>
           <a:xfrm>
-            <a:off x="457200" y="380880"/>
-            <a:ext cx="8229240" cy="1371240"/>
+            <a:off x="457200" y="273600"/>
+            <a:ext cx="8229240" cy="1144800"/>
           </a:xfrm>
           <a:prstGeom prst="rect">
             <a:avLst/>
@@ -3884,18 +3641,16 @@
         <p:txBody>
           <a:bodyPr lIns="0" rIns="0" tIns="0" bIns="0" anchor="ctr"/>
           <a:p>
+            <a:pPr algn="ctr"/>
             <a:endParaRPr b="0" lang="en-US" sz="4400" spc="-1" strike="noStrike">
-              <a:solidFill>
-                <a:srgbClr val="ffffff"/>
-              </a:solidFill>
-              <a:latin typeface="Tahoma"/>
-            </a:endParaRPr>
-          </a:p>
-        </p:txBody>
-      </p:sp>
-      <p:sp>
-        <p:nvSpPr>
-          <p:cNvPr id="15" name="PlaceHolder 2"/>
+              <a:latin typeface="Arial"/>
+            </a:endParaRPr>
+          </a:p>
+        </p:txBody>
+      </p:sp>
+      <p:sp>
+        <p:nvSpPr>
+          <p:cNvPr id="12" name="PlaceHolder 2"/>
           <p:cNvSpPr>
             <a:spLocks noGrp="1"/>
           </p:cNvSpPr>
@@ -3905,8 +3660,8 @@
         </p:nvSpPr>
         <p:spPr>
           <a:xfrm>
-            <a:off x="457200" y="1981080"/>
-            <a:ext cx="4015800" cy="1962360"/>
+            <a:off x="457200" y="1604520"/>
+            <a:ext cx="4015800" cy="1896840"/>
           </a:xfrm>
           <a:prstGeom prst="rect">
             <a:avLst/>
@@ -3918,17 +3673,14 @@
           </a:bodyPr>
           <a:p>
             <a:endParaRPr b="0" lang="en-US" sz="3200" spc="-1" strike="noStrike">
-              <a:solidFill>
-                <a:srgbClr val="ffffff"/>
-              </a:solidFill>
-              <a:latin typeface="Tahoma"/>
-            </a:endParaRPr>
-          </a:p>
-        </p:txBody>
-      </p:sp>
-      <p:sp>
-        <p:nvSpPr>
-          <p:cNvPr id="16" name="PlaceHolder 3"/>
+              <a:latin typeface="Arial"/>
+            </a:endParaRPr>
+          </a:p>
+        </p:txBody>
+      </p:sp>
+      <p:sp>
+        <p:nvSpPr>
+          <p:cNvPr id="13" name="PlaceHolder 3"/>
           <p:cNvSpPr>
             <a:spLocks noGrp="1"/>
           </p:cNvSpPr>
@@ -3938,8 +3690,8 @@
         </p:nvSpPr>
         <p:spPr>
           <a:xfrm>
-            <a:off x="457200" y="4130280"/>
-            <a:ext cx="4015800" cy="1962360"/>
+            <a:off x="457200" y="3682080"/>
+            <a:ext cx="4015800" cy="1896840"/>
           </a:xfrm>
           <a:prstGeom prst="rect">
             <a:avLst/>
@@ -3951,17 +3703,14 @@
           </a:bodyPr>
           <a:p>
             <a:endParaRPr b="0" lang="en-US" sz="3200" spc="-1" strike="noStrike">
-              <a:solidFill>
-                <a:srgbClr val="ffffff"/>
-              </a:solidFill>
-              <a:latin typeface="Tahoma"/>
-            </a:endParaRPr>
-          </a:p>
-        </p:txBody>
-      </p:sp>
-      <p:sp>
-        <p:nvSpPr>
-          <p:cNvPr id="17" name="PlaceHolder 4"/>
+              <a:latin typeface="Arial"/>
+            </a:endParaRPr>
+          </a:p>
+        </p:txBody>
+      </p:sp>
+      <p:sp>
+        <p:nvSpPr>
+          <p:cNvPr id="14" name="PlaceHolder 4"/>
           <p:cNvSpPr>
             <a:spLocks noGrp="1"/>
           </p:cNvSpPr>
@@ -3971,8 +3720,8 @@
         </p:nvSpPr>
         <p:spPr>
           <a:xfrm>
-            <a:off x="4674240" y="1981080"/>
-            <a:ext cx="4015800" cy="4114440"/>
+            <a:off x="4674240" y="1604520"/>
+            <a:ext cx="4015800" cy="3977280"/>
           </a:xfrm>
           <a:prstGeom prst="rect">
             <a:avLst/>
@@ -3984,10 +3733,7 @@
           </a:bodyPr>
           <a:p>
             <a:endParaRPr b="0" lang="en-US" sz="3200" spc="-1" strike="noStrike">
-              <a:solidFill>
-                <a:srgbClr val="ffffff"/>
-              </a:solidFill>
-              <a:latin typeface="Tahoma"/>
+              <a:latin typeface="Arial"/>
             </a:endParaRPr>
           </a:p>
         </p:txBody>
@@ -4016,7 +3762,7 @@
       </p:grpSpPr>
       <p:sp>
         <p:nvSpPr>
-          <p:cNvPr id="18" name="PlaceHolder 1"/>
+          <p:cNvPr id="15" name="PlaceHolder 1"/>
           <p:cNvSpPr>
             <a:spLocks noGrp="1"/>
           </p:cNvSpPr>
@@ -4026,8 +3772,8 @@
         </p:nvSpPr>
         <p:spPr>
           <a:xfrm>
-            <a:off x="457200" y="380880"/>
-            <a:ext cx="8229240" cy="1371240"/>
+            <a:off x="457200" y="273600"/>
+            <a:ext cx="8229240" cy="1144800"/>
           </a:xfrm>
           <a:prstGeom prst="rect">
             <a:avLst/>
@@ -4036,18 +3782,16 @@
         <p:txBody>
           <a:bodyPr lIns="0" rIns="0" tIns="0" bIns="0" anchor="ctr"/>
           <a:p>
+            <a:pPr algn="ctr"/>
             <a:endParaRPr b="0" lang="en-US" sz="4400" spc="-1" strike="noStrike">
-              <a:solidFill>
-                <a:srgbClr val="ffffff"/>
-              </a:solidFill>
-              <a:latin typeface="Tahoma"/>
-            </a:endParaRPr>
-          </a:p>
-        </p:txBody>
-      </p:sp>
-      <p:sp>
-        <p:nvSpPr>
-          <p:cNvPr id="19" name="PlaceHolder 2"/>
+              <a:latin typeface="Arial"/>
+            </a:endParaRPr>
+          </a:p>
+        </p:txBody>
+      </p:sp>
+      <p:sp>
+        <p:nvSpPr>
+          <p:cNvPr id="16" name="PlaceHolder 2"/>
           <p:cNvSpPr>
             <a:spLocks noGrp="1"/>
           </p:cNvSpPr>
@@ -4057,8 +3801,8 @@
         </p:nvSpPr>
         <p:spPr>
           <a:xfrm>
-            <a:off x="457200" y="1981080"/>
-            <a:ext cx="4015800" cy="4114440"/>
+            <a:off x="457200" y="1604520"/>
+            <a:ext cx="4015800" cy="3977280"/>
           </a:xfrm>
           <a:prstGeom prst="rect">
             <a:avLst/>
@@ -4070,17 +3814,14 @@
           </a:bodyPr>
           <a:p>
             <a:endParaRPr b="0" lang="en-US" sz="3200" spc="-1" strike="noStrike">
-              <a:solidFill>
-                <a:srgbClr val="ffffff"/>
-              </a:solidFill>
-              <a:latin typeface="Tahoma"/>
-            </a:endParaRPr>
-          </a:p>
-        </p:txBody>
-      </p:sp>
-      <p:sp>
-        <p:nvSpPr>
-          <p:cNvPr id="20" name="PlaceHolder 3"/>
+              <a:latin typeface="Arial"/>
+            </a:endParaRPr>
+          </a:p>
+        </p:txBody>
+      </p:sp>
+      <p:sp>
+        <p:nvSpPr>
+          <p:cNvPr id="17" name="PlaceHolder 3"/>
           <p:cNvSpPr>
             <a:spLocks noGrp="1"/>
           </p:cNvSpPr>
@@ -4090,8 +3831,8 @@
         </p:nvSpPr>
         <p:spPr>
           <a:xfrm>
-            <a:off x="4674240" y="1981080"/>
-            <a:ext cx="4015800" cy="1962360"/>
+            <a:off x="4674240" y="1604520"/>
+            <a:ext cx="4015800" cy="1896840"/>
           </a:xfrm>
           <a:prstGeom prst="rect">
             <a:avLst/>
@@ -4103,17 +3844,14 @@
           </a:bodyPr>
           <a:p>
             <a:endParaRPr b="0" lang="en-US" sz="3200" spc="-1" strike="noStrike">
-              <a:solidFill>
-                <a:srgbClr val="ffffff"/>
-              </a:solidFill>
-              <a:latin typeface="Tahoma"/>
-            </a:endParaRPr>
-          </a:p>
-        </p:txBody>
-      </p:sp>
-      <p:sp>
-        <p:nvSpPr>
-          <p:cNvPr id="21" name="PlaceHolder 4"/>
+              <a:latin typeface="Arial"/>
+            </a:endParaRPr>
+          </a:p>
+        </p:txBody>
+      </p:sp>
+      <p:sp>
+        <p:nvSpPr>
+          <p:cNvPr id="18" name="PlaceHolder 4"/>
           <p:cNvSpPr>
             <a:spLocks noGrp="1"/>
           </p:cNvSpPr>
@@ -4123,8 +3861,8 @@
         </p:nvSpPr>
         <p:spPr>
           <a:xfrm>
-            <a:off x="4674240" y="4130280"/>
-            <a:ext cx="4015800" cy="1962360"/>
+            <a:off x="4674240" y="3682080"/>
+            <a:ext cx="4015800" cy="1896840"/>
           </a:xfrm>
           <a:prstGeom prst="rect">
             <a:avLst/>
@@ -4136,10 +3874,7 @@
           </a:bodyPr>
           <a:p>
             <a:endParaRPr b="0" lang="en-US" sz="3200" spc="-1" strike="noStrike">
-              <a:solidFill>
-                <a:srgbClr val="ffffff"/>
-              </a:solidFill>
-              <a:latin typeface="Tahoma"/>
+              <a:latin typeface="Arial"/>
             </a:endParaRPr>
           </a:p>
         </p:txBody>
@@ -4168,7 +3903,7 @@
       </p:grpSpPr>
       <p:sp>
         <p:nvSpPr>
-          <p:cNvPr id="22" name="PlaceHolder 1"/>
+          <p:cNvPr id="19" name="PlaceHolder 1"/>
           <p:cNvSpPr>
             <a:spLocks noGrp="1"/>
           </p:cNvSpPr>
@@ -4178,8 +3913,8 @@
         </p:nvSpPr>
         <p:spPr>
           <a:xfrm>
-            <a:off x="457200" y="380880"/>
-            <a:ext cx="8229240" cy="1371240"/>
+            <a:off x="457200" y="273600"/>
+            <a:ext cx="8229240" cy="1144800"/>
           </a:xfrm>
           <a:prstGeom prst="rect">
             <a:avLst/>
@@ -4188,18 +3923,16 @@
         <p:txBody>
           <a:bodyPr lIns="0" rIns="0" tIns="0" bIns="0" anchor="ctr"/>
           <a:p>
+            <a:pPr algn="ctr"/>
             <a:endParaRPr b="0" lang="en-US" sz="4400" spc="-1" strike="noStrike">
-              <a:solidFill>
-                <a:srgbClr val="ffffff"/>
-              </a:solidFill>
-              <a:latin typeface="Tahoma"/>
-            </a:endParaRPr>
-          </a:p>
-        </p:txBody>
-      </p:sp>
-      <p:sp>
-        <p:nvSpPr>
-          <p:cNvPr id="23" name="PlaceHolder 2"/>
+              <a:latin typeface="Arial"/>
+            </a:endParaRPr>
+          </a:p>
+        </p:txBody>
+      </p:sp>
+      <p:sp>
+        <p:nvSpPr>
+          <p:cNvPr id="20" name="PlaceHolder 2"/>
           <p:cNvSpPr>
             <a:spLocks noGrp="1"/>
           </p:cNvSpPr>
@@ -4209,8 +3942,8 @@
         </p:nvSpPr>
         <p:spPr>
           <a:xfrm>
-            <a:off x="457200" y="1981080"/>
-            <a:ext cx="4015800" cy="1962360"/>
+            <a:off x="457200" y="1604520"/>
+            <a:ext cx="4015800" cy="1896840"/>
           </a:xfrm>
           <a:prstGeom prst="rect">
             <a:avLst/>
@@ -4222,17 +3955,14 @@
           </a:bodyPr>
           <a:p>
             <a:endParaRPr b="0" lang="en-US" sz="3200" spc="-1" strike="noStrike">
-              <a:solidFill>
-                <a:srgbClr val="ffffff"/>
-              </a:solidFill>
-              <a:latin typeface="Tahoma"/>
-            </a:endParaRPr>
-          </a:p>
-        </p:txBody>
-      </p:sp>
-      <p:sp>
-        <p:nvSpPr>
-          <p:cNvPr id="24" name="PlaceHolder 3"/>
+              <a:latin typeface="Arial"/>
+            </a:endParaRPr>
+          </a:p>
+        </p:txBody>
+      </p:sp>
+      <p:sp>
+        <p:nvSpPr>
+          <p:cNvPr id="21" name="PlaceHolder 3"/>
           <p:cNvSpPr>
             <a:spLocks noGrp="1"/>
           </p:cNvSpPr>
@@ -4242,8 +3972,8 @@
         </p:nvSpPr>
         <p:spPr>
           <a:xfrm>
-            <a:off x="4674240" y="1981080"/>
-            <a:ext cx="4015800" cy="1962360"/>
+            <a:off x="4674240" y="1604520"/>
+            <a:ext cx="4015800" cy="1896840"/>
           </a:xfrm>
           <a:prstGeom prst="rect">
             <a:avLst/>
@@ -4255,17 +3985,14 @@
           </a:bodyPr>
           <a:p>
             <a:endParaRPr b="0" lang="en-US" sz="3200" spc="-1" strike="noStrike">
-              <a:solidFill>
-                <a:srgbClr val="ffffff"/>
-              </a:solidFill>
-              <a:latin typeface="Tahoma"/>
-            </a:endParaRPr>
-          </a:p>
-        </p:txBody>
-      </p:sp>
-      <p:sp>
-        <p:nvSpPr>
-          <p:cNvPr id="25" name="PlaceHolder 4"/>
+              <a:latin typeface="Arial"/>
+            </a:endParaRPr>
+          </a:p>
+        </p:txBody>
+      </p:sp>
+      <p:sp>
+        <p:nvSpPr>
+          <p:cNvPr id="22" name="PlaceHolder 4"/>
           <p:cNvSpPr>
             <a:spLocks noGrp="1"/>
           </p:cNvSpPr>
@@ -4275,8 +4002,8 @@
         </p:nvSpPr>
         <p:spPr>
           <a:xfrm>
-            <a:off x="457200" y="4130280"/>
-            <a:ext cx="8229240" cy="1962360"/>
+            <a:off x="457200" y="3682080"/>
+            <a:ext cx="8229240" cy="1896840"/>
           </a:xfrm>
           <a:prstGeom prst="rect">
             <a:avLst/>
@@ -4288,10 +4015,7 @@
           </a:bodyPr>
           <a:p>
             <a:endParaRPr b="0" lang="en-US" sz="3200" spc="-1" strike="noStrike">
-              <a:solidFill>
-                <a:srgbClr val="ffffff"/>
-              </a:solidFill>
-              <a:latin typeface="Tahoma"/>
+              <a:latin typeface="Arial"/>
             </a:endParaRPr>
           </a:p>
         </p:txBody>
@@ -4340,35 +4064,25 @@
         </p:nvSpPr>
         <p:spPr>
           <a:xfrm>
-            <a:off x="457200" y="380880"/>
-            <a:ext cx="8229240" cy="1371240"/>
-          </a:xfrm>
-          <a:prstGeom prst="rect">
-            <a:avLst/>
-          </a:prstGeom>
-        </p:spPr>
-        <p:txBody>
-          <a:bodyPr anchor="ctr"/>
-          <a:p>
-            <a:pPr algn="ctr">
-              <a:lnSpc>
-                <a:spcPct val="100000"/>
-              </a:lnSpc>
-            </a:pPr>
+            <a:off x="457200" y="273600"/>
+            <a:ext cx="8229240" cy="1144800"/>
+          </a:xfrm>
+          <a:prstGeom prst="rect">
+            <a:avLst/>
+          </a:prstGeom>
+        </p:spPr>
+        <p:txBody>
+          <a:bodyPr lIns="0" rIns="0" tIns="0" bIns="0" anchor="ctr"/>
+          <a:p>
+            <a:pPr algn="ctr"/>
             <a:r>
               <a:rPr b="0" lang="en-US" sz="4400" spc="-1" strike="noStrike">
-                <a:solidFill>
-                  <a:srgbClr val="e5ffff"/>
-                </a:solidFill>
-                <a:latin typeface="Tahoma"/>
+                <a:latin typeface="Arial"/>
               </a:rPr>
-              <a:t>Click to edit Master title style</a:t>
+              <a:t>Click to edit the title text format</a:t>
             </a:r>
             <a:endParaRPr b="0" lang="en-US" sz="4400" spc="-1" strike="noStrike">
-              <a:solidFill>
-                <a:srgbClr val="ffffff"/>
-              </a:solidFill>
-              <a:latin typeface="Tahoma"/>
+              <a:latin typeface="Arial"/>
             </a:endParaRPr>
           </a:p>
         </p:txBody>
@@ -4385,266 +4099,169 @@
         </p:nvSpPr>
         <p:spPr>
           <a:xfrm>
-            <a:off x="457200" y="1981080"/>
-            <a:ext cx="8229240" cy="4114440"/>
-          </a:xfrm>
-          <a:prstGeom prst="rect">
-            <a:avLst/>
-          </a:prstGeom>
-        </p:spPr>
-        <p:txBody>
-          <a:bodyPr/>
-          <a:p>
-            <a:pPr marL="343080" indent="-342720">
-              <a:lnSpc>
-                <a:spcPct val="100000"/>
-              </a:lnSpc>
+            <a:off x="457200" y="1604520"/>
+            <a:ext cx="8229240" cy="3977280"/>
+          </a:xfrm>
+          <a:prstGeom prst="rect">
+            <a:avLst/>
+          </a:prstGeom>
+        </p:spPr>
+        <p:txBody>
+          <a:bodyPr lIns="0" rIns="0" tIns="0" bIns="0">
+            <a:normAutofit/>
+          </a:bodyPr>
+          <a:p>
+            <a:pPr marL="432000" indent="-324000">
               <a:spcBef>
-                <a:spcPts val="641"/>
+                <a:spcPts val="1417"/>
               </a:spcBef>
               <a:buClr>
-                <a:srgbClr val="00ccff"/>
+                <a:srgbClr val="000000"/>
               </a:buClr>
-              <a:buSzPct val="65000"/>
+              <a:buSzPct val="45000"/>
               <a:buFont typeface="Wingdings" charset="2"/>
-              <a:buChar char=""/>
+              <a:buChar char=""/>
             </a:pPr>
             <a:r>
               <a:rPr b="0" lang="en-US" sz="3200" spc="-1" strike="noStrike">
-                <a:solidFill>
-                  <a:srgbClr val="ffffff"/>
-                </a:solidFill>
-                <a:latin typeface="Tahoma"/>
+                <a:latin typeface="Arial"/>
               </a:rPr>
-              <a:t>Click to edit Master text styles</a:t>
+              <a:t>Click to edit the outline text format</a:t>
             </a:r>
             <a:endParaRPr b="0" lang="en-US" sz="3200" spc="-1" strike="noStrike">
-              <a:solidFill>
-                <a:srgbClr val="ffffff"/>
-              </a:solidFill>
-              <a:latin typeface="Tahoma"/>
-            </a:endParaRPr>
-          </a:p>
-          <a:p>
-            <a:pPr lvl="1" marL="743040" indent="-285480">
-              <a:lnSpc>
-                <a:spcPct val="100000"/>
-              </a:lnSpc>
+              <a:latin typeface="Arial"/>
+            </a:endParaRPr>
+          </a:p>
+          <a:p>
+            <a:pPr lvl="1" marL="864000" indent="-324000">
               <a:spcBef>
-                <a:spcPts val="561"/>
+                <a:spcPts val="1134"/>
               </a:spcBef>
               <a:buClr>
-                <a:srgbClr val="ffcc00"/>
+                <a:srgbClr val="000000"/>
               </a:buClr>
-              <a:buSzPct val="65000"/>
-              <a:buFont typeface="Wingdings" charset="2"/>
-              <a:buChar char=""/>
+              <a:buSzPct val="75000"/>
+              <a:buFont typeface="Symbol" charset="2"/>
+              <a:buChar char=""/>
             </a:pPr>
             <a:r>
               <a:rPr b="0" lang="en-US" sz="2800" spc="-1" strike="noStrike">
-                <a:solidFill>
-                  <a:srgbClr val="ffffff"/>
-                </a:solidFill>
-                <a:latin typeface="Tahoma"/>
+                <a:latin typeface="Arial"/>
               </a:rPr>
-              <a:t>Second level</a:t>
+              <a:t>Second Outline Level</a:t>
             </a:r>
             <a:endParaRPr b="0" lang="en-US" sz="2800" spc="-1" strike="noStrike">
-              <a:solidFill>
-                <a:srgbClr val="ffffff"/>
-              </a:solidFill>
-              <a:latin typeface="Tahoma"/>
-            </a:endParaRPr>
-          </a:p>
-          <a:p>
-            <a:pPr lvl="2" marL="1143000" indent="-228240">
-              <a:lnSpc>
-                <a:spcPct val="100000"/>
-              </a:lnSpc>
+              <a:latin typeface="Arial"/>
+            </a:endParaRPr>
+          </a:p>
+          <a:p>
+            <a:pPr lvl="2" marL="1296000" indent="-288000">
               <a:spcBef>
-                <a:spcPts val="479"/>
+                <a:spcPts val="850"/>
               </a:spcBef>
               <a:buClr>
-                <a:srgbClr val="00ccff"/>
+                <a:srgbClr val="000000"/>
               </a:buClr>
-              <a:buSzPct val="65000"/>
+              <a:buSzPct val="45000"/>
               <a:buFont typeface="Wingdings" charset="2"/>
-              <a:buChar char=""/>
+              <a:buChar char=""/>
             </a:pPr>
             <a:r>
               <a:rPr b="0" lang="en-US" sz="2400" spc="-1" strike="noStrike">
-                <a:solidFill>
-                  <a:srgbClr val="ffffff"/>
-                </a:solidFill>
-                <a:latin typeface="Tahoma"/>
+                <a:latin typeface="Arial"/>
               </a:rPr>
-              <a:t>Third level</a:t>
+              <a:t>Third Outline Level</a:t>
             </a:r>
             <a:endParaRPr b="0" lang="en-US" sz="2400" spc="-1" strike="noStrike">
-              <a:solidFill>
-                <a:srgbClr val="ffffff"/>
-              </a:solidFill>
-              <a:latin typeface="Tahoma"/>
-            </a:endParaRPr>
-          </a:p>
-          <a:p>
-            <a:pPr lvl="3" marL="1600200" indent="-228240">
-              <a:lnSpc>
-                <a:spcPct val="100000"/>
-              </a:lnSpc>
+              <a:latin typeface="Arial"/>
+            </a:endParaRPr>
+          </a:p>
+          <a:p>
+            <a:pPr lvl="3" marL="1728000" indent="-216000">
               <a:spcBef>
-                <a:spcPts val="400"/>
+                <a:spcPts val="567"/>
               </a:spcBef>
               <a:buClr>
-                <a:srgbClr val="ffcc00"/>
+                <a:srgbClr val="000000"/>
               </a:buClr>
-              <a:buSzPct val="65000"/>
-              <a:buFont typeface="Wingdings" charset="2"/>
-              <a:buChar char=""/>
+              <a:buSzPct val="75000"/>
+              <a:buFont typeface="Symbol" charset="2"/>
+              <a:buChar char=""/>
             </a:pPr>
             <a:r>
               <a:rPr b="0" lang="en-US" sz="2000" spc="-1" strike="noStrike">
-                <a:solidFill>
-                  <a:srgbClr val="ffffff"/>
-                </a:solidFill>
-                <a:latin typeface="Tahoma"/>
+                <a:latin typeface="Arial"/>
               </a:rPr>
-              <a:t>Fourth level</a:t>
+              <a:t>Fourth Outline Level</a:t>
             </a:r>
             <a:endParaRPr b="0" lang="en-US" sz="2000" spc="-1" strike="noStrike">
-              <a:solidFill>
-                <a:srgbClr val="ffffff"/>
-              </a:solidFill>
-              <a:latin typeface="Tahoma"/>
-            </a:endParaRPr>
-          </a:p>
-          <a:p>
-            <a:pPr lvl="4" marL="2057400" indent="-228240">
-              <a:lnSpc>
-                <a:spcPct val="100000"/>
-              </a:lnSpc>
+              <a:latin typeface="Arial"/>
+            </a:endParaRPr>
+          </a:p>
+          <a:p>
+            <a:pPr lvl="4" marL="2160000" indent="-216000">
               <a:spcBef>
-                <a:spcPts val="400"/>
+                <a:spcPts val="283"/>
               </a:spcBef>
               <a:buClr>
-                <a:srgbClr val="00ccff"/>
+                <a:srgbClr val="000000"/>
               </a:buClr>
-              <a:buSzPct val="65000"/>
+              <a:buSzPct val="45000"/>
               <a:buFont typeface="Wingdings" charset="2"/>
-              <a:buChar char=""/>
+              <a:buChar char=""/>
             </a:pPr>
             <a:r>
               <a:rPr b="0" lang="en-US" sz="2000" spc="-1" strike="noStrike">
-                <a:solidFill>
-                  <a:srgbClr val="ffffff"/>
-                </a:solidFill>
-                <a:latin typeface="Tahoma"/>
+                <a:latin typeface="Arial"/>
               </a:rPr>
-              <a:t>Fifth level</a:t>
+              <a:t>Fifth Outline Level</a:t>
             </a:r>
             <a:endParaRPr b="0" lang="en-US" sz="2000" spc="-1" strike="noStrike">
-              <a:solidFill>
-                <a:srgbClr val="ffffff"/>
-              </a:solidFill>
-              <a:latin typeface="Tahoma"/>
-            </a:endParaRPr>
-          </a:p>
-        </p:txBody>
-      </p:sp>
-      <p:sp>
-        <p:nvSpPr>
-          <p:cNvPr id="2" name="PlaceHolder 3"/>
-          <p:cNvSpPr>
-            <a:spLocks noGrp="1"/>
-          </p:cNvSpPr>
-          <p:nvPr>
-            <p:ph type="dt"/>
-          </p:nvPr>
-        </p:nvSpPr>
-        <p:spPr>
-          <a:xfrm>
-            <a:off x="457200" y="6245280"/>
-            <a:ext cx="2133360" cy="475920"/>
-          </a:xfrm>
-          <a:prstGeom prst="rect">
-            <a:avLst/>
-          </a:prstGeom>
-        </p:spPr>
-        <p:txBody>
-          <a:bodyPr anchor="b"/>
-          <a:p>
-            <a:endParaRPr b="0" lang="en-US" sz="2400" spc="-1" strike="noStrike">
-              <a:latin typeface="Times New Roman"/>
-            </a:endParaRPr>
-          </a:p>
-        </p:txBody>
-      </p:sp>
-      <p:sp>
-        <p:nvSpPr>
-          <p:cNvPr id="3" name="PlaceHolder 4"/>
-          <p:cNvSpPr>
-            <a:spLocks noGrp="1"/>
-          </p:cNvSpPr>
-          <p:nvPr>
-            <p:ph type="ftr"/>
-          </p:nvPr>
-        </p:nvSpPr>
-        <p:spPr>
-          <a:xfrm>
-            <a:off x="3124080" y="6245280"/>
-            <a:ext cx="2895120" cy="475920"/>
-          </a:xfrm>
-          <a:prstGeom prst="rect">
-            <a:avLst/>
-          </a:prstGeom>
-        </p:spPr>
-        <p:txBody>
-          <a:bodyPr anchor="b"/>
-          <a:p>
-            <a:endParaRPr b="0" lang="en-US" sz="2400" spc="-1" strike="noStrike">
-              <a:latin typeface="Times New Roman"/>
-            </a:endParaRPr>
-          </a:p>
-        </p:txBody>
-      </p:sp>
-      <p:sp>
-        <p:nvSpPr>
-          <p:cNvPr id="4" name="PlaceHolder 5"/>
-          <p:cNvSpPr>
-            <a:spLocks noGrp="1"/>
-          </p:cNvSpPr>
-          <p:nvPr>
-            <p:ph type="sldNum"/>
-          </p:nvPr>
-        </p:nvSpPr>
-        <p:spPr>
-          <a:xfrm>
-            <a:off x="6553080" y="6245280"/>
-            <a:ext cx="2133360" cy="475920"/>
-          </a:xfrm>
-          <a:prstGeom prst="rect">
-            <a:avLst/>
-          </a:prstGeom>
-        </p:spPr>
-        <p:txBody>
-          <a:bodyPr anchor="b"/>
-          <a:p>
-            <a:pPr algn="r">
-              <a:lnSpc>
-                <a:spcPct val="100000"/>
-              </a:lnSpc>
+              <a:latin typeface="Arial"/>
+            </a:endParaRPr>
+          </a:p>
+          <a:p>
+            <a:pPr lvl="5" marL="2592000" indent="-216000">
+              <a:spcBef>
+                <a:spcPts val="283"/>
+              </a:spcBef>
+              <a:buClr>
+                <a:srgbClr val="000000"/>
+              </a:buClr>
+              <a:buSzPct val="45000"/>
+              <a:buFont typeface="Wingdings" charset="2"/>
+              <a:buChar char=""/>
             </a:pPr>
-            <a:fld id="{5AC7B26D-821D-4C32-A407-3A83374F6005}" type="slidenum">
-              <a:rPr b="0" lang="en-US" sz="1400" spc="-1" strike="noStrike">
-                <a:solidFill>
-                  <a:srgbClr val="ffffff"/>
-                </a:solidFill>
+            <a:r>
+              <a:rPr b="0" lang="en-US" sz="2000" spc="-1" strike="noStrike">
                 <a:latin typeface="Arial"/>
               </a:rPr>
-              <a:t>&lt;number&gt;</a:t>
-            </a:fld>
-            <a:endParaRPr b="0" lang="en-US" sz="1400" spc="-1" strike="noStrike">
-              <a:latin typeface="Times New Roman"/>
+              <a:t>Sixth Outline Level</a:t>
+            </a:r>
+            <a:endParaRPr b="0" lang="en-US" sz="2000" spc="-1" strike="noStrike">
+              <a:latin typeface="Arial"/>
+            </a:endParaRPr>
+          </a:p>
+          <a:p>
+            <a:pPr lvl="6" marL="3024000" indent="-216000">
+              <a:spcBef>
+                <a:spcPts val="283"/>
+              </a:spcBef>
+              <a:buClr>
+                <a:srgbClr val="000000"/>
+              </a:buClr>
+              <a:buSzPct val="45000"/>
+              <a:buFont typeface="Wingdings" charset="2"/>
+              <a:buChar char=""/>
+            </a:pPr>
+            <a:r>
+              <a:rPr b="0" lang="en-US" sz="2000" spc="-1" strike="noStrike">
+                <a:latin typeface="Arial"/>
+              </a:rPr>
+              <a:t>Seventh Outline Level</a:t>
+            </a:r>
+            <a:endParaRPr b="0" lang="en-US" sz="2000" spc="-1" strike="noStrike">
+              <a:latin typeface="Arial"/>
             </a:endParaRPr>
           </a:p>
         </p:txBody>
@@ -4698,7 +4315,7 @@
       </p:grpSpPr>
       <p:sp>
         <p:nvSpPr>
-          <p:cNvPr id="41" name="PlaceHolder 1"/>
+          <p:cNvPr id="38" name="PlaceHolder 1"/>
           <p:cNvSpPr>
             <a:spLocks noGrp="1"/>
           </p:cNvSpPr>
@@ -4708,140 +4325,31 @@
         </p:nvSpPr>
         <p:spPr>
           <a:xfrm>
-            <a:off x="685800" y="1676520"/>
-            <a:ext cx="7772040" cy="1828440"/>
-          </a:xfrm>
-          <a:prstGeom prst="rect">
-            <a:avLst/>
-          </a:prstGeom>
-        </p:spPr>
-        <p:txBody>
-          <a:bodyPr anchor="ctr"/>
-          <a:p>
-            <a:pPr algn="ctr">
-              <a:lnSpc>
-                <a:spcPct val="100000"/>
-              </a:lnSpc>
-            </a:pPr>
+            <a:off x="457200" y="380880"/>
+            <a:ext cx="8228880" cy="1370880"/>
+          </a:xfrm>
+          <a:prstGeom prst="rect">
+            <a:avLst/>
+          </a:prstGeom>
+        </p:spPr>
+        <p:txBody>
+          <a:bodyPr lIns="0" rIns="0" tIns="0" bIns="0" anchor="ctr"/>
+          <a:p>
             <a:r>
-              <a:rPr b="0" lang="en-US" sz="4400" spc="-1" strike="noStrike">
-                <a:solidFill>
-                  <a:srgbClr val="e5ffff"/>
-                </a:solidFill>
-                <a:latin typeface="Tahoma"/>
-              </a:rPr>
-              <a:t>Click to edit Master title style</a:t>
-            </a:r>
-            <a:endParaRPr b="0" lang="en-US" sz="4400" spc="-1" strike="noStrike">
-              <a:solidFill>
-                <a:srgbClr val="ffffff"/>
-              </a:solidFill>
-              <a:latin typeface="Tahoma"/>
-            </a:endParaRPr>
-          </a:p>
-        </p:txBody>
-      </p:sp>
-      <p:sp>
-        <p:nvSpPr>
-          <p:cNvPr id="42" name="PlaceHolder 2"/>
-          <p:cNvSpPr>
-            <a:spLocks noGrp="1"/>
-          </p:cNvSpPr>
-          <p:nvPr>
-            <p:ph type="dt"/>
-          </p:nvPr>
-        </p:nvSpPr>
-        <p:spPr>
-          <a:xfrm>
-            <a:off x="457200" y="6245280"/>
-            <a:ext cx="2133360" cy="475920"/>
-          </a:xfrm>
-          <a:prstGeom prst="rect">
-            <a:avLst/>
-          </a:prstGeom>
-        </p:spPr>
-        <p:txBody>
-          <a:bodyPr anchor="b"/>
-          <a:p>
-            <a:endParaRPr b="0" lang="en-US" sz="2400" spc="-1" strike="noStrike">
-              <a:latin typeface="Times New Roman"/>
-            </a:endParaRPr>
-          </a:p>
-        </p:txBody>
-      </p:sp>
-      <p:sp>
-        <p:nvSpPr>
-          <p:cNvPr id="43" name="PlaceHolder 3"/>
-          <p:cNvSpPr>
-            <a:spLocks noGrp="1"/>
-          </p:cNvSpPr>
-          <p:nvPr>
-            <p:ph type="ftr"/>
-          </p:nvPr>
-        </p:nvSpPr>
-        <p:spPr>
-          <a:xfrm>
-            <a:off x="3124080" y="6245280"/>
-            <a:ext cx="2895120" cy="475920"/>
-          </a:xfrm>
-          <a:prstGeom prst="rect">
-            <a:avLst/>
-          </a:prstGeom>
-        </p:spPr>
-        <p:txBody>
-          <a:bodyPr anchor="b"/>
-          <a:p>
-            <a:endParaRPr b="0" lang="en-US" sz="2400" spc="-1" strike="noStrike">
-              <a:latin typeface="Times New Roman"/>
-            </a:endParaRPr>
-          </a:p>
-        </p:txBody>
-      </p:sp>
-      <p:sp>
-        <p:nvSpPr>
-          <p:cNvPr id="44" name="PlaceHolder 4"/>
-          <p:cNvSpPr>
-            <a:spLocks noGrp="1"/>
-          </p:cNvSpPr>
-          <p:nvPr>
-            <p:ph type="sldNum"/>
-          </p:nvPr>
-        </p:nvSpPr>
-        <p:spPr>
-          <a:xfrm>
-            <a:off x="6553080" y="6245280"/>
-            <a:ext cx="2133360" cy="475920"/>
-          </a:xfrm>
-          <a:prstGeom prst="rect">
-            <a:avLst/>
-          </a:prstGeom>
-        </p:spPr>
-        <p:txBody>
-          <a:bodyPr anchor="b"/>
-          <a:p>
-            <a:pPr algn="r">
-              <a:lnSpc>
-                <a:spcPct val="100000"/>
-              </a:lnSpc>
-            </a:pPr>
-            <a:fld id="{6B6E11DA-D01D-4A6C-A50A-AF081EA37625}" type="slidenum">
-              <a:rPr b="0" lang="en-US" sz="1400" spc="-1" strike="noStrike">
-                <a:solidFill>
-                  <a:srgbClr val="ffffff"/>
-                </a:solidFill>
+              <a:rPr b="0" lang="en-US" sz="1800" spc="-1" strike="noStrike">
                 <a:latin typeface="Arial"/>
               </a:rPr>
-              <a:t>1</a:t>
-            </a:fld>
-            <a:endParaRPr b="0" lang="en-US" sz="1400" spc="-1" strike="noStrike">
-              <a:latin typeface="Times New Roman"/>
-            </a:endParaRPr>
-          </a:p>
-        </p:txBody>
-      </p:sp>
-      <p:sp>
-        <p:nvSpPr>
-          <p:cNvPr id="45" name="PlaceHolder 5"/>
+              <a:t>Click to edit the title text format</a:t>
+            </a:r>
+            <a:endParaRPr b="0" lang="en-US" sz="1800" spc="-1" strike="noStrike">
+              <a:latin typeface="Arial"/>
+            </a:endParaRPr>
+          </a:p>
+        </p:txBody>
+      </p:sp>
+      <p:sp>
+        <p:nvSpPr>
+          <p:cNvPr id="39" name="PlaceHolder 2"/>
           <p:cNvSpPr>
             <a:spLocks noGrp="1"/>
           </p:cNvSpPr>
@@ -4876,18 +4384,12 @@
             </a:pPr>
             <a:r>
               <a:rPr b="0" lang="en-US" sz="3200" spc="-1" strike="noStrike">
-                <a:solidFill>
-                  <a:srgbClr val="ffffff"/>
-                </a:solidFill>
-                <a:latin typeface="Tahoma"/>
+                <a:latin typeface="Arial"/>
               </a:rPr>
               <a:t>Click to edit the outline text format</a:t>
             </a:r>
             <a:endParaRPr b="0" lang="en-US" sz="3200" spc="-1" strike="noStrike">
-              <a:solidFill>
-                <a:srgbClr val="ffffff"/>
-              </a:solidFill>
-              <a:latin typeface="Tahoma"/>
+              <a:latin typeface="Arial"/>
             </a:endParaRPr>
           </a:p>
           <a:p>
@@ -4903,19 +4405,13 @@
               <a:buChar char=""/>
             </a:pPr>
             <a:r>
-              <a:rPr b="0" lang="en-US" sz="2400" spc="-1" strike="noStrike">
-                <a:solidFill>
-                  <a:srgbClr val="ffffff"/>
-                </a:solidFill>
-                <a:latin typeface="Tahoma"/>
+              <a:rPr b="0" lang="en-US" sz="2800" spc="-1" strike="noStrike">
+                <a:latin typeface="Arial"/>
               </a:rPr>
               <a:t>Second Outline Level</a:t>
             </a:r>
-            <a:endParaRPr b="0" lang="en-US" sz="2400" spc="-1" strike="noStrike">
-              <a:solidFill>
-                <a:srgbClr val="ffffff"/>
-              </a:solidFill>
-              <a:latin typeface="Tahoma"/>
+            <a:endParaRPr b="0" lang="en-US" sz="2800" spc="-1" strike="noStrike">
+              <a:latin typeface="Arial"/>
             </a:endParaRPr>
           </a:p>
           <a:p>
@@ -4931,19 +4427,13 @@
               <a:buChar char=""/>
             </a:pPr>
             <a:r>
-              <a:rPr b="0" lang="en-US" sz="2000" spc="-1" strike="noStrike">
-                <a:solidFill>
-                  <a:srgbClr val="ffffff"/>
-                </a:solidFill>
-                <a:latin typeface="Tahoma"/>
+              <a:rPr b="0" lang="en-US" sz="2400" spc="-1" strike="noStrike">
+                <a:latin typeface="Arial"/>
               </a:rPr>
               <a:t>Third Outline Level</a:t>
             </a:r>
-            <a:endParaRPr b="0" lang="en-US" sz="2000" spc="-1" strike="noStrike">
-              <a:solidFill>
-                <a:srgbClr val="ffffff"/>
-              </a:solidFill>
-              <a:latin typeface="Tahoma"/>
+            <a:endParaRPr b="0" lang="en-US" sz="2400" spc="-1" strike="noStrike">
+              <a:latin typeface="Arial"/>
             </a:endParaRPr>
           </a:p>
           <a:p>
@@ -4960,18 +4450,12 @@
             </a:pPr>
             <a:r>
               <a:rPr b="0" lang="en-US" sz="2000" spc="-1" strike="noStrike">
-                <a:solidFill>
-                  <a:srgbClr val="ffffff"/>
-                </a:solidFill>
-                <a:latin typeface="Tahoma"/>
+                <a:latin typeface="Arial"/>
               </a:rPr>
               <a:t>Fourth Outline Level</a:t>
             </a:r>
             <a:endParaRPr b="0" lang="en-US" sz="2000" spc="-1" strike="noStrike">
-              <a:solidFill>
-                <a:srgbClr val="ffffff"/>
-              </a:solidFill>
-              <a:latin typeface="Tahoma"/>
+              <a:latin typeface="Arial"/>
             </a:endParaRPr>
           </a:p>
           <a:p>
@@ -4988,18 +4472,12 @@
             </a:pPr>
             <a:r>
               <a:rPr b="0" lang="en-US" sz="2000" spc="-1" strike="noStrike">
-                <a:solidFill>
-                  <a:srgbClr val="ffffff"/>
-                </a:solidFill>
-                <a:latin typeface="Tahoma"/>
+                <a:latin typeface="Arial"/>
               </a:rPr>
               <a:t>Fifth Outline Level</a:t>
             </a:r>
             <a:endParaRPr b="0" lang="en-US" sz="2000" spc="-1" strike="noStrike">
-              <a:solidFill>
-                <a:srgbClr val="ffffff"/>
-              </a:solidFill>
-              <a:latin typeface="Tahoma"/>
+              <a:latin typeface="Arial"/>
             </a:endParaRPr>
           </a:p>
           <a:p>
@@ -5016,18 +4494,12 @@
             </a:pPr>
             <a:r>
               <a:rPr b="0" lang="en-US" sz="2000" spc="-1" strike="noStrike">
-                <a:solidFill>
-                  <a:srgbClr val="ffffff"/>
-                </a:solidFill>
-                <a:latin typeface="Tahoma"/>
+                <a:latin typeface="Arial"/>
               </a:rPr>
               <a:t>Sixth Outline Level</a:t>
             </a:r>
             <a:endParaRPr b="0" lang="en-US" sz="2000" spc="-1" strike="noStrike">
-              <a:solidFill>
-                <a:srgbClr val="ffffff"/>
-              </a:solidFill>
-              <a:latin typeface="Tahoma"/>
+              <a:latin typeface="Arial"/>
             </a:endParaRPr>
           </a:p>
           <a:p>
@@ -5044,18 +4516,12 @@
             </a:pPr>
             <a:r>
               <a:rPr b="0" lang="en-US" sz="2000" spc="-1" strike="noStrike">
-                <a:solidFill>
-                  <a:srgbClr val="ffffff"/>
-                </a:solidFill>
-                <a:latin typeface="Tahoma"/>
+                <a:latin typeface="Arial"/>
               </a:rPr>
               <a:t>Seventh Outline Level</a:t>
             </a:r>
             <a:endParaRPr b="0" lang="en-US" sz="2000" spc="-1" strike="noStrike">
-              <a:solidFill>
-                <a:srgbClr val="ffffff"/>
-              </a:solidFill>
-              <a:latin typeface="Tahoma"/>
+              <a:latin typeface="Arial"/>
             </a:endParaRPr>
           </a:p>
         </p:txBody>
@@ -5109,7 +4575,7 @@
       </p:grpSpPr>
       <p:sp>
         <p:nvSpPr>
-          <p:cNvPr id="82" name="PlaceHolder 1"/>
+          <p:cNvPr id="76" name="PlaceHolder 1"/>
           <p:cNvSpPr>
             <a:spLocks noGrp="1"/>
           </p:cNvSpPr>
@@ -5120,139 +4586,30 @@
         <p:spPr>
           <a:xfrm>
             <a:off x="457200" y="380880"/>
-            <a:ext cx="8229240" cy="1371240"/>
-          </a:xfrm>
-          <a:prstGeom prst="rect">
-            <a:avLst/>
-          </a:prstGeom>
-        </p:spPr>
-        <p:txBody>
-          <a:bodyPr anchor="ctr"/>
-          <a:p>
-            <a:pPr algn="ctr">
-              <a:lnSpc>
-                <a:spcPct val="100000"/>
-              </a:lnSpc>
-            </a:pPr>
+            <a:ext cx="8228880" cy="1370880"/>
+          </a:xfrm>
+          <a:prstGeom prst="rect">
+            <a:avLst/>
+          </a:prstGeom>
+        </p:spPr>
+        <p:txBody>
+          <a:bodyPr lIns="0" rIns="0" tIns="0" bIns="0" anchor="ctr"/>
+          <a:p>
             <a:r>
-              <a:rPr b="0" lang="en-US" sz="4400" spc="-1" strike="noStrike">
-                <a:solidFill>
-                  <a:srgbClr val="e5ffff"/>
-                </a:solidFill>
-                <a:latin typeface="Tahoma"/>
-              </a:rPr>
-              <a:t>Click to edit Master title style</a:t>
-            </a:r>
-            <a:endParaRPr b="0" lang="en-US" sz="4400" spc="-1" strike="noStrike">
-              <a:solidFill>
-                <a:srgbClr val="ffffff"/>
-              </a:solidFill>
-              <a:latin typeface="Tahoma"/>
-            </a:endParaRPr>
-          </a:p>
-        </p:txBody>
-      </p:sp>
-      <p:sp>
-        <p:nvSpPr>
-          <p:cNvPr id="83" name="PlaceHolder 2"/>
-          <p:cNvSpPr>
-            <a:spLocks noGrp="1"/>
-          </p:cNvSpPr>
-          <p:nvPr>
-            <p:ph type="dt"/>
-          </p:nvPr>
-        </p:nvSpPr>
-        <p:spPr>
-          <a:xfrm>
-            <a:off x="457200" y="6245280"/>
-            <a:ext cx="2133360" cy="475920"/>
-          </a:xfrm>
-          <a:prstGeom prst="rect">
-            <a:avLst/>
-          </a:prstGeom>
-        </p:spPr>
-        <p:txBody>
-          <a:bodyPr anchor="b"/>
-          <a:p>
-            <a:endParaRPr b="0" lang="en-US" sz="2400" spc="-1" strike="noStrike">
-              <a:latin typeface="Times New Roman"/>
-            </a:endParaRPr>
-          </a:p>
-        </p:txBody>
-      </p:sp>
-      <p:sp>
-        <p:nvSpPr>
-          <p:cNvPr id="84" name="PlaceHolder 3"/>
-          <p:cNvSpPr>
-            <a:spLocks noGrp="1"/>
-          </p:cNvSpPr>
-          <p:nvPr>
-            <p:ph type="ftr"/>
-          </p:nvPr>
-        </p:nvSpPr>
-        <p:spPr>
-          <a:xfrm>
-            <a:off x="3124080" y="6245280"/>
-            <a:ext cx="2895120" cy="475920"/>
-          </a:xfrm>
-          <a:prstGeom prst="rect">
-            <a:avLst/>
-          </a:prstGeom>
-        </p:spPr>
-        <p:txBody>
-          <a:bodyPr anchor="b"/>
-          <a:p>
-            <a:endParaRPr b="0" lang="en-US" sz="2400" spc="-1" strike="noStrike">
-              <a:latin typeface="Times New Roman"/>
-            </a:endParaRPr>
-          </a:p>
-        </p:txBody>
-      </p:sp>
-      <p:sp>
-        <p:nvSpPr>
-          <p:cNvPr id="85" name="PlaceHolder 4"/>
-          <p:cNvSpPr>
-            <a:spLocks noGrp="1"/>
-          </p:cNvSpPr>
-          <p:nvPr>
-            <p:ph type="sldNum"/>
-          </p:nvPr>
-        </p:nvSpPr>
-        <p:spPr>
-          <a:xfrm>
-            <a:off x="6553080" y="6245280"/>
-            <a:ext cx="2133360" cy="475920"/>
-          </a:xfrm>
-          <a:prstGeom prst="rect">
-            <a:avLst/>
-          </a:prstGeom>
-        </p:spPr>
-        <p:txBody>
-          <a:bodyPr anchor="b"/>
-          <a:p>
-            <a:pPr algn="r">
-              <a:lnSpc>
-                <a:spcPct val="100000"/>
-              </a:lnSpc>
-            </a:pPr>
-            <a:fld id="{EC32E88B-E91A-4065-891B-4FF96D32A786}" type="slidenum">
-              <a:rPr b="0" lang="en-US" sz="1400" spc="-1" strike="noStrike">
-                <a:solidFill>
-                  <a:srgbClr val="ffffff"/>
-                </a:solidFill>
+              <a:rPr b="0" lang="en-US" sz="1800" spc="-1" strike="noStrike">
                 <a:latin typeface="Arial"/>
               </a:rPr>
-              <a:t>1</a:t>
-            </a:fld>
-            <a:endParaRPr b="0" lang="en-US" sz="1400" spc="-1" strike="noStrike">
-              <a:latin typeface="Times New Roman"/>
-            </a:endParaRPr>
-          </a:p>
-        </p:txBody>
-      </p:sp>
-      <p:sp>
-        <p:nvSpPr>
-          <p:cNvPr id="86" name="PlaceHolder 5"/>
+              <a:t>Click to edit the title text format</a:t>
+            </a:r>
+            <a:endParaRPr b="0" lang="en-US" sz="1800" spc="-1" strike="noStrike">
+              <a:latin typeface="Arial"/>
+            </a:endParaRPr>
+          </a:p>
+        </p:txBody>
+      </p:sp>
+      <p:sp>
+        <p:nvSpPr>
+          <p:cNvPr id="77" name="PlaceHolder 2"/>
           <p:cNvSpPr>
             <a:spLocks noGrp="1"/>
           </p:cNvSpPr>
@@ -5287,18 +4644,12 @@
             </a:pPr>
             <a:r>
               <a:rPr b="0" lang="en-US" sz="3200" spc="-1" strike="noStrike">
-                <a:solidFill>
-                  <a:srgbClr val="ffffff"/>
-                </a:solidFill>
-                <a:latin typeface="Tahoma"/>
+                <a:latin typeface="Arial"/>
               </a:rPr>
               <a:t>Click to edit the outline text format</a:t>
             </a:r>
             <a:endParaRPr b="0" lang="en-US" sz="3200" spc="-1" strike="noStrike">
-              <a:solidFill>
-                <a:srgbClr val="ffffff"/>
-              </a:solidFill>
-              <a:latin typeface="Tahoma"/>
+              <a:latin typeface="Arial"/>
             </a:endParaRPr>
           </a:p>
           <a:p>
@@ -5314,19 +4665,13 @@
               <a:buChar char=""/>
             </a:pPr>
             <a:r>
-              <a:rPr b="0" lang="en-US" sz="2400" spc="-1" strike="noStrike">
-                <a:solidFill>
-                  <a:srgbClr val="ffffff"/>
-                </a:solidFill>
-                <a:latin typeface="Tahoma"/>
+              <a:rPr b="0" lang="en-US" sz="2800" spc="-1" strike="noStrike">
+                <a:latin typeface="Arial"/>
               </a:rPr>
               <a:t>Second Outline Level</a:t>
             </a:r>
-            <a:endParaRPr b="0" lang="en-US" sz="2400" spc="-1" strike="noStrike">
-              <a:solidFill>
-                <a:srgbClr val="ffffff"/>
-              </a:solidFill>
-              <a:latin typeface="Tahoma"/>
+            <a:endParaRPr b="0" lang="en-US" sz="2800" spc="-1" strike="noStrike">
+              <a:latin typeface="Arial"/>
             </a:endParaRPr>
           </a:p>
           <a:p>
@@ -5342,19 +4687,13 @@
               <a:buChar char=""/>
             </a:pPr>
             <a:r>
-              <a:rPr b="0" lang="en-US" sz="2000" spc="-1" strike="noStrike">
-                <a:solidFill>
-                  <a:srgbClr val="ffffff"/>
-                </a:solidFill>
-                <a:latin typeface="Tahoma"/>
+              <a:rPr b="0" lang="en-US" sz="2400" spc="-1" strike="noStrike">
+                <a:latin typeface="Arial"/>
               </a:rPr>
               <a:t>Third Outline Level</a:t>
             </a:r>
-            <a:endParaRPr b="0" lang="en-US" sz="2000" spc="-1" strike="noStrike">
-              <a:solidFill>
-                <a:srgbClr val="ffffff"/>
-              </a:solidFill>
-              <a:latin typeface="Tahoma"/>
+            <a:endParaRPr b="0" lang="en-US" sz="2400" spc="-1" strike="noStrike">
+              <a:latin typeface="Arial"/>
             </a:endParaRPr>
           </a:p>
           <a:p>
@@ -5371,18 +4710,12 @@
             </a:pPr>
             <a:r>
               <a:rPr b="0" lang="en-US" sz="2000" spc="-1" strike="noStrike">
-                <a:solidFill>
-                  <a:srgbClr val="ffffff"/>
-                </a:solidFill>
-                <a:latin typeface="Tahoma"/>
+                <a:latin typeface="Arial"/>
               </a:rPr>
               <a:t>Fourth Outline Level</a:t>
             </a:r>
             <a:endParaRPr b="0" lang="en-US" sz="2000" spc="-1" strike="noStrike">
-              <a:solidFill>
-                <a:srgbClr val="ffffff"/>
-              </a:solidFill>
-              <a:latin typeface="Tahoma"/>
+              <a:latin typeface="Arial"/>
             </a:endParaRPr>
           </a:p>
           <a:p>
@@ -5399,18 +4732,12 @@
             </a:pPr>
             <a:r>
               <a:rPr b="0" lang="en-US" sz="2000" spc="-1" strike="noStrike">
-                <a:solidFill>
-                  <a:srgbClr val="ffffff"/>
-                </a:solidFill>
-                <a:latin typeface="Tahoma"/>
+                <a:latin typeface="Arial"/>
               </a:rPr>
               <a:t>Fifth Outline Level</a:t>
             </a:r>
             <a:endParaRPr b="0" lang="en-US" sz="2000" spc="-1" strike="noStrike">
-              <a:solidFill>
-                <a:srgbClr val="ffffff"/>
-              </a:solidFill>
-              <a:latin typeface="Tahoma"/>
+              <a:latin typeface="Arial"/>
             </a:endParaRPr>
           </a:p>
           <a:p>
@@ -5427,18 +4754,12 @@
             </a:pPr>
             <a:r>
               <a:rPr b="0" lang="en-US" sz="2000" spc="-1" strike="noStrike">
-                <a:solidFill>
-                  <a:srgbClr val="ffffff"/>
-                </a:solidFill>
-                <a:latin typeface="Tahoma"/>
+                <a:latin typeface="Arial"/>
               </a:rPr>
               <a:t>Sixth Outline Level</a:t>
             </a:r>
             <a:endParaRPr b="0" lang="en-US" sz="2000" spc="-1" strike="noStrike">
-              <a:solidFill>
-                <a:srgbClr val="ffffff"/>
-              </a:solidFill>
-              <a:latin typeface="Tahoma"/>
+              <a:latin typeface="Arial"/>
             </a:endParaRPr>
           </a:p>
           <a:p>
@@ -5455,18 +4776,12 @@
             </a:pPr>
             <a:r>
               <a:rPr b="0" lang="en-US" sz="2000" spc="-1" strike="noStrike">
-                <a:solidFill>
-                  <a:srgbClr val="ffffff"/>
-                </a:solidFill>
-                <a:latin typeface="Tahoma"/>
+                <a:latin typeface="Arial"/>
               </a:rPr>
               <a:t>Seventh Outline Level</a:t>
             </a:r>
             <a:endParaRPr b="0" lang="en-US" sz="2000" spc="-1" strike="noStrike">
-              <a:solidFill>
-                <a:srgbClr val="ffffff"/>
-              </a:solidFill>
-              <a:latin typeface="Tahoma"/>
+              <a:latin typeface="Arial"/>
             </a:endParaRPr>
           </a:p>
         </p:txBody>
@@ -5510,7 +4825,7 @@
       </p:grpSpPr>
       <p:pic>
         <p:nvPicPr>
-          <p:cNvPr id="123" name="Picture 5" descr=""/>
+          <p:cNvPr id="114" name="Picture 5" descr=""/>
           <p:cNvPicPr/>
           <p:nvPr/>
         </p:nvPicPr>
@@ -5521,7 +4836,7 @@
         <p:spPr>
           <a:xfrm>
             <a:off x="360" y="0"/>
-            <a:ext cx="9143640" cy="6857640"/>
+            <a:ext cx="9143280" cy="6857280"/>
           </a:xfrm>
           <a:prstGeom prst="rect">
             <a:avLst/>
@@ -5582,14 +4897,14 @@
       </p:grpSpPr>
       <p:sp>
         <p:nvSpPr>
-          <p:cNvPr id="143" name="TextShape 1"/>
-          <p:cNvSpPr txBox="1"/>
+          <p:cNvPr id="135" name="CustomShape 1"/>
+          <p:cNvSpPr/>
           <p:nvPr/>
         </p:nvSpPr>
         <p:spPr>
           <a:xfrm>
             <a:off x="457200" y="380880"/>
-            <a:ext cx="8229240" cy="1371240"/>
+            <a:ext cx="8228880" cy="1370880"/>
           </a:xfrm>
           <a:prstGeom prst="rect">
             <a:avLst/>
@@ -5599,8 +4914,14 @@
             <a:noFill/>
           </a:ln>
         </p:spPr>
-        <p:txBody>
-          <a:bodyPr anchor="ctr"/>
+        <p:style>
+          <a:lnRef idx="0"/>
+          <a:fillRef idx="0"/>
+          <a:effectRef idx="0"/>
+          <a:fontRef idx="minor"/>
+        </p:style>
+        <p:txBody>
+          <a:bodyPr lIns="90000" rIns="90000" tIns="45000" bIns="45000" anchor="ctr"/>
           <a:p>
             <a:pPr algn="ctr">
               <a:lnSpc>
@@ -5617,24 +4938,21 @@
               <a:t>Project Schedule</a:t>
             </a:r>
             <a:endParaRPr b="0" lang="en-US" sz="4400" spc="-1" strike="noStrike">
-              <a:solidFill>
-                <a:srgbClr val="ffffff"/>
-              </a:solidFill>
-              <a:latin typeface="Tahoma"/>
-            </a:endParaRPr>
-          </a:p>
-        </p:txBody>
-      </p:sp>
-      <p:sp>
-        <p:nvSpPr>
-          <p:cNvPr id="144" name="TextShape 2"/>
-          <p:cNvSpPr txBox="1"/>
+              <a:latin typeface="Arial"/>
+            </a:endParaRPr>
+          </a:p>
+        </p:txBody>
+      </p:sp>
+      <p:sp>
+        <p:nvSpPr>
+          <p:cNvPr id="136" name="CustomShape 2"/>
+          <p:cNvSpPr/>
           <p:nvPr/>
         </p:nvSpPr>
         <p:spPr>
           <a:xfrm>
             <a:off x="457200" y="1981080"/>
-            <a:ext cx="8229240" cy="1447560"/>
+            <a:ext cx="8228880" cy="1447200"/>
           </a:xfrm>
           <a:prstGeom prst="rect">
             <a:avLst/>
@@ -5644,10 +4962,16 @@
             <a:noFill/>
           </a:ln>
         </p:spPr>
-        <p:txBody>
-          <a:bodyPr/>
-          <a:p>
-            <a:pPr marL="343080" indent="-342720">
+        <p:style>
+          <a:lnRef idx="0"/>
+          <a:fillRef idx="0"/>
+          <a:effectRef idx="0"/>
+          <a:fontRef idx="minor"/>
+        </p:style>
+        <p:txBody>
+          <a:bodyPr lIns="90000" rIns="90000" tIns="45000" bIns="45000"/>
+          <a:p>
+            <a:pPr marL="343080" indent="-342360">
               <a:lnSpc>
                 <a:spcPct val="100000"/>
               </a:lnSpc>
@@ -5665,14 +4989,11 @@
               <a:t>Provide the Schedule (Gantt Chart) of your </a:t>
             </a:r>
             <a:endParaRPr b="0" lang="en-US" sz="3200" spc="-1" strike="noStrike">
-              <a:solidFill>
-                <a:srgbClr val="ffffff"/>
-              </a:solidFill>
-              <a:latin typeface="Tahoma"/>
-            </a:endParaRPr>
-          </a:p>
-          <a:p>
-            <a:pPr marL="343080" indent="-342720">
+              <a:latin typeface="Arial"/>
+            </a:endParaRPr>
+          </a:p>
+          <a:p>
+            <a:pPr marL="343080" indent="-342360">
               <a:lnSpc>
                 <a:spcPct val="100000"/>
               </a:lnSpc>
@@ -5690,14 +5011,11 @@
               <a:t>project here.</a:t>
             </a:r>
             <a:endParaRPr b="0" lang="en-US" sz="3200" spc="-1" strike="noStrike">
-              <a:solidFill>
-                <a:srgbClr val="ffffff"/>
-              </a:solidFill>
-              <a:latin typeface="Tahoma"/>
-            </a:endParaRPr>
-          </a:p>
-          <a:p>
-            <a:pPr marL="343080" indent="-342720">
+              <a:latin typeface="Arial"/>
+            </a:endParaRPr>
+          </a:p>
+          <a:p>
+            <a:pPr marL="343080" indent="-342360">
               <a:lnSpc>
                 <a:spcPct val="100000"/>
               </a:lnSpc>
@@ -5706,24 +5024,21 @@
               </a:spcBef>
             </a:pPr>
             <a:endParaRPr b="0" lang="en-US" sz="3200" spc="-1" strike="noStrike">
-              <a:solidFill>
-                <a:srgbClr val="ffffff"/>
-              </a:solidFill>
-              <a:latin typeface="Tahoma"/>
-            </a:endParaRPr>
-          </a:p>
-        </p:txBody>
-      </p:sp>
-      <p:sp>
-        <p:nvSpPr>
-          <p:cNvPr id="145" name="CustomShape 3"/>
+              <a:latin typeface="Arial"/>
+            </a:endParaRPr>
+          </a:p>
+        </p:txBody>
+      </p:sp>
+      <p:sp>
+        <p:nvSpPr>
+          <p:cNvPr id="137" name="CustomShape 3"/>
           <p:cNvSpPr/>
           <p:nvPr/>
         </p:nvSpPr>
         <p:spPr>
           <a:xfrm>
             <a:off x="0" y="0"/>
-            <a:ext cx="9143640" cy="360"/>
+            <a:ext cx="9143280" cy="360"/>
           </a:xfrm>
           <a:prstGeom prst="rect">
             <a:avLst/>
@@ -5791,14 +5106,14 @@
       </p:grpSpPr>
       <p:sp>
         <p:nvSpPr>
-          <p:cNvPr id="146" name="TextShape 1"/>
-          <p:cNvSpPr txBox="1"/>
+          <p:cNvPr id="138" name="CustomShape 1"/>
+          <p:cNvSpPr/>
           <p:nvPr/>
         </p:nvSpPr>
         <p:spPr>
           <a:xfrm>
             <a:off x="685800" y="457200"/>
-            <a:ext cx="7772040" cy="990360"/>
+            <a:ext cx="7771680" cy="990000"/>
           </a:xfrm>
           <a:prstGeom prst="rect">
             <a:avLst/>
@@ -5808,8 +5123,14 @@
             <a:noFill/>
           </a:ln>
         </p:spPr>
-        <p:txBody>
-          <a:bodyPr anchor="ctr"/>
+        <p:style>
+          <a:lnRef idx="0"/>
+          <a:fillRef idx="0"/>
+          <a:effectRef idx="0"/>
+          <a:fontRef idx="minor"/>
+        </p:style>
+        <p:txBody>
+          <a:bodyPr lIns="90000" rIns="90000" tIns="45000" bIns="45000" anchor="ctr"/>
           <a:p>
             <a:pPr algn="ctr">
               <a:lnSpc>
@@ -5826,24 +5147,21 @@
               <a:t>Sequence Diagrams</a:t>
             </a:r>
             <a:endParaRPr b="0" lang="en-US" sz="4400" spc="-1" strike="noStrike">
-              <a:solidFill>
-                <a:srgbClr val="ffffff"/>
-              </a:solidFill>
-              <a:latin typeface="Tahoma"/>
-            </a:endParaRPr>
-          </a:p>
-        </p:txBody>
-      </p:sp>
-      <p:sp>
-        <p:nvSpPr>
-          <p:cNvPr id="147" name="TextShape 2"/>
-          <p:cNvSpPr txBox="1"/>
+              <a:latin typeface="Arial"/>
+            </a:endParaRPr>
+          </a:p>
+        </p:txBody>
+      </p:sp>
+      <p:sp>
+        <p:nvSpPr>
+          <p:cNvPr id="139" name="CustomShape 2"/>
+          <p:cNvSpPr/>
           <p:nvPr/>
         </p:nvSpPr>
         <p:spPr>
           <a:xfrm>
             <a:off x="914400" y="2209680"/>
-            <a:ext cx="7619760" cy="2590560"/>
+            <a:ext cx="7619400" cy="2590200"/>
           </a:xfrm>
           <a:prstGeom prst="rect">
             <a:avLst/>
@@ -5853,8 +5171,14 @@
             <a:noFill/>
           </a:ln>
         </p:spPr>
-        <p:txBody>
-          <a:bodyPr/>
+        <p:style>
+          <a:lnRef idx="0"/>
+          <a:fillRef idx="0"/>
+          <a:effectRef idx="0"/>
+          <a:fontRef idx="minor"/>
+        </p:style>
+        <p:txBody>
+          <a:bodyPr lIns="90000" rIns="90000" tIns="45000" bIns="45000"/>
           <a:p>
             <a:pPr>
               <a:lnSpc>
@@ -5903,14 +5227,14 @@
       </p:grpSpPr>
       <p:sp>
         <p:nvSpPr>
-          <p:cNvPr id="148" name="TextShape 1"/>
-          <p:cNvSpPr txBox="1"/>
+          <p:cNvPr id="140" name="CustomShape 1"/>
+          <p:cNvSpPr/>
           <p:nvPr/>
         </p:nvSpPr>
         <p:spPr>
           <a:xfrm>
             <a:off x="380880" y="152280"/>
-            <a:ext cx="8229240" cy="761760"/>
+            <a:ext cx="8228880" cy="761400"/>
           </a:xfrm>
           <a:prstGeom prst="rect">
             <a:avLst/>
@@ -5920,8 +5244,14 @@
             <a:noFill/>
           </a:ln>
         </p:spPr>
-        <p:txBody>
-          <a:bodyPr anchor="ctr"/>
+        <p:style>
+          <a:lnRef idx="0"/>
+          <a:fillRef idx="0"/>
+          <a:effectRef idx="0"/>
+          <a:fontRef idx="minor"/>
+        </p:style>
+        <p:txBody>
+          <a:bodyPr lIns="90000" rIns="90000" tIns="45000" bIns="45000" anchor="ctr"/>
           <a:p>
             <a:pPr algn="ctr">
               <a:lnSpc>
@@ -5938,24 +5268,21 @@
               <a:t>Logical Model/Class Diagram</a:t>
             </a:r>
             <a:endParaRPr b="0" lang="en-US" sz="4400" spc="-1" strike="noStrike">
-              <a:solidFill>
-                <a:srgbClr val="ffffff"/>
-              </a:solidFill>
-              <a:latin typeface="Tahoma"/>
-            </a:endParaRPr>
-          </a:p>
-        </p:txBody>
-      </p:sp>
-      <p:sp>
-        <p:nvSpPr>
-          <p:cNvPr id="149" name="CustomShape 2"/>
+              <a:latin typeface="Arial"/>
+            </a:endParaRPr>
+          </a:p>
+        </p:txBody>
+      </p:sp>
+      <p:sp>
+        <p:nvSpPr>
+          <p:cNvPr id="141" name="CustomShape 2"/>
           <p:cNvSpPr/>
           <p:nvPr/>
         </p:nvSpPr>
         <p:spPr>
           <a:xfrm>
             <a:off x="0" y="1376280"/>
-            <a:ext cx="9143640" cy="360"/>
+            <a:ext cx="9143280" cy="360"/>
           </a:xfrm>
           <a:prstGeom prst="rect">
             <a:avLst/>
@@ -5996,14 +5323,14 @@
       </p:grpSpPr>
       <p:sp>
         <p:nvSpPr>
-          <p:cNvPr id="150" name="CustomShape 1"/>
+          <p:cNvPr id="142" name="CustomShape 1"/>
           <p:cNvSpPr/>
           <p:nvPr/>
         </p:nvSpPr>
         <p:spPr>
           <a:xfrm>
             <a:off x="0" y="1776240"/>
-            <a:ext cx="9143640" cy="360"/>
+            <a:ext cx="9143280" cy="360"/>
           </a:xfrm>
           <a:prstGeom prst="rect">
             <a:avLst/>
@@ -6022,14 +5349,14 @@
       </p:sp>
       <p:sp>
         <p:nvSpPr>
-          <p:cNvPr id="151" name="CustomShape 2"/>
+          <p:cNvPr id="143" name="CustomShape 2"/>
           <p:cNvSpPr/>
           <p:nvPr/>
         </p:nvSpPr>
         <p:spPr>
           <a:xfrm>
             <a:off x="0" y="5081760"/>
-            <a:ext cx="9143640" cy="360"/>
+            <a:ext cx="9143280" cy="360"/>
           </a:xfrm>
           <a:prstGeom prst="rect">
             <a:avLst/>
@@ -6048,14 +5375,14 @@
       </p:sp>
       <p:sp>
         <p:nvSpPr>
-          <p:cNvPr id="152" name="TextShape 3"/>
-          <p:cNvSpPr txBox="1"/>
+          <p:cNvPr id="144" name="CustomShape 3"/>
+          <p:cNvSpPr/>
           <p:nvPr/>
         </p:nvSpPr>
         <p:spPr>
           <a:xfrm>
             <a:off x="533520" y="380880"/>
-            <a:ext cx="8229240" cy="761760"/>
+            <a:ext cx="8228880" cy="761400"/>
           </a:xfrm>
           <a:prstGeom prst="rect">
             <a:avLst/>
@@ -6065,8 +5392,14 @@
             <a:noFill/>
           </a:ln>
         </p:spPr>
-        <p:txBody>
-          <a:bodyPr anchor="ctr"/>
+        <p:style>
+          <a:lnRef idx="0"/>
+          <a:fillRef idx="0"/>
+          <a:effectRef idx="0"/>
+          <a:fontRef idx="minor"/>
+        </p:style>
+        <p:txBody>
+          <a:bodyPr lIns="90000" rIns="90000" tIns="45000" bIns="45000" anchor="ctr"/>
           <a:p>
             <a:pPr algn="ctr">
               <a:lnSpc>
@@ -6083,10 +5416,7 @@
               <a:t>Entity-Relationship Diagram</a:t>
             </a:r>
             <a:endParaRPr b="0" lang="en-US" sz="4400" spc="-1" strike="noStrike">
-              <a:solidFill>
-                <a:srgbClr val="ffffff"/>
-              </a:solidFill>
-              <a:latin typeface="Tahoma"/>
+              <a:latin typeface="Arial"/>
             </a:endParaRPr>
           </a:p>
         </p:txBody>
@@ -6115,14 +5445,14 @@
       </p:grpSpPr>
       <p:sp>
         <p:nvSpPr>
-          <p:cNvPr id="153" name="TextShape 1"/>
-          <p:cNvSpPr txBox="1"/>
+          <p:cNvPr id="145" name="CustomShape 1"/>
+          <p:cNvSpPr/>
           <p:nvPr/>
         </p:nvSpPr>
         <p:spPr>
           <a:xfrm>
             <a:off x="609480" y="457200"/>
-            <a:ext cx="7772040" cy="837720"/>
+            <a:ext cx="7771680" cy="837360"/>
           </a:xfrm>
           <a:prstGeom prst="rect">
             <a:avLst/>
@@ -6132,8 +5462,14 @@
             <a:noFill/>
           </a:ln>
         </p:spPr>
-        <p:txBody>
-          <a:bodyPr anchor="ctr"/>
+        <p:style>
+          <a:lnRef idx="0"/>
+          <a:fillRef idx="0"/>
+          <a:effectRef idx="0"/>
+          <a:fontRef idx="minor"/>
+        </p:style>
+        <p:txBody>
+          <a:bodyPr lIns="90000" rIns="90000" tIns="45000" bIns="45000" anchor="ctr"/>
           <a:p>
             <a:pPr algn="ctr">
               <a:lnSpc>
@@ -6150,10 +5486,7 @@
               <a:t>Database Diagram</a:t>
             </a:r>
             <a:endParaRPr b="0" lang="en-US" sz="4000" spc="-1" strike="noStrike">
-              <a:solidFill>
-                <a:srgbClr val="ffffff"/>
-              </a:solidFill>
-              <a:latin typeface="Tahoma"/>
+              <a:latin typeface="Arial"/>
             </a:endParaRPr>
           </a:p>
         </p:txBody>
@@ -6182,14 +5515,14 @@
       </p:grpSpPr>
       <p:sp>
         <p:nvSpPr>
-          <p:cNvPr id="154" name="TextShape 1"/>
-          <p:cNvSpPr txBox="1"/>
+          <p:cNvPr id="146" name="CustomShape 1"/>
+          <p:cNvSpPr/>
           <p:nvPr/>
         </p:nvSpPr>
         <p:spPr>
           <a:xfrm>
             <a:off x="609480" y="457200"/>
-            <a:ext cx="7772040" cy="837720"/>
+            <a:ext cx="7771680" cy="837360"/>
           </a:xfrm>
           <a:prstGeom prst="rect">
             <a:avLst/>
@@ -6199,8 +5532,14 @@
             <a:noFill/>
           </a:ln>
         </p:spPr>
-        <p:txBody>
-          <a:bodyPr anchor="ctr"/>
+        <p:style>
+          <a:lnRef idx="0"/>
+          <a:fillRef idx="0"/>
+          <a:effectRef idx="0"/>
+          <a:fontRef idx="minor"/>
+        </p:style>
+        <p:txBody>
+          <a:bodyPr lIns="90000" rIns="90000" tIns="45000" bIns="45000" anchor="ctr"/>
           <a:p>
             <a:pPr algn="ctr">
               <a:lnSpc>
@@ -6217,24 +5556,21 @@
               <a:t>User Interfaces</a:t>
             </a:r>
             <a:endParaRPr b="0" lang="en-US" sz="4000" spc="-1" strike="noStrike">
-              <a:solidFill>
-                <a:srgbClr val="ffffff"/>
-              </a:solidFill>
-              <a:latin typeface="Tahoma"/>
-            </a:endParaRPr>
-          </a:p>
-        </p:txBody>
-      </p:sp>
-      <p:sp>
-        <p:nvSpPr>
-          <p:cNvPr id="155" name="TextShape 2"/>
-          <p:cNvSpPr txBox="1"/>
+              <a:latin typeface="Arial"/>
+            </a:endParaRPr>
+          </a:p>
+        </p:txBody>
+      </p:sp>
+      <p:sp>
+        <p:nvSpPr>
+          <p:cNvPr id="147" name="CustomShape 2"/>
+          <p:cNvSpPr/>
           <p:nvPr/>
         </p:nvSpPr>
         <p:spPr>
           <a:xfrm>
             <a:off x="1371600" y="2895480"/>
-            <a:ext cx="6400440" cy="1752120"/>
+            <a:ext cx="6400080" cy="1751760"/>
           </a:xfrm>
           <a:prstGeom prst="rect">
             <a:avLst/>
@@ -6244,8 +5580,14 @@
             <a:noFill/>
           </a:ln>
         </p:spPr>
-        <p:txBody>
-          <a:bodyPr/>
+        <p:style>
+          <a:lnRef idx="0"/>
+          <a:fillRef idx="0"/>
+          <a:effectRef idx="0"/>
+          <a:fontRef idx="minor"/>
+        </p:style>
+        <p:txBody>
+          <a:bodyPr lIns="90000" rIns="90000" tIns="45000" bIns="45000"/>
           <a:p>
             <a:pPr algn="ctr">
               <a:lnSpc>
@@ -6294,14 +5636,14 @@
       </p:grpSpPr>
       <p:sp>
         <p:nvSpPr>
-          <p:cNvPr id="156" name="TextShape 1"/>
-          <p:cNvSpPr txBox="1"/>
+          <p:cNvPr id="148" name="CustomShape 1"/>
+          <p:cNvSpPr/>
           <p:nvPr/>
         </p:nvSpPr>
         <p:spPr>
           <a:xfrm>
             <a:off x="457200" y="380880"/>
-            <a:ext cx="8229240" cy="1371240"/>
+            <a:ext cx="8228880" cy="1370880"/>
           </a:xfrm>
           <a:prstGeom prst="rect">
             <a:avLst/>
@@ -6311,8 +5653,14 @@
             <a:noFill/>
           </a:ln>
         </p:spPr>
-        <p:txBody>
-          <a:bodyPr anchor="ctr"/>
+        <p:style>
+          <a:lnRef idx="0"/>
+          <a:fillRef idx="0"/>
+          <a:effectRef idx="0"/>
+          <a:fontRef idx="minor"/>
+        </p:style>
+        <p:txBody>
+          <a:bodyPr lIns="90000" rIns="90000" tIns="45000" bIns="45000" anchor="ctr"/>
           <a:p>
             <a:pPr algn="ctr">
               <a:lnSpc>
@@ -6329,24 +5677,21 @@
               <a:t>Tools</a:t>
             </a:r>
             <a:endParaRPr b="0" lang="en-US" sz="4400" spc="-1" strike="noStrike">
-              <a:solidFill>
-                <a:srgbClr val="ffffff"/>
-              </a:solidFill>
-              <a:latin typeface="Tahoma"/>
-            </a:endParaRPr>
-          </a:p>
-        </p:txBody>
-      </p:sp>
-      <p:sp>
-        <p:nvSpPr>
-          <p:cNvPr id="157" name="TextShape 2"/>
-          <p:cNvSpPr txBox="1"/>
+              <a:latin typeface="Arial"/>
+            </a:endParaRPr>
+          </a:p>
+        </p:txBody>
+      </p:sp>
+      <p:sp>
+        <p:nvSpPr>
+          <p:cNvPr id="149" name="CustomShape 2"/>
+          <p:cNvSpPr/>
           <p:nvPr/>
         </p:nvSpPr>
         <p:spPr>
           <a:xfrm>
             <a:off x="457200" y="1981080"/>
-            <a:ext cx="8229240" cy="2285640"/>
+            <a:ext cx="8228880" cy="2285280"/>
           </a:xfrm>
           <a:prstGeom prst="rect">
             <a:avLst/>
@@ -6356,8 +5701,14 @@
             <a:noFill/>
           </a:ln>
         </p:spPr>
-        <p:txBody>
-          <a:bodyPr/>
+        <p:style>
+          <a:lnRef idx="0"/>
+          <a:fillRef idx="0"/>
+          <a:effectRef idx="0"/>
+          <a:fontRef idx="minor"/>
+        </p:style>
+        <p:txBody>
+          <a:bodyPr lIns="90000" rIns="90000" tIns="45000" bIns="45000"/>
           <a:p>
             <a:pPr>
               <a:lnSpc>
@@ -6367,15 +5718,12 @@
                 <a:spcPts val="641"/>
               </a:spcBef>
             </a:pPr>
-            <a:endParaRPr b="0" lang="en-US" sz="3200" spc="-1" strike="noStrike">
-              <a:solidFill>
-                <a:srgbClr val="ffffff"/>
-              </a:solidFill>
-              <a:latin typeface="Tahoma"/>
-            </a:endParaRPr>
-          </a:p>
-          <a:p>
-            <a:pPr marL="343080" indent="-342720">
+            <a:endParaRPr b="0" lang="en-US" sz="1800" spc="-1" strike="noStrike">
+              <a:latin typeface="Arial"/>
+            </a:endParaRPr>
+          </a:p>
+          <a:p>
+            <a:pPr marL="343080" indent="-342360">
               <a:lnSpc>
                 <a:spcPct val="100000"/>
               </a:lnSpc>
@@ -6393,14 +5741,11 @@
               <a:t>Write the various tools you have used </a:t>
             </a:r>
             <a:endParaRPr b="0" lang="en-US" sz="3200" spc="-1" strike="noStrike">
-              <a:solidFill>
-                <a:srgbClr val="ffffff"/>
-              </a:solidFill>
-              <a:latin typeface="Tahoma"/>
-            </a:endParaRPr>
-          </a:p>
-          <a:p>
-            <a:pPr marL="343080" indent="-342720">
+              <a:latin typeface="Arial"/>
+            </a:endParaRPr>
+          </a:p>
+          <a:p>
+            <a:pPr marL="343080" indent="-342360">
               <a:lnSpc>
                 <a:spcPct val="100000"/>
               </a:lnSpc>
@@ -6418,10 +5763,7 @@
               <a:t>during the development of this application </a:t>
             </a:r>
             <a:endParaRPr b="0" lang="en-US" sz="3200" spc="-1" strike="noStrike">
-              <a:solidFill>
-                <a:srgbClr val="ffffff"/>
-              </a:solidFill>
-              <a:latin typeface="Tahoma"/>
+              <a:latin typeface="Arial"/>
             </a:endParaRPr>
           </a:p>
         </p:txBody>
@@ -6450,14 +5792,14 @@
       </p:grpSpPr>
       <p:sp>
         <p:nvSpPr>
-          <p:cNvPr id="124" name="TextShape 1"/>
-          <p:cNvSpPr txBox="1"/>
+          <p:cNvPr id="115" name="CustomShape 1"/>
+          <p:cNvSpPr/>
           <p:nvPr/>
         </p:nvSpPr>
         <p:spPr>
           <a:xfrm>
-            <a:off x="571680" y="2057760"/>
-            <a:ext cx="8000640" cy="2742840"/>
+            <a:off x="571680" y="2651760"/>
+            <a:ext cx="8000280" cy="1188720"/>
           </a:xfrm>
           <a:prstGeom prst="rect">
             <a:avLst/>
@@ -6467,8 +5809,14 @@
             <a:noFill/>
           </a:ln>
         </p:spPr>
-        <p:txBody>
-          <a:bodyPr/>
+        <p:style>
+          <a:lnRef idx="0"/>
+          <a:fillRef idx="0"/>
+          <a:effectRef idx="0"/>
+          <a:fontRef idx="minor"/>
+        </p:style>
+        <p:txBody>
+          <a:bodyPr lIns="90000" rIns="90000" tIns="45000" bIns="45000"/>
           <a:p>
             <a:pPr algn="ctr">
               <a:lnSpc>
@@ -6485,17 +5833,14 @@
               <a:t>Quiz of intelligence</a:t>
             </a:r>
             <a:endParaRPr b="0" lang="en-US" sz="5900" spc="-1" strike="noStrike">
-              <a:solidFill>
-                <a:srgbClr val="ffffff"/>
-              </a:solidFill>
-              <a:latin typeface="Tahoma"/>
+              <a:latin typeface="Arial"/>
             </a:endParaRPr>
           </a:p>
         </p:txBody>
       </p:sp>
       <p:pic>
         <p:nvPicPr>
-          <p:cNvPr id="125" name="Picture 6" descr=""/>
+          <p:cNvPr id="116" name="Picture 6" descr=""/>
           <p:cNvPicPr/>
           <p:nvPr/>
         </p:nvPicPr>
@@ -6506,7 +5851,30 @@
         <p:spPr>
           <a:xfrm>
             <a:off x="3809880" y="5029200"/>
-            <a:ext cx="2014200" cy="1463400"/>
+            <a:ext cx="2013840" cy="1463040"/>
+          </a:xfrm>
+          <a:prstGeom prst="rect">
+            <a:avLst/>
+          </a:prstGeom>
+          <a:ln>
+            <a:noFill/>
+          </a:ln>
+        </p:spPr>
+      </p:pic>
+      <p:pic>
+        <p:nvPicPr>
+          <p:cNvPr id="117" name="" descr=""/>
+          <p:cNvPicPr/>
+          <p:nvPr/>
+        </p:nvPicPr>
+        <p:blipFill>
+          <a:blip r:embed="rId2"/>
+          <a:stretch/>
+        </p:blipFill>
+        <p:spPr>
+          <a:xfrm>
+            <a:off x="3657600" y="731520"/>
+            <a:ext cx="2103120" cy="1828800"/>
           </a:xfrm>
           <a:prstGeom prst="rect">
             <a:avLst/>
@@ -6567,14 +5935,14 @@
       </p:grpSpPr>
       <p:sp>
         <p:nvSpPr>
-          <p:cNvPr id="126" name="TextShape 1"/>
-          <p:cNvSpPr txBox="1"/>
+          <p:cNvPr id="118" name="CustomShape 1"/>
+          <p:cNvSpPr/>
           <p:nvPr/>
         </p:nvSpPr>
         <p:spPr>
           <a:xfrm>
             <a:off x="457200" y="380880"/>
-            <a:ext cx="8229240" cy="1371240"/>
+            <a:ext cx="8228880" cy="1370880"/>
           </a:xfrm>
           <a:prstGeom prst="rect">
             <a:avLst/>
@@ -6584,8 +5952,14 @@
             <a:noFill/>
           </a:ln>
         </p:spPr>
-        <p:txBody>
-          <a:bodyPr anchor="ctr"/>
+        <p:style>
+          <a:lnRef idx="0"/>
+          <a:fillRef idx="0"/>
+          <a:effectRef idx="0"/>
+          <a:fontRef idx="minor"/>
+        </p:style>
+        <p:txBody>
+          <a:bodyPr lIns="90000" rIns="90000" tIns="45000" bIns="45000" anchor="ctr"/>
           <a:p>
             <a:pPr algn="ctr">
               <a:lnSpc>
@@ -6602,24 +5976,21 @@
               <a:t>Group Members Introduction</a:t>
             </a:r>
             <a:endParaRPr b="0" lang="en-US" sz="5900" spc="-1" strike="noStrike">
-              <a:solidFill>
-                <a:srgbClr val="ffffff"/>
-              </a:solidFill>
-              <a:latin typeface="Tahoma"/>
-            </a:endParaRPr>
-          </a:p>
-        </p:txBody>
-      </p:sp>
-      <p:sp>
-        <p:nvSpPr>
-          <p:cNvPr id="127" name="TextShape 2"/>
-          <p:cNvSpPr txBox="1"/>
+              <a:latin typeface="Arial"/>
+            </a:endParaRPr>
+          </a:p>
+        </p:txBody>
+      </p:sp>
+      <p:sp>
+        <p:nvSpPr>
+          <p:cNvPr id="119" name="CustomShape 2"/>
+          <p:cNvSpPr/>
           <p:nvPr/>
         </p:nvSpPr>
         <p:spPr>
           <a:xfrm>
             <a:off x="457200" y="2514600"/>
-            <a:ext cx="8229240" cy="3978720"/>
+            <a:ext cx="8228880" cy="3978360"/>
           </a:xfrm>
           <a:prstGeom prst="rect">
             <a:avLst/>
@@ -6629,42 +6000,16 @@
             <a:noFill/>
           </a:ln>
         </p:spPr>
-        <p:txBody>
-          <a:bodyPr/>
-          <a:p>
-            <a:pPr marL="343080" indent="-342720">
-              <a:lnSpc>
-                <a:spcPct val="100000"/>
-              </a:lnSpc>
-              <a:spcBef>
-                <a:spcPts val="641"/>
-              </a:spcBef>
-            </a:pPr>
-            <a:endParaRPr b="0" lang="en-US" sz="3200" spc="-1" strike="noStrike">
-              <a:solidFill>
-                <a:srgbClr val="ffffff"/>
-              </a:solidFill>
-              <a:latin typeface="Tahoma"/>
-            </a:endParaRPr>
-          </a:p>
-          <a:p>
-            <a:pPr marL="343080" indent="-342720">
-              <a:lnSpc>
-                <a:spcPct val="100000"/>
-              </a:lnSpc>
-              <a:spcBef>
-                <a:spcPts val="641"/>
-              </a:spcBef>
-            </a:pPr>
-            <a:endParaRPr b="0" lang="en-US" sz="3200" spc="-1" strike="noStrike">
-              <a:solidFill>
-                <a:srgbClr val="ffffff"/>
-              </a:solidFill>
-              <a:latin typeface="Tahoma"/>
-            </a:endParaRPr>
-          </a:p>
-          <a:p>
-            <a:pPr marL="343080" indent="-342720" algn="ctr">
+        <p:style>
+          <a:lnRef idx="0"/>
+          <a:fillRef idx="0"/>
+          <a:effectRef idx="0"/>
+          <a:fontRef idx="minor"/>
+        </p:style>
+        <p:txBody>
+          <a:bodyPr lIns="90000" rIns="90000" tIns="45000" bIns="45000"/>
+          <a:p>
+            <a:pPr marL="343080" indent="-342360">
               <a:lnSpc>
                 <a:spcPct val="100000"/>
               </a:lnSpc>
@@ -6679,13 +6024,32 @@
                 </a:solidFill>
                 <a:latin typeface="Tahoma"/>
               </a:rPr>
-              <a:t>Write your group members introduction here with names and VU Id</a:t>
+              <a:t>Name: Jawad Ali</a:t>
             </a:r>
             <a:endParaRPr b="0" lang="en-US" sz="3200" spc="-1" strike="noStrike">
-              <a:solidFill>
-                <a:srgbClr val="ffffff"/>
-              </a:solidFill>
-              <a:latin typeface="Tahoma"/>
+              <a:latin typeface="Arial"/>
+            </a:endParaRPr>
+          </a:p>
+          <a:p>
+            <a:pPr marL="343080" indent="-342360">
+              <a:lnSpc>
+                <a:spcPct val="100000"/>
+              </a:lnSpc>
+              <a:spcBef>
+                <a:spcPts val="641"/>
+              </a:spcBef>
+            </a:pPr>
+            <a:r>
+              <a:rPr b="0" lang="en-US" sz="3200" spc="-1" strike="noStrike">
+                <a:solidFill>
+                  <a:srgbClr val="ffffff"/>
+                </a:solidFill>
+                <a:latin typeface="Tahoma"/>
+              </a:rPr>
+              <a:t>ID: bc160401965</a:t>
+            </a:r>
+            <a:endParaRPr b="0" lang="en-US" sz="3200" spc="-1" strike="noStrike">
+              <a:latin typeface="Arial"/>
             </a:endParaRPr>
           </a:p>
         </p:txBody>
@@ -6741,14 +6105,14 @@
       </p:grpSpPr>
       <p:sp>
         <p:nvSpPr>
-          <p:cNvPr id="128" name="TextShape 1"/>
-          <p:cNvSpPr txBox="1"/>
+          <p:cNvPr id="120" name="CustomShape 1"/>
+          <p:cNvSpPr/>
           <p:nvPr/>
         </p:nvSpPr>
         <p:spPr>
           <a:xfrm>
             <a:off x="762120" y="228600"/>
-            <a:ext cx="7772040" cy="1828440"/>
+            <a:ext cx="7771680" cy="1828080"/>
           </a:xfrm>
           <a:prstGeom prst="rect">
             <a:avLst/>
@@ -6758,8 +6122,14 @@
             <a:noFill/>
           </a:ln>
         </p:spPr>
-        <p:txBody>
-          <a:bodyPr anchor="ctr"/>
+        <p:style>
+          <a:lnRef idx="0"/>
+          <a:fillRef idx="0"/>
+          <a:effectRef idx="0"/>
+          <a:fontRef idx="minor"/>
+        </p:style>
+        <p:txBody>
+          <a:bodyPr lIns="90000" rIns="90000" tIns="45000" bIns="45000" anchor="ctr"/>
           <a:p>
             <a:pPr algn="ctr">
               <a:lnSpc>
@@ -6776,24 +6146,21 @@
               <a:t>INTRODUCTION OF PROJECT</a:t>
             </a:r>
             <a:endParaRPr b="0" lang="en-US" sz="4800" spc="-1" strike="noStrike">
-              <a:solidFill>
-                <a:srgbClr val="ffffff"/>
-              </a:solidFill>
-              <a:latin typeface="Tahoma"/>
-            </a:endParaRPr>
-          </a:p>
-        </p:txBody>
-      </p:sp>
-      <p:sp>
-        <p:nvSpPr>
-          <p:cNvPr id="129" name="TextShape 2"/>
-          <p:cNvSpPr txBox="1"/>
+              <a:latin typeface="Arial"/>
+            </a:endParaRPr>
+          </a:p>
+        </p:txBody>
+      </p:sp>
+      <p:sp>
+        <p:nvSpPr>
+          <p:cNvPr id="121" name="CustomShape 2"/>
+          <p:cNvSpPr/>
           <p:nvPr/>
         </p:nvSpPr>
         <p:spPr>
           <a:xfrm>
             <a:off x="1371600" y="3886200"/>
-            <a:ext cx="6400440" cy="1752120"/>
+            <a:ext cx="6400080" cy="1751760"/>
           </a:xfrm>
           <a:prstGeom prst="rect">
             <a:avLst/>
@@ -6803,8 +6170,14 @@
             <a:noFill/>
           </a:ln>
         </p:spPr>
-        <p:txBody>
-          <a:bodyPr/>
+        <p:style>
+          <a:lnRef idx="0"/>
+          <a:fillRef idx="0"/>
+          <a:effectRef idx="0"/>
+          <a:fontRef idx="minor"/>
+        </p:style>
+        <p:txBody>
+          <a:bodyPr lIns="90000" rIns="90000" tIns="45000" bIns="45000"/>
           <a:p>
             <a:pPr algn="ctr">
               <a:lnSpc>
@@ -6831,7 +6204,7 @@
       </p:sp>
       <p:pic>
         <p:nvPicPr>
-          <p:cNvPr id="130" name="Picture 8" descr=""/>
+          <p:cNvPr id="122" name="Picture 8" descr=""/>
           <p:cNvPicPr/>
           <p:nvPr/>
         </p:nvPicPr>
@@ -6842,7 +6215,7 @@
         <p:spPr>
           <a:xfrm>
             <a:off x="8305920" y="6305400"/>
-            <a:ext cx="837720" cy="552240"/>
+            <a:ext cx="837360" cy="551880"/>
           </a:xfrm>
           <a:prstGeom prst="rect">
             <a:avLst/>
@@ -6854,14 +6227,14 @@
       </p:pic>
       <p:sp>
         <p:nvSpPr>
-          <p:cNvPr id="131" name="CustomShape 3"/>
+          <p:cNvPr id="123" name="CustomShape 3"/>
           <p:cNvSpPr/>
           <p:nvPr/>
         </p:nvSpPr>
         <p:spPr>
           <a:xfrm>
             <a:off x="914400" y="2666880"/>
-            <a:ext cx="7543440" cy="2401200"/>
+            <a:ext cx="7543080" cy="2400840"/>
           </a:xfrm>
           <a:prstGeom prst="rect">
             <a:avLst/>
@@ -6894,6 +6267,7 @@
                   <a:srgbClr val="ffffff"/>
                 </a:solidFill>
                 <a:latin typeface="Tahoma"/>
+                <a:ea typeface="DejaVu Sans"/>
               </a:rPr>
               <a:t>Give here the introduction of your project in a professional way with proper headings. Try to write in bullets form. You can cover about two slides on introduction.</a:t>
             </a:r>
@@ -6967,14 +6341,14 @@
       </p:grpSpPr>
       <p:sp>
         <p:nvSpPr>
-          <p:cNvPr id="132" name="CustomShape 1"/>
+          <p:cNvPr id="124" name="CustomShape 1"/>
           <p:cNvSpPr/>
           <p:nvPr/>
         </p:nvSpPr>
         <p:spPr>
           <a:xfrm>
             <a:off x="1600200" y="1295280"/>
-            <a:ext cx="4876560" cy="366480"/>
+            <a:ext cx="4876200" cy="366120"/>
           </a:xfrm>
           <a:prstGeom prst="rect">
             <a:avLst/>
@@ -6993,14 +6367,14 @@
       </p:sp>
       <p:sp>
         <p:nvSpPr>
-          <p:cNvPr id="133" name="CustomShape 2"/>
+          <p:cNvPr id="125" name="CustomShape 2"/>
           <p:cNvSpPr/>
           <p:nvPr/>
         </p:nvSpPr>
         <p:spPr>
           <a:xfrm>
             <a:off x="533520" y="2133720"/>
-            <a:ext cx="8076960" cy="2558160"/>
+            <a:ext cx="8076600" cy="2557800"/>
           </a:xfrm>
           <a:prstGeom prst="rect">
             <a:avLst/>
@@ -7033,6 +6407,7 @@
                   <a:srgbClr val="ffffff"/>
                 </a:solidFill>
                 <a:latin typeface="Tahoma"/>
+                <a:ea typeface="DejaVu Sans"/>
               </a:rPr>
               <a:t>Provide Here the Diagram of Process Model. You can make the diagram of process model according to your choice but it should be correct.</a:t>
             </a:r>
@@ -7106,14 +6481,14 @@
       </p:grpSpPr>
       <p:sp>
         <p:nvSpPr>
-          <p:cNvPr id="134" name="TextShape 1"/>
-          <p:cNvSpPr txBox="1"/>
+          <p:cNvPr id="126" name="CustomShape 1"/>
+          <p:cNvSpPr/>
           <p:nvPr/>
         </p:nvSpPr>
         <p:spPr>
           <a:xfrm>
             <a:off x="609480" y="304920"/>
-            <a:ext cx="7772040" cy="990360"/>
+            <a:ext cx="7771680" cy="990000"/>
           </a:xfrm>
           <a:prstGeom prst="rect">
             <a:avLst/>
@@ -7123,8 +6498,14 @@
             <a:noFill/>
           </a:ln>
         </p:spPr>
-        <p:txBody>
-          <a:bodyPr anchor="ctr"/>
+        <p:style>
+          <a:lnRef idx="0"/>
+          <a:fillRef idx="0"/>
+          <a:effectRef idx="0"/>
+          <a:fontRef idx="minor"/>
+        </p:style>
+        <p:txBody>
+          <a:bodyPr lIns="90000" rIns="90000" tIns="45000" bIns="45000" anchor="ctr"/>
           <a:p>
             <a:pPr algn="ctr">
               <a:lnSpc>
@@ -7141,24 +6522,21 @@
               <a:t>Use Case Diagram</a:t>
             </a:r>
             <a:endParaRPr b="0" lang="en-US" sz="4400" spc="-1" strike="noStrike">
-              <a:solidFill>
-                <a:srgbClr val="ffffff"/>
-              </a:solidFill>
-              <a:latin typeface="Tahoma"/>
-            </a:endParaRPr>
-          </a:p>
-        </p:txBody>
-      </p:sp>
-      <p:sp>
-        <p:nvSpPr>
-          <p:cNvPr id="135" name="TextShape 2"/>
-          <p:cNvSpPr txBox="1"/>
+              <a:latin typeface="Arial"/>
+            </a:endParaRPr>
+          </a:p>
+        </p:txBody>
+      </p:sp>
+      <p:sp>
+        <p:nvSpPr>
+          <p:cNvPr id="127" name="CustomShape 2"/>
+          <p:cNvSpPr/>
           <p:nvPr/>
         </p:nvSpPr>
         <p:spPr>
           <a:xfrm>
             <a:off x="1371600" y="3886200"/>
-            <a:ext cx="6400440" cy="1371240"/>
+            <a:ext cx="6400080" cy="1370880"/>
           </a:xfrm>
           <a:prstGeom prst="rect">
             <a:avLst/>
@@ -7168,8 +6546,14 @@
             <a:noFill/>
           </a:ln>
         </p:spPr>
-        <p:txBody>
-          <a:bodyPr/>
+        <p:style>
+          <a:lnRef idx="0"/>
+          <a:fillRef idx="0"/>
+          <a:effectRef idx="0"/>
+          <a:fontRef idx="minor"/>
+        </p:style>
+        <p:txBody>
+          <a:bodyPr lIns="90000" rIns="90000" tIns="45000" bIns="45000"/>
           <a:p>
             <a:pPr algn="ctr">
               <a:lnSpc>
@@ -7245,14 +6629,14 @@
       </p:grpSpPr>
       <p:sp>
         <p:nvSpPr>
-          <p:cNvPr id="136" name="TextShape 1"/>
-          <p:cNvSpPr txBox="1"/>
+          <p:cNvPr id="128" name="CustomShape 1"/>
+          <p:cNvSpPr/>
           <p:nvPr/>
         </p:nvSpPr>
         <p:spPr>
           <a:xfrm>
             <a:off x="685800" y="533520"/>
-            <a:ext cx="7772040" cy="1828440"/>
+            <a:ext cx="7771680" cy="1828080"/>
           </a:xfrm>
           <a:prstGeom prst="rect">
             <a:avLst/>
@@ -7262,8 +6646,14 @@
             <a:noFill/>
           </a:ln>
         </p:spPr>
-        <p:txBody>
-          <a:bodyPr anchor="ctr"/>
+        <p:style>
+          <a:lnRef idx="0"/>
+          <a:fillRef idx="0"/>
+          <a:effectRef idx="0"/>
+          <a:fontRef idx="minor"/>
+        </p:style>
+        <p:txBody>
+          <a:bodyPr lIns="90000" rIns="90000" tIns="45000" bIns="45000" anchor="ctr"/>
           <a:p>
             <a:pPr algn="ctr">
               <a:lnSpc>
@@ -7280,24 +6670,21 @@
               <a:t>Business Rules Catalog</a:t>
             </a:r>
             <a:endParaRPr b="0" lang="en-US" sz="4400" spc="-1" strike="noStrike">
-              <a:solidFill>
-                <a:srgbClr val="ffffff"/>
-              </a:solidFill>
-              <a:latin typeface="Tahoma"/>
-            </a:endParaRPr>
-          </a:p>
-        </p:txBody>
-      </p:sp>
-      <p:sp>
-        <p:nvSpPr>
-          <p:cNvPr id="137" name="TextShape 2"/>
-          <p:cNvSpPr txBox="1"/>
+              <a:latin typeface="Arial"/>
+            </a:endParaRPr>
+          </a:p>
+        </p:txBody>
+      </p:sp>
+      <p:sp>
+        <p:nvSpPr>
+          <p:cNvPr id="129" name="CustomShape 2"/>
+          <p:cNvSpPr/>
           <p:nvPr/>
         </p:nvSpPr>
         <p:spPr>
           <a:xfrm>
             <a:off x="1371600" y="3124080"/>
-            <a:ext cx="6400440" cy="1752120"/>
+            <a:ext cx="6400080" cy="1751760"/>
           </a:xfrm>
           <a:prstGeom prst="rect">
             <a:avLst/>
@@ -7307,8 +6694,14 @@
             <a:noFill/>
           </a:ln>
         </p:spPr>
-        <p:txBody>
-          <a:bodyPr/>
+        <p:style>
+          <a:lnRef idx="0"/>
+          <a:fillRef idx="0"/>
+          <a:effectRef idx="0"/>
+          <a:fontRef idx="minor"/>
+        </p:style>
+        <p:txBody>
+          <a:bodyPr lIns="90000" rIns="90000" tIns="45000" bIns="45000"/>
           <a:p>
             <a:pPr algn="ctr">
               <a:lnSpc>
@@ -7384,14 +6777,14 @@
       </p:grpSpPr>
       <p:sp>
         <p:nvSpPr>
-          <p:cNvPr id="138" name="TextShape 1"/>
-          <p:cNvSpPr txBox="1"/>
+          <p:cNvPr id="130" name="CustomShape 1"/>
+          <p:cNvSpPr/>
           <p:nvPr/>
         </p:nvSpPr>
         <p:spPr>
           <a:xfrm>
             <a:off x="457200" y="380880"/>
-            <a:ext cx="8229240" cy="1371240"/>
+            <a:ext cx="8228880" cy="1370880"/>
           </a:xfrm>
           <a:prstGeom prst="rect">
             <a:avLst/>
@@ -7401,8 +6794,14 @@
             <a:noFill/>
           </a:ln>
         </p:spPr>
-        <p:txBody>
-          <a:bodyPr anchor="ctr"/>
+        <p:style>
+          <a:lnRef idx="0"/>
+          <a:fillRef idx="0"/>
+          <a:effectRef idx="0"/>
+          <a:fontRef idx="minor"/>
+        </p:style>
+        <p:txBody>
+          <a:bodyPr lIns="90000" rIns="90000" tIns="45000" bIns="45000" anchor="ctr"/>
           <a:p>
             <a:pPr algn="ctr">
               <a:lnSpc>
@@ -7419,24 +6818,21 @@
               <a:t>Architectural Design</a:t>
             </a:r>
             <a:endParaRPr b="0" lang="en-US" sz="4400" spc="-1" strike="noStrike">
-              <a:solidFill>
-                <a:srgbClr val="ffffff"/>
-              </a:solidFill>
-              <a:latin typeface="Tahoma"/>
-            </a:endParaRPr>
-          </a:p>
-        </p:txBody>
-      </p:sp>
-      <p:sp>
-        <p:nvSpPr>
-          <p:cNvPr id="139" name="CustomShape 2"/>
+              <a:latin typeface="Arial"/>
+            </a:endParaRPr>
+          </a:p>
+        </p:txBody>
+      </p:sp>
+      <p:sp>
+        <p:nvSpPr>
+          <p:cNvPr id="131" name="CustomShape 2"/>
           <p:cNvSpPr/>
           <p:nvPr/>
         </p:nvSpPr>
         <p:spPr>
           <a:xfrm>
             <a:off x="0" y="1386000"/>
-            <a:ext cx="9143640" cy="360"/>
+            <a:ext cx="9143280" cy="360"/>
           </a:xfrm>
           <a:prstGeom prst="rect">
             <a:avLst/>
@@ -7455,14 +6851,14 @@
       </p:sp>
       <p:sp>
         <p:nvSpPr>
-          <p:cNvPr id="140" name="CustomShape 3"/>
+          <p:cNvPr id="132" name="CustomShape 3"/>
           <p:cNvSpPr/>
           <p:nvPr/>
         </p:nvSpPr>
         <p:spPr>
           <a:xfrm>
             <a:off x="1523880" y="3124080"/>
-            <a:ext cx="6781320" cy="761760"/>
+            <a:ext cx="6780960" cy="761400"/>
           </a:xfrm>
           <a:prstGeom prst="rect">
             <a:avLst/>
@@ -7481,7 +6877,7 @@
         <p:txBody>
           <a:bodyPr lIns="90000" rIns="90000" tIns="45000" bIns="45000"/>
           <a:p>
-            <a:pPr marL="343080" indent="-342720">
+            <a:pPr marL="343080" indent="-342360">
               <a:lnSpc>
                 <a:spcPct val="100000"/>
               </a:lnSpc>
@@ -7495,6 +6891,7 @@
                   <a:srgbClr val="ffffff"/>
                 </a:solidFill>
                 <a:latin typeface="Tahoma"/>
+                <a:ea typeface="DejaVu Sans"/>
               </a:rPr>
               <a:t>Provide Architecture Diagram Here</a:t>
             </a:r>
@@ -7555,14 +6952,14 @@
       </p:grpSpPr>
       <p:sp>
         <p:nvSpPr>
-          <p:cNvPr id="141" name="TextShape 1"/>
-          <p:cNvSpPr txBox="1"/>
+          <p:cNvPr id="133" name="CustomShape 1"/>
+          <p:cNvSpPr/>
           <p:nvPr/>
         </p:nvSpPr>
         <p:spPr>
           <a:xfrm>
             <a:off x="457200" y="380880"/>
-            <a:ext cx="8229240" cy="1371240"/>
+            <a:ext cx="8228880" cy="1370880"/>
           </a:xfrm>
           <a:prstGeom prst="rect">
             <a:avLst/>
@@ -7572,8 +6969,14 @@
             <a:noFill/>
           </a:ln>
         </p:spPr>
-        <p:txBody>
-          <a:bodyPr anchor="ctr"/>
+        <p:style>
+          <a:lnRef idx="0"/>
+          <a:fillRef idx="0"/>
+          <a:effectRef idx="0"/>
+          <a:fontRef idx="minor"/>
+        </p:style>
+        <p:txBody>
+          <a:bodyPr lIns="90000" rIns="90000" tIns="45000" bIns="45000" anchor="ctr"/>
           <a:p>
             <a:pPr algn="ctr">
               <a:lnSpc>
@@ -7590,24 +6993,21 @@
               <a:t>Team Structure</a:t>
             </a:r>
             <a:endParaRPr b="0" lang="en-US" sz="4400" spc="-1" strike="noStrike">
-              <a:solidFill>
-                <a:srgbClr val="ffffff"/>
-              </a:solidFill>
-              <a:latin typeface="Tahoma"/>
-            </a:endParaRPr>
-          </a:p>
-        </p:txBody>
-      </p:sp>
-      <p:sp>
-        <p:nvSpPr>
-          <p:cNvPr id="142" name="TextShape 2"/>
-          <p:cNvSpPr txBox="1"/>
+              <a:latin typeface="Arial"/>
+            </a:endParaRPr>
+          </a:p>
+        </p:txBody>
+      </p:sp>
+      <p:sp>
+        <p:nvSpPr>
+          <p:cNvPr id="134" name="CustomShape 2"/>
+          <p:cNvSpPr/>
           <p:nvPr/>
         </p:nvSpPr>
         <p:spPr>
           <a:xfrm>
             <a:off x="457200" y="1981080"/>
-            <a:ext cx="8229240" cy="1447560"/>
+            <a:ext cx="8228880" cy="1447200"/>
           </a:xfrm>
           <a:prstGeom prst="rect">
             <a:avLst/>
@@ -7617,10 +7017,16 @@
             <a:noFill/>
           </a:ln>
         </p:spPr>
-        <p:txBody>
-          <a:bodyPr/>
-          <a:p>
-            <a:pPr marL="343080" indent="-342720">
+        <p:style>
+          <a:lnRef idx="0"/>
+          <a:fillRef idx="0"/>
+          <a:effectRef idx="0"/>
+          <a:fontRef idx="minor"/>
+        </p:style>
+        <p:txBody>
+          <a:bodyPr lIns="90000" rIns="90000" tIns="45000" bIns="45000"/>
+          <a:p>
+            <a:pPr marL="343080" indent="-342360">
               <a:lnSpc>
                 <a:spcPct val="100000"/>
               </a:lnSpc>
@@ -7638,14 +7044,11 @@
               <a:t>Provide here the diagrammatic view of your team structure and key responsibilities.</a:t>
             </a:r>
             <a:endParaRPr b="0" lang="en-US" sz="3200" spc="-1" strike="noStrike">
-              <a:solidFill>
-                <a:srgbClr val="ffffff"/>
-              </a:solidFill>
-              <a:latin typeface="Tahoma"/>
-            </a:endParaRPr>
-          </a:p>
-          <a:p>
-            <a:pPr marL="343080" indent="-342720">
+              <a:latin typeface="Arial"/>
+            </a:endParaRPr>
+          </a:p>
+          <a:p>
+            <a:pPr marL="343080" indent="-342360">
               <a:lnSpc>
                 <a:spcPct val="100000"/>
               </a:lnSpc>
@@ -7654,10 +7057,7 @@
               </a:spcBef>
             </a:pPr>
             <a:endParaRPr b="0" lang="en-US" sz="3200" spc="-1" strike="noStrike">
-              <a:solidFill>
-                <a:srgbClr val="ffffff"/>
-              </a:solidFill>
-              <a:latin typeface="Tahoma"/>
+              <a:latin typeface="Arial"/>
             </a:endParaRPr>
           </a:p>
         </p:txBody>
